--- a/servicex.pptx
+++ b/servicex.pptx
@@ -5,18 +5,28 @@
     <p:sldMasterId id="2147483660" r:id="rId1"/>
   </p:sldMasterIdLst>
   <p:notesMasterIdLst>
-    <p:notesMasterId r:id="rId11"/>
+    <p:notesMasterId r:id="rId21"/>
   </p:notesMasterIdLst>
   <p:sldIdLst>
     <p:sldId id="256" r:id="rId2"/>
     <p:sldId id="259" r:id="rId3"/>
     <p:sldId id="258" r:id="rId4"/>
     <p:sldId id="263" r:id="rId5"/>
-    <p:sldId id="261" r:id="rId6"/>
-    <p:sldId id="262" r:id="rId7"/>
-    <p:sldId id="264" r:id="rId8"/>
-    <p:sldId id="265" r:id="rId9"/>
-    <p:sldId id="266" r:id="rId10"/>
+    <p:sldId id="276" r:id="rId6"/>
+    <p:sldId id="261" r:id="rId7"/>
+    <p:sldId id="262" r:id="rId8"/>
+    <p:sldId id="264" r:id="rId9"/>
+    <p:sldId id="265" r:id="rId10"/>
+    <p:sldId id="266" r:id="rId11"/>
+    <p:sldId id="267" r:id="rId12"/>
+    <p:sldId id="271" r:id="rId13"/>
+    <p:sldId id="272" r:id="rId14"/>
+    <p:sldId id="269" r:id="rId15"/>
+    <p:sldId id="270" r:id="rId16"/>
+    <p:sldId id="273" r:id="rId17"/>
+    <p:sldId id="275" r:id="rId18"/>
+    <p:sldId id="277" r:id="rId19"/>
+    <p:sldId id="274" r:id="rId20"/>
   </p:sldIdLst>
   <p:sldSz cx="12192000" cy="6858000"/>
   <p:notesSz cx="6858000" cy="9144000"/>
@@ -115,6 +125,11 @@
       </a:defRPr>
     </a:lvl9pPr>
   </p:defaultTextStyle>
+  <p:extLst>
+    <p:ext uri="{EFAFB233-063F-42B5-8137-9DF3F51BA10A}">
+      <p15:sldGuideLst xmlns:p15="http://schemas.microsoft.com/office/powerpoint/2012/main"/>
+    </p:ext>
+  </p:extLst>
 </p:presentation>
 </file>
 
@@ -200,7 +215,7 @@
           <a:p>
             <a:fld id="{FF168AEE-0CCC-4A46-BD41-9757BA8DBDA3}" type="datetimeFigureOut">
               <a:rPr lang="en-US" smtClean="0"/>
-              <a:t>4/21/2022</a:t>
+              <a:t>4/25/2022</a:t>
             </a:fld>
             <a:endParaRPr lang="en-US"/>
           </a:p>
@@ -598,7 +613,7 @@
           <a:p>
             <a:fld id="{992C6646-02D7-4571-9B19-4060E60FB9CE}" type="datetime1">
               <a:rPr lang="en-US" smtClean="0"/>
-              <a:t>4/21/2022</a:t>
+              <a:t>4/25/2022</a:t>
             </a:fld>
             <a:endParaRPr lang="en-US"/>
           </a:p>
@@ -771,7 +786,7 @@
           <a:p>
             <a:fld id="{9002305D-DBFA-4FE9-A524-045809D83C64}" type="datetime1">
               <a:rPr lang="en-US" smtClean="0"/>
-              <a:t>4/21/2022</a:t>
+              <a:t>4/25/2022</a:t>
             </a:fld>
             <a:endParaRPr lang="en-US"/>
           </a:p>
@@ -954,7 +969,7 @@
           <a:p>
             <a:fld id="{CB502DDB-3F34-4997-9D4C-2C44AF238FE0}" type="datetime1">
               <a:rPr lang="en-US" smtClean="0"/>
-              <a:t>4/21/2022</a:t>
+              <a:t>4/25/2022</a:t>
             </a:fld>
             <a:endParaRPr lang="en-US"/>
           </a:p>
@@ -1127,7 +1142,7 @@
           <a:p>
             <a:fld id="{A05233F2-03E6-4C32-A72B-4D5F19142FAA}" type="datetime1">
               <a:rPr lang="en-US" smtClean="0"/>
-              <a:t>4/21/2022</a:t>
+              <a:t>4/25/2022</a:t>
             </a:fld>
             <a:endParaRPr lang="en-US"/>
           </a:p>
@@ -1376,7 +1391,7 @@
           <a:p>
             <a:fld id="{7FF6382E-76BC-474F-8E43-302A9530084B}" type="datetime1">
               <a:rPr lang="en-US" smtClean="0"/>
-              <a:t>4/21/2022</a:t>
+              <a:t>4/25/2022</a:t>
             </a:fld>
             <a:endParaRPr lang="en-US"/>
           </a:p>
@@ -1611,7 +1626,7 @@
           <a:p>
             <a:fld id="{70E1B5A6-6D53-414F-8041-DDEC752766B1}" type="datetime1">
               <a:rPr lang="en-US" smtClean="0"/>
-              <a:t>4/21/2022</a:t>
+              <a:t>4/25/2022</a:t>
             </a:fld>
             <a:endParaRPr lang="en-US"/>
           </a:p>
@@ -1981,7 +1996,7 @@
           <a:p>
             <a:fld id="{19E948E7-8AB2-444C-B18F-974F73DCCD4F}" type="datetime1">
               <a:rPr lang="en-US" smtClean="0"/>
-              <a:t>4/21/2022</a:t>
+              <a:t>4/25/2022</a:t>
             </a:fld>
             <a:endParaRPr lang="en-US"/>
           </a:p>
@@ -2102,7 +2117,7 @@
           <a:p>
             <a:fld id="{F60E0833-F23F-489D-8DBE-E9FC5DB9D98E}" type="datetime1">
               <a:rPr lang="en-US" smtClean="0"/>
-              <a:t>4/21/2022</a:t>
+              <a:t>4/25/2022</a:t>
             </a:fld>
             <a:endParaRPr lang="en-US"/>
           </a:p>
@@ -2200,7 +2215,7 @@
           <a:p>
             <a:fld id="{7BB5A8C5-7139-41A7-9282-22DD62A43B81}" type="datetime1">
               <a:rPr lang="en-US" smtClean="0"/>
-              <a:t>4/21/2022</a:t>
+              <a:t>4/25/2022</a:t>
             </a:fld>
             <a:endParaRPr lang="en-US"/>
           </a:p>
@@ -2480,7 +2495,7 @@
           <a:p>
             <a:fld id="{C018E2F1-1A3C-4211-8DEE-007731B7105E}" type="datetime1">
               <a:rPr lang="en-US" smtClean="0"/>
-              <a:t>4/21/2022</a:t>
+              <a:t>4/25/2022</a:t>
             </a:fld>
             <a:endParaRPr lang="en-US"/>
           </a:p>
@@ -2740,7 +2755,7 @@
           <a:p>
             <a:fld id="{7335C312-BF84-4E6C-B779-5E53332C7958}" type="datetime1">
               <a:rPr lang="en-US" smtClean="0"/>
-              <a:t>4/21/2022</a:t>
+              <a:t>4/25/2022</a:t>
             </a:fld>
             <a:endParaRPr lang="en-US"/>
           </a:p>
@@ -2956,7 +2971,7 @@
           <a:p>
             <a:fld id="{9DD7F002-7EA1-402C-9B7F-4488EEE23D37}" type="datetime1">
               <a:rPr lang="en-US" smtClean="0"/>
-              <a:t>4/21/2022</a:t>
+              <a:t>4/25/2022</a:t>
             </a:fld>
             <a:endParaRPr lang="en-US"/>
           </a:p>
@@ -3448,6 +3463,4632 @@
 </p:sld>
 </file>
 
+<file path=ppt/slides/slide10.xml><?xml version="1.0" encoding="utf-8"?>
+<p:sld xmlns:a="http://schemas.openxmlformats.org/drawingml/2006/main" xmlns:r="http://schemas.openxmlformats.org/officeDocument/2006/relationships" xmlns:p="http://schemas.openxmlformats.org/presentationml/2006/main">
+  <p:cSld>
+    <p:spTree>
+      <p:nvGrpSpPr>
+        <p:cNvPr id="1" name=""/>
+        <p:cNvGrpSpPr/>
+        <p:nvPr/>
+      </p:nvGrpSpPr>
+      <p:grpSpPr>
+        <a:xfrm>
+          <a:off x="0" y="0"/>
+          <a:ext cx="0" cy="0"/>
+          <a:chOff x="0" y="0"/>
+          <a:chExt cx="0" cy="0"/>
+        </a:xfrm>
+      </p:grpSpPr>
+      <p:sp>
+        <p:nvSpPr>
+          <p:cNvPr id="2" name="Footer Placeholder 1">
+            <a:extLst>
+              <a:ext uri="{FF2B5EF4-FFF2-40B4-BE49-F238E27FC236}">
+                <a16:creationId xmlns:a16="http://schemas.microsoft.com/office/drawing/2014/main" id="{0B9FA5B6-0B10-4DEF-A1B5-86BEC2D44A44}"/>
+              </a:ext>
+            </a:extLst>
+          </p:cNvPr>
+          <p:cNvSpPr>
+            <a:spLocks noGrp="1"/>
+          </p:cNvSpPr>
+          <p:nvPr>
+            <p:ph type="ftr" sz="quarter" idx="11"/>
+          </p:nvPr>
+        </p:nvSpPr>
+        <p:spPr/>
+        <p:txBody>
+          <a:bodyPr/>
+          <a:lstStyle/>
+          <a:p>
+            <a:r>
+              <a:rPr lang="en-US"/>
+              <a:t>G. Watts (UW/Seattle)</a:t>
+            </a:r>
+          </a:p>
+        </p:txBody>
+      </p:sp>
+      <p:sp>
+        <p:nvSpPr>
+          <p:cNvPr id="3" name="Slide Number Placeholder 2">
+            <a:extLst>
+              <a:ext uri="{FF2B5EF4-FFF2-40B4-BE49-F238E27FC236}">
+                <a16:creationId xmlns:a16="http://schemas.microsoft.com/office/drawing/2014/main" id="{5C4F55EE-4260-4CF0-82D2-217D2F3B53CF}"/>
+              </a:ext>
+            </a:extLst>
+          </p:cNvPr>
+          <p:cNvSpPr>
+            <a:spLocks noGrp="1"/>
+          </p:cNvSpPr>
+          <p:nvPr>
+            <p:ph type="sldNum" sz="quarter" idx="12"/>
+          </p:nvPr>
+        </p:nvSpPr>
+        <p:spPr/>
+        <p:txBody>
+          <a:bodyPr/>
+          <a:lstStyle/>
+          <a:p>
+            <a:fld id="{97B21D6D-C8F0-458B-8B37-8D3885B9A9EF}" type="slidenum">
+              <a:rPr lang="en-US" smtClean="0"/>
+              <a:t>10</a:t>
+            </a:fld>
+            <a:endParaRPr lang="en-US"/>
+          </a:p>
+        </p:txBody>
+      </p:sp>
+      <p:sp>
+        <p:nvSpPr>
+          <p:cNvPr id="4" name="TextBox 3">
+            <a:extLst>
+              <a:ext uri="{FF2B5EF4-FFF2-40B4-BE49-F238E27FC236}">
+                <a16:creationId xmlns:a16="http://schemas.microsoft.com/office/drawing/2014/main" id="{C7F996C1-ACA7-45A3-86A2-8698A2F1291D}"/>
+              </a:ext>
+            </a:extLst>
+          </p:cNvPr>
+          <p:cNvSpPr txBox="1"/>
+          <p:nvPr/>
+        </p:nvSpPr>
+        <p:spPr>
+          <a:xfrm>
+            <a:off x="3038336" y="3075057"/>
+            <a:ext cx="6229141" cy="707886"/>
+          </a:xfrm>
+          <a:prstGeom prst="rect">
+            <a:avLst/>
+          </a:prstGeom>
+          <a:noFill/>
+        </p:spPr>
+        <p:txBody>
+          <a:bodyPr wrap="none" rtlCol="0">
+            <a:spAutoFit/>
+          </a:bodyPr>
+          <a:lstStyle/>
+          <a:p>
+            <a:r>
+              <a:rPr lang="en-US" sz="4000" dirty="0"/>
+              <a:t>Let's build a query to do this!</a:t>
+            </a:r>
+          </a:p>
+        </p:txBody>
+      </p:sp>
+      <p:sp>
+        <p:nvSpPr>
+          <p:cNvPr id="5" name="TextBox 4">
+            <a:extLst>
+              <a:ext uri="{FF2B5EF4-FFF2-40B4-BE49-F238E27FC236}">
+                <a16:creationId xmlns:a16="http://schemas.microsoft.com/office/drawing/2014/main" id="{5B8EB8DB-0BC0-4ADB-88DF-4BA60EA6E76C}"/>
+              </a:ext>
+            </a:extLst>
+          </p:cNvPr>
+          <p:cNvSpPr txBox="1"/>
+          <p:nvPr/>
+        </p:nvSpPr>
+        <p:spPr>
+          <a:xfrm>
+            <a:off x="4919043" y="3863662"/>
+            <a:ext cx="2353914" cy="369332"/>
+          </a:xfrm>
+          <a:prstGeom prst="rect">
+            <a:avLst/>
+          </a:prstGeom>
+          <a:noFill/>
+        </p:spPr>
+        <p:txBody>
+          <a:bodyPr wrap="none" rtlCol="0">
+            <a:spAutoFit/>
+          </a:bodyPr>
+          <a:lstStyle/>
+          <a:p>
+            <a:r>
+              <a:rPr lang="en-US" dirty="0"/>
+              <a:t>(01_central_jets.ipynb)</a:t>
+            </a:r>
+          </a:p>
+        </p:txBody>
+      </p:sp>
+    </p:spTree>
+    <p:extLst>
+      <p:ext uri="{BB962C8B-B14F-4D97-AF65-F5344CB8AC3E}">
+        <p14:creationId xmlns:p14="http://schemas.microsoft.com/office/powerpoint/2010/main" val="422289290"/>
+      </p:ext>
+    </p:extLst>
+  </p:cSld>
+  <p:clrMapOvr>
+    <a:masterClrMapping/>
+  </p:clrMapOvr>
+</p:sld>
+</file>
+
+<file path=ppt/slides/slide11.xml><?xml version="1.0" encoding="utf-8"?>
+<p:sld xmlns:a="http://schemas.openxmlformats.org/drawingml/2006/main" xmlns:r="http://schemas.openxmlformats.org/officeDocument/2006/relationships" xmlns:p="http://schemas.openxmlformats.org/presentationml/2006/main">
+  <p:cSld>
+    <p:spTree>
+      <p:nvGrpSpPr>
+        <p:cNvPr id="1" name=""/>
+        <p:cNvGrpSpPr/>
+        <p:nvPr/>
+      </p:nvGrpSpPr>
+      <p:grpSpPr>
+        <a:xfrm>
+          <a:off x="0" y="0"/>
+          <a:ext cx="0" cy="0"/>
+          <a:chOff x="0" y="0"/>
+          <a:chExt cx="0" cy="0"/>
+        </a:xfrm>
+      </p:grpSpPr>
+      <p:sp>
+        <p:nvSpPr>
+          <p:cNvPr id="4" name="Title 3">
+            <a:extLst>
+              <a:ext uri="{FF2B5EF4-FFF2-40B4-BE49-F238E27FC236}">
+                <a16:creationId xmlns:a16="http://schemas.microsoft.com/office/drawing/2014/main" id="{7D2784F6-0D0B-4921-B9C3-F33A1A96F1A0}"/>
+              </a:ext>
+            </a:extLst>
+          </p:cNvPr>
+          <p:cNvSpPr>
+            <a:spLocks noGrp="1"/>
+          </p:cNvSpPr>
+          <p:nvPr>
+            <p:ph type="title"/>
+          </p:nvPr>
+        </p:nvSpPr>
+        <p:spPr/>
+        <p:txBody>
+          <a:bodyPr/>
+          <a:lstStyle/>
+          <a:p>
+            <a:r>
+              <a:rPr lang="en-US" dirty="0"/>
+              <a:t>What is Select?</a:t>
+            </a:r>
+          </a:p>
+        </p:txBody>
+      </p:sp>
+      <p:sp>
+        <p:nvSpPr>
+          <p:cNvPr id="2" name="Footer Placeholder 1">
+            <a:extLst>
+              <a:ext uri="{FF2B5EF4-FFF2-40B4-BE49-F238E27FC236}">
+                <a16:creationId xmlns:a16="http://schemas.microsoft.com/office/drawing/2014/main" id="{D8C8C1BF-E777-4DB6-9A96-A1673FBA2A38}"/>
+              </a:ext>
+            </a:extLst>
+          </p:cNvPr>
+          <p:cNvSpPr>
+            <a:spLocks noGrp="1"/>
+          </p:cNvSpPr>
+          <p:nvPr>
+            <p:ph type="ftr" sz="quarter" idx="11"/>
+          </p:nvPr>
+        </p:nvSpPr>
+        <p:spPr/>
+        <p:txBody>
+          <a:bodyPr/>
+          <a:lstStyle/>
+          <a:p>
+            <a:r>
+              <a:rPr lang="en-US"/>
+              <a:t>G. Watts (UW/Seattle)</a:t>
+            </a:r>
+          </a:p>
+        </p:txBody>
+      </p:sp>
+      <p:sp>
+        <p:nvSpPr>
+          <p:cNvPr id="3" name="Slide Number Placeholder 2">
+            <a:extLst>
+              <a:ext uri="{FF2B5EF4-FFF2-40B4-BE49-F238E27FC236}">
+                <a16:creationId xmlns:a16="http://schemas.microsoft.com/office/drawing/2014/main" id="{74A0218D-6C15-440C-B598-5FD060C331CA}"/>
+              </a:ext>
+            </a:extLst>
+          </p:cNvPr>
+          <p:cNvSpPr>
+            <a:spLocks noGrp="1"/>
+          </p:cNvSpPr>
+          <p:nvPr>
+            <p:ph type="sldNum" sz="quarter" idx="12"/>
+          </p:nvPr>
+        </p:nvSpPr>
+        <p:spPr/>
+        <p:txBody>
+          <a:bodyPr/>
+          <a:lstStyle/>
+          <a:p>
+            <a:fld id="{97B21D6D-C8F0-458B-8B37-8D3885B9A9EF}" type="slidenum">
+              <a:rPr lang="en-US" smtClean="0"/>
+              <a:t>11</a:t>
+            </a:fld>
+            <a:endParaRPr lang="en-US"/>
+          </a:p>
+        </p:txBody>
+      </p:sp>
+      <p:sp>
+        <p:nvSpPr>
+          <p:cNvPr id="5" name="Rectangle 4">
+            <a:extLst>
+              <a:ext uri="{FF2B5EF4-FFF2-40B4-BE49-F238E27FC236}">
+                <a16:creationId xmlns:a16="http://schemas.microsoft.com/office/drawing/2014/main" id="{91E50B88-236D-4A7D-91D3-4ACAEEDF5785}"/>
+              </a:ext>
+            </a:extLst>
+          </p:cNvPr>
+          <p:cNvSpPr/>
+          <p:nvPr/>
+        </p:nvSpPr>
+        <p:spPr>
+          <a:xfrm>
+            <a:off x="1478315" y="1764632"/>
+            <a:ext cx="1113183" cy="735496"/>
+          </a:xfrm>
+          <a:prstGeom prst="rect">
+            <a:avLst/>
+          </a:prstGeom>
+        </p:spPr>
+        <p:style>
+          <a:lnRef idx="2">
+            <a:schemeClr val="accent1">
+              <a:shade val="50000"/>
+            </a:schemeClr>
+          </a:lnRef>
+          <a:fillRef idx="1">
+            <a:schemeClr val="accent1"/>
+          </a:fillRef>
+          <a:effectRef idx="0">
+            <a:schemeClr val="accent1"/>
+          </a:effectRef>
+          <a:fontRef idx="minor">
+            <a:schemeClr val="lt1"/>
+          </a:fontRef>
+        </p:style>
+        <p:txBody>
+          <a:bodyPr rtlCol="0" anchor="ctr"/>
+          <a:lstStyle/>
+          <a:p>
+            <a:pPr algn="ctr"/>
+            <a:r>
+              <a:rPr lang="en-US" dirty="0"/>
+              <a:t>j1</a:t>
+            </a:r>
+          </a:p>
+        </p:txBody>
+      </p:sp>
+      <p:sp>
+        <p:nvSpPr>
+          <p:cNvPr id="6" name="Rectangle 5">
+            <a:extLst>
+              <a:ext uri="{FF2B5EF4-FFF2-40B4-BE49-F238E27FC236}">
+                <a16:creationId xmlns:a16="http://schemas.microsoft.com/office/drawing/2014/main" id="{F579DF08-05EC-4B22-8A1E-4501FECCA043}"/>
+              </a:ext>
+            </a:extLst>
+          </p:cNvPr>
+          <p:cNvSpPr/>
+          <p:nvPr/>
+        </p:nvSpPr>
+        <p:spPr>
+          <a:xfrm>
+            <a:off x="1478315" y="2652528"/>
+            <a:ext cx="1113183" cy="735496"/>
+          </a:xfrm>
+          <a:prstGeom prst="rect">
+            <a:avLst/>
+          </a:prstGeom>
+        </p:spPr>
+        <p:style>
+          <a:lnRef idx="2">
+            <a:schemeClr val="accent1">
+              <a:shade val="50000"/>
+            </a:schemeClr>
+          </a:lnRef>
+          <a:fillRef idx="1">
+            <a:schemeClr val="accent1"/>
+          </a:fillRef>
+          <a:effectRef idx="0">
+            <a:schemeClr val="accent1"/>
+          </a:effectRef>
+          <a:fontRef idx="minor">
+            <a:schemeClr val="lt1"/>
+          </a:fontRef>
+        </p:style>
+        <p:txBody>
+          <a:bodyPr rtlCol="0" anchor="ctr"/>
+          <a:lstStyle/>
+          <a:p>
+            <a:pPr algn="ctr"/>
+            <a:r>
+              <a:rPr lang="en-US" dirty="0"/>
+              <a:t>j2</a:t>
+            </a:r>
+          </a:p>
+        </p:txBody>
+      </p:sp>
+      <p:sp>
+        <p:nvSpPr>
+          <p:cNvPr id="7" name="Rectangle 6">
+            <a:extLst>
+              <a:ext uri="{FF2B5EF4-FFF2-40B4-BE49-F238E27FC236}">
+                <a16:creationId xmlns:a16="http://schemas.microsoft.com/office/drawing/2014/main" id="{A982A95E-CC60-4075-9A26-B459B8FADFF4}"/>
+              </a:ext>
+            </a:extLst>
+          </p:cNvPr>
+          <p:cNvSpPr/>
+          <p:nvPr/>
+        </p:nvSpPr>
+        <p:spPr>
+          <a:xfrm>
+            <a:off x="1478314" y="3540424"/>
+            <a:ext cx="1113183" cy="735496"/>
+          </a:xfrm>
+          <a:prstGeom prst="rect">
+            <a:avLst/>
+          </a:prstGeom>
+        </p:spPr>
+        <p:style>
+          <a:lnRef idx="2">
+            <a:schemeClr val="accent1">
+              <a:shade val="50000"/>
+            </a:schemeClr>
+          </a:lnRef>
+          <a:fillRef idx="1">
+            <a:schemeClr val="accent1"/>
+          </a:fillRef>
+          <a:effectRef idx="0">
+            <a:schemeClr val="accent1"/>
+          </a:effectRef>
+          <a:fontRef idx="minor">
+            <a:schemeClr val="lt1"/>
+          </a:fontRef>
+        </p:style>
+        <p:txBody>
+          <a:bodyPr rtlCol="0" anchor="ctr"/>
+          <a:lstStyle/>
+          <a:p>
+            <a:pPr algn="ctr"/>
+            <a:r>
+              <a:rPr lang="en-US" dirty="0"/>
+              <a:t>j3</a:t>
+            </a:r>
+          </a:p>
+        </p:txBody>
+      </p:sp>
+      <p:sp>
+        <p:nvSpPr>
+          <p:cNvPr id="8" name="Rectangle 7">
+            <a:extLst>
+              <a:ext uri="{FF2B5EF4-FFF2-40B4-BE49-F238E27FC236}">
+                <a16:creationId xmlns:a16="http://schemas.microsoft.com/office/drawing/2014/main" id="{EEDA014D-3E3C-42D1-95BF-42AA5C9622B0}"/>
+              </a:ext>
+            </a:extLst>
+          </p:cNvPr>
+          <p:cNvSpPr/>
+          <p:nvPr/>
+        </p:nvSpPr>
+        <p:spPr>
+          <a:xfrm>
+            <a:off x="1478313" y="4428320"/>
+            <a:ext cx="1113183" cy="735496"/>
+          </a:xfrm>
+          <a:prstGeom prst="rect">
+            <a:avLst/>
+          </a:prstGeom>
+        </p:spPr>
+        <p:style>
+          <a:lnRef idx="2">
+            <a:schemeClr val="accent1">
+              <a:shade val="50000"/>
+            </a:schemeClr>
+          </a:lnRef>
+          <a:fillRef idx="1">
+            <a:schemeClr val="accent1"/>
+          </a:fillRef>
+          <a:effectRef idx="0">
+            <a:schemeClr val="accent1"/>
+          </a:effectRef>
+          <a:fontRef idx="minor">
+            <a:schemeClr val="lt1"/>
+          </a:fontRef>
+        </p:style>
+        <p:txBody>
+          <a:bodyPr rtlCol="0" anchor="ctr"/>
+          <a:lstStyle/>
+          <a:p>
+            <a:pPr algn="ctr"/>
+            <a:r>
+              <a:rPr lang="en-US" dirty="0"/>
+              <a:t>j4</a:t>
+            </a:r>
+          </a:p>
+        </p:txBody>
+      </p:sp>
+      <p:sp>
+        <p:nvSpPr>
+          <p:cNvPr id="9" name="Rectangle 8">
+            <a:extLst>
+              <a:ext uri="{FF2B5EF4-FFF2-40B4-BE49-F238E27FC236}">
+                <a16:creationId xmlns:a16="http://schemas.microsoft.com/office/drawing/2014/main" id="{57AB12F4-468F-43A0-8D8D-B5137EA15666}"/>
+              </a:ext>
+            </a:extLst>
+          </p:cNvPr>
+          <p:cNvSpPr/>
+          <p:nvPr/>
+        </p:nvSpPr>
+        <p:spPr>
+          <a:xfrm>
+            <a:off x="1478312" y="5316216"/>
+            <a:ext cx="1113183" cy="735496"/>
+          </a:xfrm>
+          <a:prstGeom prst="rect">
+            <a:avLst/>
+          </a:prstGeom>
+        </p:spPr>
+        <p:style>
+          <a:lnRef idx="2">
+            <a:schemeClr val="accent1">
+              <a:shade val="50000"/>
+            </a:schemeClr>
+          </a:lnRef>
+          <a:fillRef idx="1">
+            <a:schemeClr val="accent1"/>
+          </a:fillRef>
+          <a:effectRef idx="0">
+            <a:schemeClr val="accent1"/>
+          </a:effectRef>
+          <a:fontRef idx="minor">
+            <a:schemeClr val="lt1"/>
+          </a:fontRef>
+        </p:style>
+        <p:txBody>
+          <a:bodyPr rtlCol="0" anchor="ctr"/>
+          <a:lstStyle/>
+          <a:p>
+            <a:pPr algn="ctr"/>
+            <a:r>
+              <a:rPr lang="en-US" dirty="0"/>
+              <a:t>j4</a:t>
+            </a:r>
+          </a:p>
+        </p:txBody>
+      </p:sp>
+      <p:sp>
+        <p:nvSpPr>
+          <p:cNvPr id="10" name="Arrow: Right 9">
+            <a:extLst>
+              <a:ext uri="{FF2B5EF4-FFF2-40B4-BE49-F238E27FC236}">
+                <a16:creationId xmlns:a16="http://schemas.microsoft.com/office/drawing/2014/main" id="{E3382362-C29F-4F04-9766-CB91FF64B2D7}"/>
+              </a:ext>
+            </a:extLst>
+          </p:cNvPr>
+          <p:cNvSpPr/>
+          <p:nvPr/>
+        </p:nvSpPr>
+        <p:spPr>
+          <a:xfrm>
+            <a:off x="3104148" y="3651498"/>
+            <a:ext cx="1475874" cy="513348"/>
+          </a:xfrm>
+          <a:prstGeom prst="rightArrow">
+            <a:avLst/>
+          </a:prstGeom>
+        </p:spPr>
+        <p:style>
+          <a:lnRef idx="2">
+            <a:schemeClr val="accent1">
+              <a:shade val="50000"/>
+            </a:schemeClr>
+          </a:lnRef>
+          <a:fillRef idx="1">
+            <a:schemeClr val="accent1"/>
+          </a:fillRef>
+          <a:effectRef idx="0">
+            <a:schemeClr val="accent1"/>
+          </a:effectRef>
+          <a:fontRef idx="minor">
+            <a:schemeClr val="lt1"/>
+          </a:fontRef>
+        </p:style>
+        <p:txBody>
+          <a:bodyPr rtlCol="0" anchor="ctr"/>
+          <a:lstStyle/>
+          <a:p>
+            <a:pPr algn="ctr"/>
+            <a:endParaRPr lang="en-US"/>
+          </a:p>
+        </p:txBody>
+      </p:sp>
+      <mc:AlternateContent xmlns:mc="http://schemas.openxmlformats.org/markup-compatibility/2006" xmlns:a14="http://schemas.microsoft.com/office/drawing/2010/main">
+        <mc:Choice Requires="a14">
+          <p:sp>
+            <p:nvSpPr>
+              <p:cNvPr id="11" name="TextBox 10">
+                <a:extLst>
+                  <a:ext uri="{FF2B5EF4-FFF2-40B4-BE49-F238E27FC236}">
+                    <a16:creationId xmlns:a16="http://schemas.microsoft.com/office/drawing/2014/main" id="{79380AF2-FEAB-46A8-A12E-950E793D297C}"/>
+                  </a:ext>
+                </a:extLst>
+              </p:cNvPr>
+              <p:cNvSpPr txBox="1"/>
+              <p:nvPr/>
+            </p:nvSpPr>
+            <p:spPr>
+              <a:xfrm>
+                <a:off x="4580022" y="3684281"/>
+                <a:ext cx="3418372" cy="369332"/>
+              </a:xfrm>
+              <a:prstGeom prst="rect">
+                <a:avLst/>
+              </a:prstGeom>
+              <a:noFill/>
+            </p:spPr>
+            <p:txBody>
+              <a:bodyPr wrap="none" rtlCol="0">
+                <a:spAutoFit/>
+              </a:bodyPr>
+              <a:lstStyle/>
+              <a:p>
+                <a:pPr/>
+                <a14:m>
+                  <m:oMathPara xmlns:m="http://schemas.openxmlformats.org/officeDocument/2006/math">
+                    <m:oMathParaPr>
+                      <m:jc m:val="centerGroup"/>
+                    </m:oMathParaPr>
+                    <m:oMath xmlns:m="http://schemas.openxmlformats.org/officeDocument/2006/math">
+                      <m:r>
+                        <a:rPr lang="en-US" b="0" i="1" smtClean="0">
+                          <a:latin typeface="Cambria Math" panose="02040503050406030204" pitchFamily="18" charset="0"/>
+                        </a:rPr>
+                        <m:t>𝑠𝑡𝑟𝑒𝑎𝑚</m:t>
+                      </m:r>
+                      <m:r>
+                        <a:rPr lang="en-US" b="0" i="1" smtClean="0">
+                          <a:latin typeface="Cambria Math" panose="02040503050406030204" pitchFamily="18" charset="0"/>
+                        </a:rPr>
+                        <m:t>.</m:t>
+                      </m:r>
+                      <m:r>
+                        <a:rPr lang="en-US" b="0" i="1" smtClean="0">
+                          <a:latin typeface="Cambria Math" panose="02040503050406030204" pitchFamily="18" charset="0"/>
+                        </a:rPr>
+                        <m:t>𝑆𝑒𝑙𝑒𝑐𝑡</m:t>
+                      </m:r>
+                      <m:r>
+                        <a:rPr lang="en-US" b="0" i="1" smtClean="0">
+                          <a:latin typeface="Cambria Math" panose="02040503050406030204" pitchFamily="18" charset="0"/>
+                        </a:rPr>
+                        <m:t>(</m:t>
+                      </m:r>
+                      <m:r>
+                        <a:rPr lang="en-US" b="0" i="1" smtClean="0">
+                          <a:latin typeface="Cambria Math" panose="02040503050406030204" pitchFamily="18" charset="0"/>
+                        </a:rPr>
+                        <m:t>𝑙𝑎𝑚𝑏𝑑𝑎</m:t>
+                      </m:r>
+                      <m:r>
+                        <a:rPr lang="en-US" b="0" i="1" smtClean="0">
+                          <a:latin typeface="Cambria Math" panose="02040503050406030204" pitchFamily="18" charset="0"/>
+                        </a:rPr>
+                        <m:t> </m:t>
+                      </m:r>
+                      <m:r>
+                        <a:rPr lang="en-US" b="0" i="1" smtClean="0">
+                          <a:latin typeface="Cambria Math" panose="02040503050406030204" pitchFamily="18" charset="0"/>
+                        </a:rPr>
+                        <m:t>𝑠</m:t>
+                      </m:r>
+                      <m:r>
+                        <a:rPr lang="en-US" b="0" i="1" smtClean="0">
+                          <a:latin typeface="Cambria Math" panose="02040503050406030204" pitchFamily="18" charset="0"/>
+                        </a:rPr>
+                        <m:t>:</m:t>
+                      </m:r>
+                      <m:r>
+                        <a:rPr lang="en-US" b="0" i="1" smtClean="0">
+                          <a:latin typeface="Cambria Math" panose="02040503050406030204" pitchFamily="18" charset="0"/>
+                        </a:rPr>
+                        <m:t>𝑓</m:t>
+                      </m:r>
+                      <m:d>
+                        <m:dPr>
+                          <m:ctrlPr>
+                            <a:rPr lang="en-US" b="0" i="1" smtClean="0">
+                              <a:latin typeface="Cambria Math" panose="02040503050406030204" pitchFamily="18" charset="0"/>
+                            </a:rPr>
+                          </m:ctrlPr>
+                        </m:dPr>
+                        <m:e>
+                          <m:r>
+                            <a:rPr lang="en-US" b="0" i="1" smtClean="0">
+                              <a:latin typeface="Cambria Math" panose="02040503050406030204" pitchFamily="18" charset="0"/>
+                            </a:rPr>
+                            <m:t>𝑠</m:t>
+                          </m:r>
+                        </m:e>
+                      </m:d>
+                      <m:r>
+                        <a:rPr lang="en-US" b="0" i="1" smtClean="0">
+                          <a:latin typeface="Cambria Math" panose="02040503050406030204" pitchFamily="18" charset="0"/>
+                        </a:rPr>
+                        <m:t>)</m:t>
+                      </m:r>
+                    </m:oMath>
+                  </m:oMathPara>
+                </a14:m>
+                <a:endParaRPr lang="en-US" dirty="0"/>
+              </a:p>
+            </p:txBody>
+          </p:sp>
+        </mc:Choice>
+        <mc:Fallback xmlns="">
+          <p:sp>
+            <p:nvSpPr>
+              <p:cNvPr id="11" name="TextBox 10">
+                <a:extLst>
+                  <a:ext uri="{FF2B5EF4-FFF2-40B4-BE49-F238E27FC236}">
+                    <a16:creationId xmlns:a16="http://schemas.microsoft.com/office/drawing/2014/main" id="{79380AF2-FEAB-46A8-A12E-950E793D297C}"/>
+                  </a:ext>
+                </a:extLst>
+              </p:cNvPr>
+              <p:cNvSpPr txBox="1">
+                <a:spLocks noRot="1" noChangeAspect="1" noMove="1" noResize="1" noEditPoints="1" noAdjustHandles="1" noChangeArrowheads="1" noChangeShapeType="1" noTextEdit="1"/>
+              </p:cNvSpPr>
+              <p:nvPr/>
+            </p:nvSpPr>
+            <p:spPr>
+              <a:xfrm>
+                <a:off x="4580022" y="3684281"/>
+                <a:ext cx="3418372" cy="369332"/>
+              </a:xfrm>
+              <a:prstGeom prst="rect">
+                <a:avLst/>
+              </a:prstGeom>
+              <a:blipFill>
+                <a:blip r:embed="rId2"/>
+                <a:stretch>
+                  <a:fillRect b="-13115"/>
+                </a:stretch>
+              </a:blipFill>
+            </p:spPr>
+            <p:txBody>
+              <a:bodyPr/>
+              <a:lstStyle/>
+              <a:p>
+                <a:r>
+                  <a:rPr lang="en-US">
+                    <a:noFill/>
+                  </a:rPr>
+                  <a:t> </a:t>
+                </a:r>
+              </a:p>
+            </p:txBody>
+          </p:sp>
+        </mc:Fallback>
+      </mc:AlternateContent>
+      <p:sp>
+        <p:nvSpPr>
+          <p:cNvPr id="12" name="Rectangle 11">
+            <a:extLst>
+              <a:ext uri="{FF2B5EF4-FFF2-40B4-BE49-F238E27FC236}">
+                <a16:creationId xmlns:a16="http://schemas.microsoft.com/office/drawing/2014/main" id="{269E668B-9B52-460E-8FF3-08E0348EF8B1}"/>
+              </a:ext>
+            </a:extLst>
+          </p:cNvPr>
+          <p:cNvSpPr/>
+          <p:nvPr/>
+        </p:nvSpPr>
+        <p:spPr>
+          <a:xfrm>
+            <a:off x="9772083" y="1764632"/>
+            <a:ext cx="1113183" cy="735496"/>
+          </a:xfrm>
+          <a:prstGeom prst="rect">
+            <a:avLst/>
+          </a:prstGeom>
+        </p:spPr>
+        <p:style>
+          <a:lnRef idx="2">
+            <a:schemeClr val="accent1">
+              <a:shade val="50000"/>
+            </a:schemeClr>
+          </a:lnRef>
+          <a:fillRef idx="1">
+            <a:schemeClr val="accent1"/>
+          </a:fillRef>
+          <a:effectRef idx="0">
+            <a:schemeClr val="accent1"/>
+          </a:effectRef>
+          <a:fontRef idx="minor">
+            <a:schemeClr val="lt1"/>
+          </a:fontRef>
+        </p:style>
+        <p:txBody>
+          <a:bodyPr rtlCol="0" anchor="ctr"/>
+          <a:lstStyle/>
+          <a:p>
+            <a:pPr algn="ctr"/>
+            <a:r>
+              <a:rPr lang="en-US" dirty="0"/>
+              <a:t>f(j1)</a:t>
+            </a:r>
+          </a:p>
+        </p:txBody>
+      </p:sp>
+      <p:sp>
+        <p:nvSpPr>
+          <p:cNvPr id="13" name="Rectangle 12">
+            <a:extLst>
+              <a:ext uri="{FF2B5EF4-FFF2-40B4-BE49-F238E27FC236}">
+                <a16:creationId xmlns:a16="http://schemas.microsoft.com/office/drawing/2014/main" id="{8E0DE861-E6E8-40F5-B0C1-FF423A6D56A9}"/>
+              </a:ext>
+            </a:extLst>
+          </p:cNvPr>
+          <p:cNvSpPr/>
+          <p:nvPr/>
+        </p:nvSpPr>
+        <p:spPr>
+          <a:xfrm>
+            <a:off x="9772083" y="2652528"/>
+            <a:ext cx="1113183" cy="735496"/>
+          </a:xfrm>
+          <a:prstGeom prst="rect">
+            <a:avLst/>
+          </a:prstGeom>
+        </p:spPr>
+        <p:style>
+          <a:lnRef idx="2">
+            <a:schemeClr val="accent1">
+              <a:shade val="50000"/>
+            </a:schemeClr>
+          </a:lnRef>
+          <a:fillRef idx="1">
+            <a:schemeClr val="accent1"/>
+          </a:fillRef>
+          <a:effectRef idx="0">
+            <a:schemeClr val="accent1"/>
+          </a:effectRef>
+          <a:fontRef idx="minor">
+            <a:schemeClr val="lt1"/>
+          </a:fontRef>
+        </p:style>
+        <p:txBody>
+          <a:bodyPr rtlCol="0" anchor="ctr"/>
+          <a:lstStyle/>
+          <a:p>
+            <a:pPr algn="ctr"/>
+            <a:r>
+              <a:rPr lang="en-US" dirty="0"/>
+              <a:t>f(j2)</a:t>
+            </a:r>
+          </a:p>
+        </p:txBody>
+      </p:sp>
+      <p:sp>
+        <p:nvSpPr>
+          <p:cNvPr id="14" name="Rectangle 13">
+            <a:extLst>
+              <a:ext uri="{FF2B5EF4-FFF2-40B4-BE49-F238E27FC236}">
+                <a16:creationId xmlns:a16="http://schemas.microsoft.com/office/drawing/2014/main" id="{81E0AB08-904A-4058-8D62-E52D28C0327C}"/>
+              </a:ext>
+            </a:extLst>
+          </p:cNvPr>
+          <p:cNvSpPr/>
+          <p:nvPr/>
+        </p:nvSpPr>
+        <p:spPr>
+          <a:xfrm>
+            <a:off x="9772082" y="3540424"/>
+            <a:ext cx="1113183" cy="735496"/>
+          </a:xfrm>
+          <a:prstGeom prst="rect">
+            <a:avLst/>
+          </a:prstGeom>
+        </p:spPr>
+        <p:style>
+          <a:lnRef idx="2">
+            <a:schemeClr val="accent1">
+              <a:shade val="50000"/>
+            </a:schemeClr>
+          </a:lnRef>
+          <a:fillRef idx="1">
+            <a:schemeClr val="accent1"/>
+          </a:fillRef>
+          <a:effectRef idx="0">
+            <a:schemeClr val="accent1"/>
+          </a:effectRef>
+          <a:fontRef idx="minor">
+            <a:schemeClr val="lt1"/>
+          </a:fontRef>
+        </p:style>
+        <p:txBody>
+          <a:bodyPr rtlCol="0" anchor="ctr"/>
+          <a:lstStyle/>
+          <a:p>
+            <a:pPr algn="ctr"/>
+            <a:r>
+              <a:rPr lang="en-US" dirty="0"/>
+              <a:t>f(j3)</a:t>
+            </a:r>
+          </a:p>
+        </p:txBody>
+      </p:sp>
+      <p:sp>
+        <p:nvSpPr>
+          <p:cNvPr id="15" name="Rectangle 14">
+            <a:extLst>
+              <a:ext uri="{FF2B5EF4-FFF2-40B4-BE49-F238E27FC236}">
+                <a16:creationId xmlns:a16="http://schemas.microsoft.com/office/drawing/2014/main" id="{63D6D6C6-1709-40BF-A641-60A486F1C24D}"/>
+              </a:ext>
+            </a:extLst>
+          </p:cNvPr>
+          <p:cNvSpPr/>
+          <p:nvPr/>
+        </p:nvSpPr>
+        <p:spPr>
+          <a:xfrm>
+            <a:off x="9772081" y="4428320"/>
+            <a:ext cx="1113183" cy="735496"/>
+          </a:xfrm>
+          <a:prstGeom prst="rect">
+            <a:avLst/>
+          </a:prstGeom>
+        </p:spPr>
+        <p:style>
+          <a:lnRef idx="2">
+            <a:schemeClr val="accent1">
+              <a:shade val="50000"/>
+            </a:schemeClr>
+          </a:lnRef>
+          <a:fillRef idx="1">
+            <a:schemeClr val="accent1"/>
+          </a:fillRef>
+          <a:effectRef idx="0">
+            <a:schemeClr val="accent1"/>
+          </a:effectRef>
+          <a:fontRef idx="minor">
+            <a:schemeClr val="lt1"/>
+          </a:fontRef>
+        </p:style>
+        <p:txBody>
+          <a:bodyPr rtlCol="0" anchor="ctr"/>
+          <a:lstStyle/>
+          <a:p>
+            <a:pPr algn="ctr"/>
+            <a:r>
+              <a:rPr lang="en-US" dirty="0"/>
+              <a:t>f(j4)</a:t>
+            </a:r>
+          </a:p>
+        </p:txBody>
+      </p:sp>
+      <p:sp>
+        <p:nvSpPr>
+          <p:cNvPr id="16" name="Rectangle 15">
+            <a:extLst>
+              <a:ext uri="{FF2B5EF4-FFF2-40B4-BE49-F238E27FC236}">
+                <a16:creationId xmlns:a16="http://schemas.microsoft.com/office/drawing/2014/main" id="{597D3332-7C8B-4846-8007-E45E38C1F94B}"/>
+              </a:ext>
+            </a:extLst>
+          </p:cNvPr>
+          <p:cNvSpPr/>
+          <p:nvPr/>
+        </p:nvSpPr>
+        <p:spPr>
+          <a:xfrm>
+            <a:off x="9772080" y="5316216"/>
+            <a:ext cx="1113183" cy="735496"/>
+          </a:xfrm>
+          <a:prstGeom prst="rect">
+            <a:avLst/>
+          </a:prstGeom>
+        </p:spPr>
+        <p:style>
+          <a:lnRef idx="2">
+            <a:schemeClr val="accent1">
+              <a:shade val="50000"/>
+            </a:schemeClr>
+          </a:lnRef>
+          <a:fillRef idx="1">
+            <a:schemeClr val="accent1"/>
+          </a:fillRef>
+          <a:effectRef idx="0">
+            <a:schemeClr val="accent1"/>
+          </a:effectRef>
+          <a:fontRef idx="minor">
+            <a:schemeClr val="lt1"/>
+          </a:fontRef>
+        </p:style>
+        <p:txBody>
+          <a:bodyPr rtlCol="0" anchor="ctr"/>
+          <a:lstStyle/>
+          <a:p>
+            <a:pPr algn="ctr"/>
+            <a:r>
+              <a:rPr lang="en-US" dirty="0"/>
+              <a:t>f(j4)</a:t>
+            </a:r>
+          </a:p>
+        </p:txBody>
+      </p:sp>
+      <p:sp>
+        <p:nvSpPr>
+          <p:cNvPr id="17" name="Arrow: Right 16">
+            <a:extLst>
+              <a:ext uri="{FF2B5EF4-FFF2-40B4-BE49-F238E27FC236}">
+                <a16:creationId xmlns:a16="http://schemas.microsoft.com/office/drawing/2014/main" id="{6159E5C5-3599-4A03-974E-60C9F52409F4}"/>
+              </a:ext>
+            </a:extLst>
+          </p:cNvPr>
+          <p:cNvSpPr/>
+          <p:nvPr/>
+        </p:nvSpPr>
+        <p:spPr>
+          <a:xfrm>
+            <a:off x="8147301" y="3653417"/>
+            <a:ext cx="1475874" cy="513348"/>
+          </a:xfrm>
+          <a:prstGeom prst="rightArrow">
+            <a:avLst/>
+          </a:prstGeom>
+        </p:spPr>
+        <p:style>
+          <a:lnRef idx="2">
+            <a:schemeClr val="accent1">
+              <a:shade val="50000"/>
+            </a:schemeClr>
+          </a:lnRef>
+          <a:fillRef idx="1">
+            <a:schemeClr val="accent1"/>
+          </a:fillRef>
+          <a:effectRef idx="0">
+            <a:schemeClr val="accent1"/>
+          </a:effectRef>
+          <a:fontRef idx="minor">
+            <a:schemeClr val="lt1"/>
+          </a:fontRef>
+        </p:style>
+        <p:txBody>
+          <a:bodyPr rtlCol="0" anchor="ctr"/>
+          <a:lstStyle/>
+          <a:p>
+            <a:pPr algn="ctr"/>
+            <a:endParaRPr lang="en-US"/>
+          </a:p>
+        </p:txBody>
+      </p:sp>
+      <p:sp>
+        <p:nvSpPr>
+          <p:cNvPr id="19" name="Arrow: Down 18">
+            <a:extLst>
+              <a:ext uri="{FF2B5EF4-FFF2-40B4-BE49-F238E27FC236}">
+                <a16:creationId xmlns:a16="http://schemas.microsoft.com/office/drawing/2014/main" id="{EF206FB9-38E2-4F3A-AE91-F3F205C0D7C5}"/>
+              </a:ext>
+            </a:extLst>
+          </p:cNvPr>
+          <p:cNvSpPr/>
+          <p:nvPr/>
+        </p:nvSpPr>
+        <p:spPr>
+          <a:xfrm>
+            <a:off x="1917032" y="1387642"/>
+            <a:ext cx="208547" cy="303046"/>
+          </a:xfrm>
+          <a:prstGeom prst="downArrow">
+            <a:avLst/>
+          </a:prstGeom>
+        </p:spPr>
+        <p:style>
+          <a:lnRef idx="2">
+            <a:schemeClr val="accent1">
+              <a:shade val="50000"/>
+            </a:schemeClr>
+          </a:lnRef>
+          <a:fillRef idx="1">
+            <a:schemeClr val="accent1"/>
+          </a:fillRef>
+          <a:effectRef idx="0">
+            <a:schemeClr val="accent1"/>
+          </a:effectRef>
+          <a:fontRef idx="minor">
+            <a:schemeClr val="lt1"/>
+          </a:fontRef>
+        </p:style>
+        <p:txBody>
+          <a:bodyPr rtlCol="0" anchor="ctr"/>
+          <a:lstStyle/>
+          <a:p>
+            <a:pPr algn="ctr"/>
+            <a:endParaRPr lang="en-US"/>
+          </a:p>
+        </p:txBody>
+      </p:sp>
+      <p:sp>
+        <p:nvSpPr>
+          <p:cNvPr id="22" name="Arrow: Down 21">
+            <a:extLst>
+              <a:ext uri="{FF2B5EF4-FFF2-40B4-BE49-F238E27FC236}">
+                <a16:creationId xmlns:a16="http://schemas.microsoft.com/office/drawing/2014/main" id="{59DF4B98-EF9E-4515-8C59-BC040F41C383}"/>
+              </a:ext>
+            </a:extLst>
+          </p:cNvPr>
+          <p:cNvSpPr/>
+          <p:nvPr/>
+        </p:nvSpPr>
+        <p:spPr>
+          <a:xfrm>
+            <a:off x="10224397" y="6133677"/>
+            <a:ext cx="208547" cy="303046"/>
+          </a:xfrm>
+          <a:prstGeom prst="downArrow">
+            <a:avLst/>
+          </a:prstGeom>
+        </p:spPr>
+        <p:style>
+          <a:lnRef idx="2">
+            <a:schemeClr val="accent1">
+              <a:shade val="50000"/>
+            </a:schemeClr>
+          </a:lnRef>
+          <a:fillRef idx="1">
+            <a:schemeClr val="accent1"/>
+          </a:fillRef>
+          <a:effectRef idx="0">
+            <a:schemeClr val="accent1"/>
+          </a:effectRef>
+          <a:fontRef idx="minor">
+            <a:schemeClr val="lt1"/>
+          </a:fontRef>
+        </p:style>
+        <p:txBody>
+          <a:bodyPr rtlCol="0" anchor="ctr"/>
+          <a:lstStyle/>
+          <a:p>
+            <a:pPr algn="ctr"/>
+            <a:endParaRPr lang="en-US"/>
+          </a:p>
+        </p:txBody>
+      </p:sp>
+    </p:spTree>
+    <p:extLst>
+      <p:ext uri="{BB962C8B-B14F-4D97-AF65-F5344CB8AC3E}">
+        <p14:creationId xmlns:p14="http://schemas.microsoft.com/office/powerpoint/2010/main" val="1163405168"/>
+      </p:ext>
+    </p:extLst>
+  </p:cSld>
+  <p:clrMapOvr>
+    <a:masterClrMapping/>
+  </p:clrMapOvr>
+</p:sld>
+</file>
+
+<file path=ppt/slides/slide12.xml><?xml version="1.0" encoding="utf-8"?>
+<p:sld xmlns:a="http://schemas.openxmlformats.org/drawingml/2006/main" xmlns:r="http://schemas.openxmlformats.org/officeDocument/2006/relationships" xmlns:p="http://schemas.openxmlformats.org/presentationml/2006/main">
+  <p:cSld>
+    <p:spTree>
+      <p:nvGrpSpPr>
+        <p:cNvPr id="1" name=""/>
+        <p:cNvGrpSpPr/>
+        <p:nvPr/>
+      </p:nvGrpSpPr>
+      <p:grpSpPr>
+        <a:xfrm>
+          <a:off x="0" y="0"/>
+          <a:ext cx="0" cy="0"/>
+          <a:chOff x="0" y="0"/>
+          <a:chExt cx="0" cy="0"/>
+        </a:xfrm>
+      </p:grpSpPr>
+      <p:sp>
+        <p:nvSpPr>
+          <p:cNvPr id="2" name="Title 1">
+            <a:extLst>
+              <a:ext uri="{FF2B5EF4-FFF2-40B4-BE49-F238E27FC236}">
+                <a16:creationId xmlns:a16="http://schemas.microsoft.com/office/drawing/2014/main" id="{A8C12009-BBF9-4BD5-B88A-8D0C167C77C6}"/>
+              </a:ext>
+            </a:extLst>
+          </p:cNvPr>
+          <p:cNvSpPr>
+            <a:spLocks noGrp="1"/>
+          </p:cNvSpPr>
+          <p:nvPr>
+            <p:ph type="title"/>
+          </p:nvPr>
+        </p:nvSpPr>
+        <p:spPr/>
+        <p:txBody>
+          <a:bodyPr/>
+          <a:lstStyle/>
+          <a:p>
+            <a:r>
+              <a:rPr lang="en-US" dirty="0"/>
+              <a:t>What Does </a:t>
+            </a:r>
+            <a:r>
+              <a:rPr lang="en-US" dirty="0" err="1"/>
+              <a:t>SelectMany</a:t>
+            </a:r>
+            <a:r>
+              <a:rPr lang="en-US" dirty="0"/>
+              <a:t> do?</a:t>
+            </a:r>
+          </a:p>
+        </p:txBody>
+      </p:sp>
+      <p:sp>
+        <p:nvSpPr>
+          <p:cNvPr id="3" name="Footer Placeholder 2">
+            <a:extLst>
+              <a:ext uri="{FF2B5EF4-FFF2-40B4-BE49-F238E27FC236}">
+                <a16:creationId xmlns:a16="http://schemas.microsoft.com/office/drawing/2014/main" id="{2CE55E74-EA36-4DE6-A25E-FA11BA13A5E0}"/>
+              </a:ext>
+            </a:extLst>
+          </p:cNvPr>
+          <p:cNvSpPr>
+            <a:spLocks noGrp="1"/>
+          </p:cNvSpPr>
+          <p:nvPr>
+            <p:ph type="ftr" sz="quarter" idx="11"/>
+          </p:nvPr>
+        </p:nvSpPr>
+        <p:spPr/>
+        <p:txBody>
+          <a:bodyPr/>
+          <a:lstStyle/>
+          <a:p>
+            <a:r>
+              <a:rPr lang="en-US"/>
+              <a:t>G. Watts (UW/Seattle)</a:t>
+            </a:r>
+          </a:p>
+        </p:txBody>
+      </p:sp>
+      <p:sp>
+        <p:nvSpPr>
+          <p:cNvPr id="4" name="Slide Number Placeholder 3">
+            <a:extLst>
+              <a:ext uri="{FF2B5EF4-FFF2-40B4-BE49-F238E27FC236}">
+                <a16:creationId xmlns:a16="http://schemas.microsoft.com/office/drawing/2014/main" id="{F03B1D43-EE0B-4E4A-80D0-BE9450B664BD}"/>
+              </a:ext>
+            </a:extLst>
+          </p:cNvPr>
+          <p:cNvSpPr>
+            <a:spLocks noGrp="1"/>
+          </p:cNvSpPr>
+          <p:nvPr>
+            <p:ph type="sldNum" sz="quarter" idx="12"/>
+          </p:nvPr>
+        </p:nvSpPr>
+        <p:spPr/>
+        <p:txBody>
+          <a:bodyPr/>
+          <a:lstStyle/>
+          <a:p>
+            <a:fld id="{97B21D6D-C8F0-458B-8B37-8D3885B9A9EF}" type="slidenum">
+              <a:rPr lang="en-US" smtClean="0"/>
+              <a:t>12</a:t>
+            </a:fld>
+            <a:endParaRPr lang="en-US"/>
+          </a:p>
+        </p:txBody>
+      </p:sp>
+      <p:sp>
+        <p:nvSpPr>
+          <p:cNvPr id="5" name="TextBox 4">
+            <a:extLst>
+              <a:ext uri="{FF2B5EF4-FFF2-40B4-BE49-F238E27FC236}">
+                <a16:creationId xmlns:a16="http://schemas.microsoft.com/office/drawing/2014/main" id="{B870DC83-BEB5-4F95-ACCF-7609C17A23B2}"/>
+              </a:ext>
+            </a:extLst>
+          </p:cNvPr>
+          <p:cNvSpPr txBox="1"/>
+          <p:nvPr/>
+        </p:nvSpPr>
+        <p:spPr>
+          <a:xfrm>
+            <a:off x="838200" y="1933073"/>
+            <a:ext cx="2806346" cy="369332"/>
+          </a:xfrm>
+          <a:prstGeom prst="rect">
+            <a:avLst/>
+          </a:prstGeom>
+          <a:noFill/>
+        </p:spPr>
+        <p:txBody>
+          <a:bodyPr wrap="none" rtlCol="0">
+            <a:spAutoFit/>
+          </a:bodyPr>
+          <a:lstStyle/>
+          <a:p>
+            <a:r>
+              <a:rPr lang="en-US" dirty="0"/>
+              <a:t>Concatenates lists of arrays!</a:t>
+            </a:r>
+          </a:p>
+        </p:txBody>
+      </p:sp>
+      <p:sp>
+        <p:nvSpPr>
+          <p:cNvPr id="6" name="TextBox 5">
+            <a:extLst>
+              <a:ext uri="{FF2B5EF4-FFF2-40B4-BE49-F238E27FC236}">
+                <a16:creationId xmlns:a16="http://schemas.microsoft.com/office/drawing/2014/main" id="{7EA7265B-B1A1-48F5-B953-002AC89C24C6}"/>
+              </a:ext>
+            </a:extLst>
+          </p:cNvPr>
+          <p:cNvSpPr txBox="1"/>
+          <p:nvPr/>
+        </p:nvSpPr>
+        <p:spPr>
+          <a:xfrm>
+            <a:off x="1130968" y="2959769"/>
+            <a:ext cx="4708853" cy="369332"/>
+          </a:xfrm>
+          <a:prstGeom prst="rect">
+            <a:avLst/>
+          </a:prstGeom>
+          <a:noFill/>
+        </p:spPr>
+        <p:txBody>
+          <a:bodyPr wrap="none" rtlCol="0">
+            <a:spAutoFit/>
+          </a:bodyPr>
+          <a:lstStyle/>
+          <a:p>
+            <a:r>
+              <a:rPr lang="en-US" dirty="0"/>
+              <a:t>[[1, 2], [3, 4], [5, 6]].</a:t>
+            </a:r>
+            <a:r>
+              <a:rPr lang="en-US" dirty="0" err="1"/>
+              <a:t>SelectMany</a:t>
+            </a:r>
+            <a:r>
+              <a:rPr lang="en-US" dirty="0"/>
+              <a:t>(lambda </a:t>
+            </a:r>
+            <a:r>
+              <a:rPr lang="en-US" dirty="0" err="1"/>
+              <a:t>arr</a:t>
+            </a:r>
+            <a:r>
+              <a:rPr lang="en-US" dirty="0"/>
+              <a:t>: </a:t>
+            </a:r>
+            <a:r>
+              <a:rPr lang="en-US" dirty="0" err="1"/>
+              <a:t>arr</a:t>
+            </a:r>
+            <a:r>
+              <a:rPr lang="en-US" dirty="0"/>
+              <a:t>)</a:t>
+            </a:r>
+          </a:p>
+        </p:txBody>
+      </p:sp>
+      <p:sp>
+        <p:nvSpPr>
+          <p:cNvPr id="7" name="TextBox 6">
+            <a:extLst>
+              <a:ext uri="{FF2B5EF4-FFF2-40B4-BE49-F238E27FC236}">
+                <a16:creationId xmlns:a16="http://schemas.microsoft.com/office/drawing/2014/main" id="{2B44BAF3-5437-40B0-8BF6-9320F0BC2D28}"/>
+              </a:ext>
+            </a:extLst>
+          </p:cNvPr>
+          <p:cNvSpPr txBox="1"/>
+          <p:nvPr/>
+        </p:nvSpPr>
+        <p:spPr>
+          <a:xfrm>
+            <a:off x="7029718" y="2959769"/>
+            <a:ext cx="1580882" cy="369332"/>
+          </a:xfrm>
+          <a:prstGeom prst="rect">
+            <a:avLst/>
+          </a:prstGeom>
+          <a:noFill/>
+        </p:spPr>
+        <p:txBody>
+          <a:bodyPr wrap="none" rtlCol="0">
+            <a:spAutoFit/>
+          </a:bodyPr>
+          <a:lstStyle/>
+          <a:p>
+            <a:r>
+              <a:rPr lang="en-US" dirty="0"/>
+              <a:t>[1, 2, 3, 4, 5, 6]</a:t>
+            </a:r>
+          </a:p>
+        </p:txBody>
+      </p:sp>
+      <p:sp>
+        <p:nvSpPr>
+          <p:cNvPr id="8" name="Arrow: Right 7">
+            <a:extLst>
+              <a:ext uri="{FF2B5EF4-FFF2-40B4-BE49-F238E27FC236}">
+                <a16:creationId xmlns:a16="http://schemas.microsoft.com/office/drawing/2014/main" id="{16EC4BDD-450C-495D-A722-E6323919E966}"/>
+              </a:ext>
+            </a:extLst>
+          </p:cNvPr>
+          <p:cNvSpPr/>
+          <p:nvPr/>
+        </p:nvSpPr>
+        <p:spPr>
+          <a:xfrm>
+            <a:off x="5839821" y="3039979"/>
+            <a:ext cx="1074326" cy="289122"/>
+          </a:xfrm>
+          <a:prstGeom prst="rightArrow">
+            <a:avLst/>
+          </a:prstGeom>
+        </p:spPr>
+        <p:style>
+          <a:lnRef idx="2">
+            <a:schemeClr val="accent1">
+              <a:shade val="50000"/>
+            </a:schemeClr>
+          </a:lnRef>
+          <a:fillRef idx="1">
+            <a:schemeClr val="accent1"/>
+          </a:fillRef>
+          <a:effectRef idx="0">
+            <a:schemeClr val="accent1"/>
+          </a:effectRef>
+          <a:fontRef idx="minor">
+            <a:schemeClr val="lt1"/>
+          </a:fontRef>
+        </p:style>
+        <p:txBody>
+          <a:bodyPr rtlCol="0" anchor="ctr"/>
+          <a:lstStyle/>
+          <a:p>
+            <a:pPr algn="ctr"/>
+            <a:endParaRPr lang="en-US"/>
+          </a:p>
+        </p:txBody>
+      </p:sp>
+      <p:sp>
+        <p:nvSpPr>
+          <p:cNvPr id="9" name="TextBox 8">
+            <a:extLst>
+              <a:ext uri="{FF2B5EF4-FFF2-40B4-BE49-F238E27FC236}">
+                <a16:creationId xmlns:a16="http://schemas.microsoft.com/office/drawing/2014/main" id="{06182F75-A1A2-4337-8773-8B10344D40D3}"/>
+              </a:ext>
+            </a:extLst>
+          </p:cNvPr>
+          <p:cNvSpPr txBox="1"/>
+          <p:nvPr/>
+        </p:nvSpPr>
+        <p:spPr>
+          <a:xfrm>
+            <a:off x="1692916" y="4717937"/>
+            <a:ext cx="3584956" cy="369332"/>
+          </a:xfrm>
+          <a:prstGeom prst="rect">
+            <a:avLst/>
+          </a:prstGeom>
+          <a:noFill/>
+        </p:spPr>
+        <p:txBody>
+          <a:bodyPr wrap="none" rtlCol="0">
+            <a:spAutoFit/>
+          </a:bodyPr>
+          <a:lstStyle/>
+          <a:p>
+            <a:r>
+              <a:rPr lang="en-US" dirty="0" err="1"/>
+              <a:t>array.SelectMany</a:t>
+            </a:r>
+            <a:r>
+              <a:rPr lang="en-US" dirty="0"/>
+              <a:t>(lambda </a:t>
+            </a:r>
+            <a:r>
+              <a:rPr lang="en-US" dirty="0" err="1"/>
+              <a:t>arr</a:t>
+            </a:r>
+            <a:r>
+              <a:rPr lang="en-US" dirty="0"/>
+              <a:t>: f(</a:t>
+            </a:r>
+            <a:r>
+              <a:rPr lang="en-US" dirty="0" err="1"/>
+              <a:t>arr</a:t>
+            </a:r>
+            <a:r>
+              <a:rPr lang="en-US" dirty="0"/>
+              <a:t>))</a:t>
+            </a:r>
+          </a:p>
+        </p:txBody>
+      </p:sp>
+      <p:sp>
+        <p:nvSpPr>
+          <p:cNvPr id="10" name="TextBox 9">
+            <a:extLst>
+              <a:ext uri="{FF2B5EF4-FFF2-40B4-BE49-F238E27FC236}">
+                <a16:creationId xmlns:a16="http://schemas.microsoft.com/office/drawing/2014/main" id="{0C67F0F1-E4BA-44DB-B2FC-27838A525FA7}"/>
+              </a:ext>
+            </a:extLst>
+          </p:cNvPr>
+          <p:cNvSpPr txBox="1"/>
+          <p:nvPr/>
+        </p:nvSpPr>
+        <p:spPr>
+          <a:xfrm>
+            <a:off x="6376984" y="3986465"/>
+            <a:ext cx="2269467" cy="2031325"/>
+          </a:xfrm>
+          <a:prstGeom prst="rect">
+            <a:avLst/>
+          </a:prstGeom>
+        </p:spPr>
+        <p:style>
+          <a:lnRef idx="2">
+            <a:schemeClr val="dk1"/>
+          </a:lnRef>
+          <a:fillRef idx="1">
+            <a:schemeClr val="lt1"/>
+          </a:fillRef>
+          <a:effectRef idx="0">
+            <a:schemeClr val="dk1"/>
+          </a:effectRef>
+          <a:fontRef idx="minor">
+            <a:schemeClr val="dk1"/>
+          </a:fontRef>
+        </p:style>
+        <p:txBody>
+          <a:bodyPr wrap="none" rtlCol="0">
+            <a:spAutoFit/>
+          </a:bodyPr>
+          <a:lstStyle/>
+          <a:p>
+            <a:r>
+              <a:rPr lang="en-US" dirty="0"/>
+              <a:t>result = []</a:t>
+            </a:r>
+          </a:p>
+          <a:p>
+            <a:r>
+              <a:rPr lang="en-US" dirty="0"/>
+              <a:t>for </a:t>
+            </a:r>
+            <a:r>
+              <a:rPr lang="en-US" dirty="0" err="1"/>
+              <a:t>arr</a:t>
+            </a:r>
+            <a:r>
+              <a:rPr lang="en-US" dirty="0"/>
+              <a:t> in array:</a:t>
+            </a:r>
+          </a:p>
+          <a:p>
+            <a:r>
+              <a:rPr lang="en-US" dirty="0"/>
+              <a:t>  r = f(</a:t>
+            </a:r>
+            <a:r>
+              <a:rPr lang="en-US" dirty="0" err="1"/>
+              <a:t>arr</a:t>
+            </a:r>
+            <a:r>
+              <a:rPr lang="en-US" dirty="0"/>
+              <a:t>)</a:t>
+            </a:r>
+          </a:p>
+          <a:p>
+            <a:r>
+              <a:rPr lang="en-US" dirty="0"/>
+              <a:t>  for item in r:</a:t>
+            </a:r>
+          </a:p>
+          <a:p>
+            <a:r>
+              <a:rPr lang="en-US" dirty="0"/>
+              <a:t>    </a:t>
+            </a:r>
+            <a:r>
+              <a:rPr lang="en-US" dirty="0" err="1"/>
+              <a:t>result.append</a:t>
+            </a:r>
+            <a:r>
+              <a:rPr lang="en-US" dirty="0"/>
+              <a:t>(item)</a:t>
+            </a:r>
+          </a:p>
+          <a:p>
+            <a:endParaRPr lang="en-US" dirty="0"/>
+          </a:p>
+          <a:p>
+            <a:r>
+              <a:rPr lang="en-US" dirty="0"/>
+              <a:t>return result</a:t>
+            </a:r>
+          </a:p>
+        </p:txBody>
+      </p:sp>
+      <p:sp>
+        <p:nvSpPr>
+          <p:cNvPr id="12" name="Arrow: Right 11">
+            <a:extLst>
+              <a:ext uri="{FF2B5EF4-FFF2-40B4-BE49-F238E27FC236}">
+                <a16:creationId xmlns:a16="http://schemas.microsoft.com/office/drawing/2014/main" id="{D265594C-CF4E-43F7-BF08-9ED4034A8823}"/>
+              </a:ext>
+            </a:extLst>
+          </p:cNvPr>
+          <p:cNvSpPr/>
+          <p:nvPr/>
+        </p:nvSpPr>
+        <p:spPr>
+          <a:xfrm>
+            <a:off x="5262077" y="4758042"/>
+            <a:ext cx="1074326" cy="289122"/>
+          </a:xfrm>
+          <a:prstGeom prst="rightArrow">
+            <a:avLst/>
+          </a:prstGeom>
+        </p:spPr>
+        <p:style>
+          <a:lnRef idx="2">
+            <a:schemeClr val="accent1">
+              <a:shade val="50000"/>
+            </a:schemeClr>
+          </a:lnRef>
+          <a:fillRef idx="1">
+            <a:schemeClr val="accent1"/>
+          </a:fillRef>
+          <a:effectRef idx="0">
+            <a:schemeClr val="accent1"/>
+          </a:effectRef>
+          <a:fontRef idx="minor">
+            <a:schemeClr val="lt1"/>
+          </a:fontRef>
+        </p:style>
+        <p:txBody>
+          <a:bodyPr rtlCol="0" anchor="ctr"/>
+          <a:lstStyle/>
+          <a:p>
+            <a:pPr algn="ctr"/>
+            <a:endParaRPr lang="en-US"/>
+          </a:p>
+        </p:txBody>
+      </p:sp>
+      <p:sp>
+        <p:nvSpPr>
+          <p:cNvPr id="13" name="TextBox 12">
+            <a:extLst>
+              <a:ext uri="{FF2B5EF4-FFF2-40B4-BE49-F238E27FC236}">
+                <a16:creationId xmlns:a16="http://schemas.microsoft.com/office/drawing/2014/main" id="{5F6D69B6-2F73-46C2-96AE-1D89959D2EB5}"/>
+              </a:ext>
+            </a:extLst>
+          </p:cNvPr>
+          <p:cNvSpPr txBox="1"/>
+          <p:nvPr/>
+        </p:nvSpPr>
+        <p:spPr>
+          <a:xfrm>
+            <a:off x="1034716" y="3838853"/>
+            <a:ext cx="1801583" cy="369332"/>
+          </a:xfrm>
+          <a:prstGeom prst="rect">
+            <a:avLst/>
+          </a:prstGeom>
+          <a:noFill/>
+        </p:spPr>
+        <p:txBody>
+          <a:bodyPr wrap="none" rtlCol="0">
+            <a:spAutoFit/>
+          </a:bodyPr>
+          <a:lstStyle/>
+          <a:p>
+            <a:r>
+              <a:rPr lang="en-US" dirty="0"/>
+              <a:t>More Generally…</a:t>
+            </a:r>
+          </a:p>
+        </p:txBody>
+      </p:sp>
+    </p:spTree>
+    <p:extLst>
+      <p:ext uri="{BB962C8B-B14F-4D97-AF65-F5344CB8AC3E}">
+        <p14:creationId xmlns:p14="http://schemas.microsoft.com/office/powerpoint/2010/main" val="1173740195"/>
+      </p:ext>
+    </p:extLst>
+  </p:cSld>
+  <p:clrMapOvr>
+    <a:masterClrMapping/>
+  </p:clrMapOvr>
+</p:sld>
+</file>
+
+<file path=ppt/slides/slide13.xml><?xml version="1.0" encoding="utf-8"?>
+<p:sld xmlns:a="http://schemas.openxmlformats.org/drawingml/2006/main" xmlns:r="http://schemas.openxmlformats.org/officeDocument/2006/relationships" xmlns:p="http://schemas.openxmlformats.org/presentationml/2006/main">
+  <p:cSld>
+    <p:spTree>
+      <p:nvGrpSpPr>
+        <p:cNvPr id="1" name=""/>
+        <p:cNvGrpSpPr/>
+        <p:nvPr/>
+      </p:nvGrpSpPr>
+      <p:grpSpPr>
+        <a:xfrm>
+          <a:off x="0" y="0"/>
+          <a:ext cx="0" cy="0"/>
+          <a:chOff x="0" y="0"/>
+          <a:chExt cx="0" cy="0"/>
+        </a:xfrm>
+      </p:grpSpPr>
+      <p:sp>
+        <p:nvSpPr>
+          <p:cNvPr id="2" name="Title 1">
+            <a:extLst>
+              <a:ext uri="{FF2B5EF4-FFF2-40B4-BE49-F238E27FC236}">
+                <a16:creationId xmlns:a16="http://schemas.microsoft.com/office/drawing/2014/main" id="{5C9B2390-8384-4468-95D3-A140B2049705}"/>
+              </a:ext>
+            </a:extLst>
+          </p:cNvPr>
+          <p:cNvSpPr>
+            <a:spLocks noGrp="1"/>
+          </p:cNvSpPr>
+          <p:nvPr>
+            <p:ph type="title"/>
+          </p:nvPr>
+        </p:nvSpPr>
+        <p:spPr/>
+        <p:txBody>
+          <a:bodyPr/>
+          <a:lstStyle/>
+          <a:p>
+            <a:r>
+              <a:rPr lang="en-US" dirty="0"/>
+              <a:t>From a stream of events to jets</a:t>
+            </a:r>
+          </a:p>
+        </p:txBody>
+      </p:sp>
+      <p:sp>
+        <p:nvSpPr>
+          <p:cNvPr id="3" name="Footer Placeholder 2">
+            <a:extLst>
+              <a:ext uri="{FF2B5EF4-FFF2-40B4-BE49-F238E27FC236}">
+                <a16:creationId xmlns:a16="http://schemas.microsoft.com/office/drawing/2014/main" id="{1530A65A-8488-4F11-AF3C-B7C35F38C551}"/>
+              </a:ext>
+            </a:extLst>
+          </p:cNvPr>
+          <p:cNvSpPr>
+            <a:spLocks noGrp="1"/>
+          </p:cNvSpPr>
+          <p:nvPr>
+            <p:ph type="ftr" sz="quarter" idx="11"/>
+          </p:nvPr>
+        </p:nvSpPr>
+        <p:spPr/>
+        <p:txBody>
+          <a:bodyPr/>
+          <a:lstStyle/>
+          <a:p>
+            <a:r>
+              <a:rPr lang="en-US"/>
+              <a:t>G. Watts (UW/Seattle)</a:t>
+            </a:r>
+          </a:p>
+        </p:txBody>
+      </p:sp>
+      <p:sp>
+        <p:nvSpPr>
+          <p:cNvPr id="4" name="Slide Number Placeholder 3">
+            <a:extLst>
+              <a:ext uri="{FF2B5EF4-FFF2-40B4-BE49-F238E27FC236}">
+                <a16:creationId xmlns:a16="http://schemas.microsoft.com/office/drawing/2014/main" id="{4569ACCB-BAAF-4092-9CB1-6498BEEDB69F}"/>
+              </a:ext>
+            </a:extLst>
+          </p:cNvPr>
+          <p:cNvSpPr>
+            <a:spLocks noGrp="1"/>
+          </p:cNvSpPr>
+          <p:nvPr>
+            <p:ph type="sldNum" sz="quarter" idx="12"/>
+          </p:nvPr>
+        </p:nvSpPr>
+        <p:spPr/>
+        <p:txBody>
+          <a:bodyPr/>
+          <a:lstStyle/>
+          <a:p>
+            <a:fld id="{97B21D6D-C8F0-458B-8B37-8D3885B9A9EF}" type="slidenum">
+              <a:rPr lang="en-US" smtClean="0"/>
+              <a:t>13</a:t>
+            </a:fld>
+            <a:endParaRPr lang="en-US"/>
+          </a:p>
+        </p:txBody>
+      </p:sp>
+      <p:pic>
+        <p:nvPicPr>
+          <p:cNvPr id="6" name="Picture 5">
+            <a:extLst>
+              <a:ext uri="{FF2B5EF4-FFF2-40B4-BE49-F238E27FC236}">
+                <a16:creationId xmlns:a16="http://schemas.microsoft.com/office/drawing/2014/main" id="{71268B3C-AB8A-41CE-9B4F-7A74320C1D71}"/>
+              </a:ext>
+            </a:extLst>
+          </p:cNvPr>
+          <p:cNvPicPr>
+            <a:picLocks noChangeAspect="1"/>
+          </p:cNvPicPr>
+          <p:nvPr/>
+        </p:nvPicPr>
+        <p:blipFill>
+          <a:blip r:embed="rId2"/>
+          <a:stretch>
+            <a:fillRect/>
+          </a:stretch>
+        </p:blipFill>
+        <p:spPr>
+          <a:xfrm>
+            <a:off x="838200" y="3044156"/>
+            <a:ext cx="4671465" cy="769687"/>
+          </a:xfrm>
+          <a:prstGeom prst="rect">
+            <a:avLst/>
+          </a:prstGeom>
+        </p:spPr>
+      </p:pic>
+      <p:sp>
+        <p:nvSpPr>
+          <p:cNvPr id="7" name="TextBox 6">
+            <a:extLst>
+              <a:ext uri="{FF2B5EF4-FFF2-40B4-BE49-F238E27FC236}">
+                <a16:creationId xmlns:a16="http://schemas.microsoft.com/office/drawing/2014/main" id="{1C21CE7A-2D46-4B87-AF3D-EA604C196C16}"/>
+              </a:ext>
+            </a:extLst>
+          </p:cNvPr>
+          <p:cNvSpPr txBox="1"/>
+          <p:nvPr/>
+        </p:nvSpPr>
+        <p:spPr>
+          <a:xfrm>
+            <a:off x="7225748" y="3105833"/>
+            <a:ext cx="2558842" cy="646331"/>
+          </a:xfrm>
+          <a:prstGeom prst="rect">
+            <a:avLst/>
+          </a:prstGeom>
+          <a:noFill/>
+        </p:spPr>
+        <p:txBody>
+          <a:bodyPr wrap="none" rtlCol="0">
+            <a:spAutoFit/>
+          </a:bodyPr>
+          <a:lstStyle/>
+          <a:p>
+            <a:r>
+              <a:rPr lang="en-US" dirty="0" err="1"/>
+              <a:t>edm</a:t>
+            </a:r>
+            <a:r>
+              <a:rPr lang="en-US" dirty="0"/>
+              <a:t> – a stream of events</a:t>
+            </a:r>
+          </a:p>
+          <a:p>
+            <a:r>
+              <a:rPr lang="en-US" dirty="0"/>
+              <a:t>Filtered – a stream of jets</a:t>
+            </a:r>
+          </a:p>
+        </p:txBody>
+      </p:sp>
+    </p:spTree>
+    <p:extLst>
+      <p:ext uri="{BB962C8B-B14F-4D97-AF65-F5344CB8AC3E}">
+        <p14:creationId xmlns:p14="http://schemas.microsoft.com/office/powerpoint/2010/main" val="58183717"/>
+      </p:ext>
+    </p:extLst>
+  </p:cSld>
+  <p:clrMapOvr>
+    <a:masterClrMapping/>
+  </p:clrMapOvr>
+</p:sld>
+</file>
+
+<file path=ppt/slides/slide14.xml><?xml version="1.0" encoding="utf-8"?>
+<p:sld xmlns:a="http://schemas.openxmlformats.org/drawingml/2006/main" xmlns:r="http://schemas.openxmlformats.org/officeDocument/2006/relationships" xmlns:p="http://schemas.openxmlformats.org/presentationml/2006/main">
+  <p:cSld>
+    <p:spTree>
+      <p:nvGrpSpPr>
+        <p:cNvPr id="1" name=""/>
+        <p:cNvGrpSpPr/>
+        <p:nvPr/>
+      </p:nvGrpSpPr>
+      <p:grpSpPr>
+        <a:xfrm>
+          <a:off x="0" y="0"/>
+          <a:ext cx="0" cy="0"/>
+          <a:chOff x="0" y="0"/>
+          <a:chExt cx="0" cy="0"/>
+        </a:xfrm>
+      </p:grpSpPr>
+      <p:sp>
+        <p:nvSpPr>
+          <p:cNvPr id="2" name="Footer Placeholder 1">
+            <a:extLst>
+              <a:ext uri="{FF2B5EF4-FFF2-40B4-BE49-F238E27FC236}">
+                <a16:creationId xmlns:a16="http://schemas.microsoft.com/office/drawing/2014/main" id="{0B9FA5B6-0B10-4DEF-A1B5-86BEC2D44A44}"/>
+              </a:ext>
+            </a:extLst>
+          </p:cNvPr>
+          <p:cNvSpPr>
+            <a:spLocks noGrp="1"/>
+          </p:cNvSpPr>
+          <p:nvPr>
+            <p:ph type="ftr" sz="quarter" idx="11"/>
+          </p:nvPr>
+        </p:nvSpPr>
+        <p:spPr/>
+        <p:txBody>
+          <a:bodyPr/>
+          <a:lstStyle/>
+          <a:p>
+            <a:r>
+              <a:rPr lang="en-US"/>
+              <a:t>G. Watts (UW/Seattle)</a:t>
+            </a:r>
+          </a:p>
+        </p:txBody>
+      </p:sp>
+      <p:sp>
+        <p:nvSpPr>
+          <p:cNvPr id="3" name="Slide Number Placeholder 2">
+            <a:extLst>
+              <a:ext uri="{FF2B5EF4-FFF2-40B4-BE49-F238E27FC236}">
+                <a16:creationId xmlns:a16="http://schemas.microsoft.com/office/drawing/2014/main" id="{5C4F55EE-4260-4CF0-82D2-217D2F3B53CF}"/>
+              </a:ext>
+            </a:extLst>
+          </p:cNvPr>
+          <p:cNvSpPr>
+            <a:spLocks noGrp="1"/>
+          </p:cNvSpPr>
+          <p:nvPr>
+            <p:ph type="sldNum" sz="quarter" idx="12"/>
+          </p:nvPr>
+        </p:nvSpPr>
+        <p:spPr/>
+        <p:txBody>
+          <a:bodyPr/>
+          <a:lstStyle/>
+          <a:p>
+            <a:fld id="{97B21D6D-C8F0-458B-8B37-8D3885B9A9EF}" type="slidenum">
+              <a:rPr lang="en-US" smtClean="0"/>
+              <a:t>14</a:t>
+            </a:fld>
+            <a:endParaRPr lang="en-US"/>
+          </a:p>
+        </p:txBody>
+      </p:sp>
+      <p:sp>
+        <p:nvSpPr>
+          <p:cNvPr id="4" name="TextBox 3">
+            <a:extLst>
+              <a:ext uri="{FF2B5EF4-FFF2-40B4-BE49-F238E27FC236}">
+                <a16:creationId xmlns:a16="http://schemas.microsoft.com/office/drawing/2014/main" id="{C7F996C1-ACA7-45A3-86A2-8698A2F1291D}"/>
+              </a:ext>
+            </a:extLst>
+          </p:cNvPr>
+          <p:cNvSpPr txBox="1"/>
+          <p:nvPr/>
+        </p:nvSpPr>
+        <p:spPr>
+          <a:xfrm>
+            <a:off x="1930180" y="3075057"/>
+            <a:ext cx="8331640" cy="707886"/>
+          </a:xfrm>
+          <a:prstGeom prst="rect">
+            <a:avLst/>
+          </a:prstGeom>
+          <a:noFill/>
+        </p:spPr>
+        <p:txBody>
+          <a:bodyPr wrap="none" rtlCol="0">
+            <a:spAutoFit/>
+          </a:bodyPr>
+          <a:lstStyle/>
+          <a:p>
+            <a:r>
+              <a:rPr lang="en-US" sz="4000" dirty="0"/>
+              <a:t>Let's build a query that looks at events!</a:t>
+            </a:r>
+          </a:p>
+        </p:txBody>
+      </p:sp>
+      <p:sp>
+        <p:nvSpPr>
+          <p:cNvPr id="5" name="TextBox 4">
+            <a:extLst>
+              <a:ext uri="{FF2B5EF4-FFF2-40B4-BE49-F238E27FC236}">
+                <a16:creationId xmlns:a16="http://schemas.microsoft.com/office/drawing/2014/main" id="{5B8EB8DB-0BC0-4ADB-88DF-4BA60EA6E76C}"/>
+              </a:ext>
+            </a:extLst>
+          </p:cNvPr>
+          <p:cNvSpPr txBox="1"/>
+          <p:nvPr/>
+        </p:nvSpPr>
+        <p:spPr>
+          <a:xfrm>
+            <a:off x="4919043" y="3863662"/>
+            <a:ext cx="2419445" cy="369332"/>
+          </a:xfrm>
+          <a:prstGeom prst="rect">
+            <a:avLst/>
+          </a:prstGeom>
+          <a:noFill/>
+        </p:spPr>
+        <p:txBody>
+          <a:bodyPr wrap="none" rtlCol="0">
+            <a:spAutoFit/>
+          </a:bodyPr>
+          <a:lstStyle/>
+          <a:p>
+            <a:r>
+              <a:rPr lang="en-US" dirty="0"/>
+              <a:t>(02_select_many.ipynb)</a:t>
+            </a:r>
+          </a:p>
+        </p:txBody>
+      </p:sp>
+    </p:spTree>
+    <p:extLst>
+      <p:ext uri="{BB962C8B-B14F-4D97-AF65-F5344CB8AC3E}">
+        <p14:creationId xmlns:p14="http://schemas.microsoft.com/office/powerpoint/2010/main" val="2169129976"/>
+      </p:ext>
+    </p:extLst>
+  </p:cSld>
+  <p:clrMapOvr>
+    <a:masterClrMapping/>
+  </p:clrMapOvr>
+</p:sld>
+</file>
+
+<file path=ppt/slides/slide15.xml><?xml version="1.0" encoding="utf-8"?>
+<p:sld xmlns:a="http://schemas.openxmlformats.org/drawingml/2006/main" xmlns:r="http://schemas.openxmlformats.org/officeDocument/2006/relationships" xmlns:p="http://schemas.openxmlformats.org/presentationml/2006/main">
+  <p:cSld>
+    <p:spTree>
+      <p:nvGrpSpPr>
+        <p:cNvPr id="1" name=""/>
+        <p:cNvGrpSpPr/>
+        <p:nvPr/>
+      </p:nvGrpSpPr>
+      <p:grpSpPr>
+        <a:xfrm>
+          <a:off x="0" y="0"/>
+          <a:ext cx="0" cy="0"/>
+          <a:chOff x="0" y="0"/>
+          <a:chExt cx="0" cy="0"/>
+        </a:xfrm>
+      </p:grpSpPr>
+      <p:sp>
+        <p:nvSpPr>
+          <p:cNvPr id="2" name="Title 1">
+            <a:extLst>
+              <a:ext uri="{FF2B5EF4-FFF2-40B4-BE49-F238E27FC236}">
+                <a16:creationId xmlns:a16="http://schemas.microsoft.com/office/drawing/2014/main" id="{2AE01ED2-4688-455E-A5CA-E4E81A50A038}"/>
+              </a:ext>
+            </a:extLst>
+          </p:cNvPr>
+          <p:cNvSpPr>
+            <a:spLocks noGrp="1"/>
+          </p:cNvSpPr>
+          <p:nvPr>
+            <p:ph type="title"/>
+          </p:nvPr>
+        </p:nvSpPr>
+        <p:spPr/>
+        <p:txBody>
+          <a:bodyPr/>
+          <a:lstStyle/>
+          <a:p>
+            <a:r>
+              <a:rPr lang="en-US" dirty="0"/>
+              <a:t>What about axis=1?</a:t>
+            </a:r>
+          </a:p>
+        </p:txBody>
+      </p:sp>
+      <p:sp>
+        <p:nvSpPr>
+          <p:cNvPr id="3" name="Footer Placeholder 2">
+            <a:extLst>
+              <a:ext uri="{FF2B5EF4-FFF2-40B4-BE49-F238E27FC236}">
+                <a16:creationId xmlns:a16="http://schemas.microsoft.com/office/drawing/2014/main" id="{F4B762AF-1647-4AEF-B71C-6359ED7D7EBF}"/>
+              </a:ext>
+            </a:extLst>
+          </p:cNvPr>
+          <p:cNvSpPr>
+            <a:spLocks noGrp="1"/>
+          </p:cNvSpPr>
+          <p:nvPr>
+            <p:ph type="ftr" sz="quarter" idx="11"/>
+          </p:nvPr>
+        </p:nvSpPr>
+        <p:spPr/>
+        <p:txBody>
+          <a:bodyPr/>
+          <a:lstStyle/>
+          <a:p>
+            <a:r>
+              <a:rPr lang="en-US"/>
+              <a:t>G. Watts (UW/Seattle)</a:t>
+            </a:r>
+          </a:p>
+        </p:txBody>
+      </p:sp>
+      <p:sp>
+        <p:nvSpPr>
+          <p:cNvPr id="4" name="Slide Number Placeholder 3">
+            <a:extLst>
+              <a:ext uri="{FF2B5EF4-FFF2-40B4-BE49-F238E27FC236}">
+                <a16:creationId xmlns:a16="http://schemas.microsoft.com/office/drawing/2014/main" id="{E71E321A-47EB-42D2-B305-D28AA37DD5AB}"/>
+              </a:ext>
+            </a:extLst>
+          </p:cNvPr>
+          <p:cNvSpPr>
+            <a:spLocks noGrp="1"/>
+          </p:cNvSpPr>
+          <p:nvPr>
+            <p:ph type="sldNum" sz="quarter" idx="12"/>
+          </p:nvPr>
+        </p:nvSpPr>
+        <p:spPr/>
+        <p:txBody>
+          <a:bodyPr/>
+          <a:lstStyle/>
+          <a:p>
+            <a:fld id="{97B21D6D-C8F0-458B-8B37-8D3885B9A9EF}" type="slidenum">
+              <a:rPr lang="en-US" smtClean="0"/>
+              <a:t>15</a:t>
+            </a:fld>
+            <a:endParaRPr lang="en-US"/>
+          </a:p>
+        </p:txBody>
+      </p:sp>
+      <p:sp>
+        <p:nvSpPr>
+          <p:cNvPr id="5" name="Cylinder 4">
+            <a:extLst>
+              <a:ext uri="{FF2B5EF4-FFF2-40B4-BE49-F238E27FC236}">
+                <a16:creationId xmlns:a16="http://schemas.microsoft.com/office/drawing/2014/main" id="{B2EB90A7-8747-4C50-AFD2-99E30EA34CD4}"/>
+              </a:ext>
+            </a:extLst>
+          </p:cNvPr>
+          <p:cNvSpPr/>
+          <p:nvPr/>
+        </p:nvSpPr>
+        <p:spPr>
+          <a:xfrm>
+            <a:off x="357390" y="1416337"/>
+            <a:ext cx="1502535" cy="1571222"/>
+          </a:xfrm>
+          <a:prstGeom prst="can">
+            <a:avLst/>
+          </a:prstGeom>
+        </p:spPr>
+        <p:style>
+          <a:lnRef idx="2">
+            <a:schemeClr val="accent1">
+              <a:shade val="50000"/>
+            </a:schemeClr>
+          </a:lnRef>
+          <a:fillRef idx="1">
+            <a:schemeClr val="accent1"/>
+          </a:fillRef>
+          <a:effectRef idx="0">
+            <a:schemeClr val="accent1"/>
+          </a:effectRef>
+          <a:fontRef idx="minor">
+            <a:schemeClr val="lt1"/>
+          </a:fontRef>
+        </p:style>
+        <p:txBody>
+          <a:bodyPr rtlCol="0" anchor="ctr"/>
+          <a:lstStyle/>
+          <a:p>
+            <a:pPr algn="ctr"/>
+            <a:r>
+              <a:rPr lang="en-US" dirty="0"/>
+              <a:t>Event 1</a:t>
+            </a:r>
+          </a:p>
+        </p:txBody>
+      </p:sp>
+      <mc:AlternateContent xmlns:mc="http://schemas.openxmlformats.org/markup-compatibility/2006" xmlns:a14="http://schemas.microsoft.com/office/drawing/2010/main">
+        <mc:Choice Requires="a14">
+          <p:sp>
+            <p:nvSpPr>
+              <p:cNvPr id="6" name="TextBox 5">
+                <a:extLst>
+                  <a:ext uri="{FF2B5EF4-FFF2-40B4-BE49-F238E27FC236}">
+                    <a16:creationId xmlns:a16="http://schemas.microsoft.com/office/drawing/2014/main" id="{6CFF42AC-A3B4-4C08-9BE9-260CA5709A3F}"/>
+                  </a:ext>
+                </a:extLst>
+              </p:cNvPr>
+              <p:cNvSpPr txBox="1"/>
+              <p:nvPr/>
+            </p:nvSpPr>
+            <p:spPr>
+              <a:xfrm>
+                <a:off x="838200" y="3056245"/>
+                <a:ext cx="1159035" cy="3139321"/>
+              </a:xfrm>
+              <a:prstGeom prst="rect">
+                <a:avLst/>
+              </a:prstGeom>
+              <a:noFill/>
+              <a:ln>
+                <a:solidFill>
+                  <a:schemeClr val="accent2"/>
+                </a:solidFill>
+              </a:ln>
+            </p:spPr>
+            <p:txBody>
+              <a:bodyPr wrap="none" rtlCol="0">
+                <a:spAutoFit/>
+              </a:bodyPr>
+              <a:lstStyle/>
+              <a:p>
+                <a:r>
+                  <a:rPr lang="en-US" dirty="0"/>
+                  <a:t>Jets</a:t>
+                </a:r>
+              </a:p>
+              <a:p>
+                <a:pPr marL="285750" indent="-285750">
+                  <a:buFont typeface="Arial" panose="020B0604020202020204" pitchFamily="34" charset="0"/>
+                  <a:buChar char="•"/>
+                </a:pPr>
+                <a:r>
+                  <a:rPr lang="en-US" dirty="0"/>
+                  <a:t>Jet 1</a:t>
+                </a:r>
+              </a:p>
+              <a:p>
+                <a:pPr marL="742950" lvl="1" indent="-285750">
+                  <a:buFont typeface="Arial" panose="020B0604020202020204" pitchFamily="34" charset="0"/>
+                  <a:buChar char="•"/>
+                </a:pPr>
+                <a:r>
+                  <a:rPr lang="en-US" dirty="0" err="1"/>
+                  <a:t>Px</a:t>
+                </a:r>
+                <a:endParaRPr lang="en-US" dirty="0"/>
+              </a:p>
+              <a:p>
+                <a:pPr marL="742950" lvl="1" indent="-285750">
+                  <a:buFont typeface="Arial" panose="020B0604020202020204" pitchFamily="34" charset="0"/>
+                  <a:buChar char="•"/>
+                </a:pPr>
+                <a:r>
+                  <a:rPr lang="en-US" dirty="0" err="1"/>
+                  <a:t>Py</a:t>
+                </a:r>
+                <a:endParaRPr lang="en-US" dirty="0"/>
+              </a:p>
+              <a:p>
+                <a:pPr marL="742950" lvl="1" indent="-285750">
+                  <a:buFont typeface="Arial" panose="020B0604020202020204" pitchFamily="34" charset="0"/>
+                  <a:buChar char="•"/>
+                </a:pPr>
+                <a:r>
+                  <a:rPr lang="en-US" dirty="0" err="1"/>
+                  <a:t>Pz</a:t>
+                </a:r>
+                <a:endParaRPr lang="en-US" dirty="0"/>
+              </a:p>
+              <a:p>
+                <a:pPr marL="742950" lvl="1" indent="-285750">
+                  <a:buFont typeface="Arial" panose="020B0604020202020204" pitchFamily="34" charset="0"/>
+                  <a:buChar char="•"/>
+                </a:pPr>
+                <a:r>
+                  <a:rPr lang="en-US" dirty="0"/>
+                  <a:t>Pt</a:t>
+                </a:r>
+              </a:p>
+              <a:p>
+                <a:pPr marL="742950" lvl="1" indent="-285750">
+                  <a:buFont typeface="Arial" panose="020B0604020202020204" pitchFamily="34" charset="0"/>
+                  <a:buChar char="•"/>
+                </a:pPr>
+                <a14:m>
+                  <m:oMath xmlns:m="http://schemas.openxmlformats.org/officeDocument/2006/math">
+                    <m:r>
+                      <a:rPr lang="en-US" b="0" i="1" smtClean="0">
+                        <a:latin typeface="Cambria Math" panose="02040503050406030204" pitchFamily="18" charset="0"/>
+                      </a:rPr>
+                      <m:t>𝜂</m:t>
+                    </m:r>
+                  </m:oMath>
+                </a14:m>
+                <a:endParaRPr lang="en-US" dirty="0"/>
+              </a:p>
+              <a:p>
+                <a:pPr marL="285750" indent="-285750">
+                  <a:buFont typeface="Arial" panose="020B0604020202020204" pitchFamily="34" charset="0"/>
+                  <a:buChar char="•"/>
+                </a:pPr>
+                <a:r>
+                  <a:rPr lang="en-US" dirty="0"/>
+                  <a:t>Jet 2</a:t>
+                </a:r>
+              </a:p>
+              <a:p>
+                <a:pPr marL="742950" lvl="1" indent="-285750">
+                  <a:buFont typeface="Arial" panose="020B0604020202020204" pitchFamily="34" charset="0"/>
+                  <a:buChar char="•"/>
+                </a:pPr>
+                <a:r>
+                  <a:rPr lang="en-US" dirty="0" err="1"/>
+                  <a:t>Px</a:t>
+                </a:r>
+                <a:endParaRPr lang="en-US" dirty="0"/>
+              </a:p>
+              <a:p>
+                <a:pPr marL="742950" lvl="1" indent="-285750">
+                  <a:buFont typeface="Arial" panose="020B0604020202020204" pitchFamily="34" charset="0"/>
+                  <a:buChar char="•"/>
+                </a:pPr>
+                <a:r>
+                  <a:rPr lang="en-US" dirty="0" err="1"/>
+                  <a:t>Py</a:t>
+                </a:r>
+                <a:endParaRPr lang="en-US" dirty="0"/>
+              </a:p>
+              <a:p>
+                <a:pPr marL="742950" lvl="1" indent="-285750">
+                  <a:buFont typeface="Arial" panose="020B0604020202020204" pitchFamily="34" charset="0"/>
+                  <a:buChar char="•"/>
+                </a:pPr>
+                <a:r>
+                  <a:rPr lang="en-US" dirty="0" err="1"/>
+                  <a:t>Pz</a:t>
+                </a:r>
+                <a:endParaRPr lang="en-US" dirty="0"/>
+              </a:p>
+            </p:txBody>
+          </p:sp>
+        </mc:Choice>
+        <mc:Fallback xmlns="">
+          <p:sp>
+            <p:nvSpPr>
+              <p:cNvPr id="6" name="TextBox 5">
+                <a:extLst>
+                  <a:ext uri="{FF2B5EF4-FFF2-40B4-BE49-F238E27FC236}">
+                    <a16:creationId xmlns:a16="http://schemas.microsoft.com/office/drawing/2014/main" id="{6CFF42AC-A3B4-4C08-9BE9-260CA5709A3F}"/>
+                  </a:ext>
+                </a:extLst>
+              </p:cNvPr>
+              <p:cNvSpPr txBox="1">
+                <a:spLocks noRot="1" noChangeAspect="1" noMove="1" noResize="1" noEditPoints="1" noAdjustHandles="1" noChangeArrowheads="1" noChangeShapeType="1" noTextEdit="1"/>
+              </p:cNvSpPr>
+              <p:nvPr/>
+            </p:nvSpPr>
+            <p:spPr>
+              <a:xfrm>
+                <a:off x="838200" y="3056245"/>
+                <a:ext cx="1159035" cy="3139321"/>
+              </a:xfrm>
+              <a:prstGeom prst="rect">
+                <a:avLst/>
+              </a:prstGeom>
+              <a:blipFill>
+                <a:blip r:embed="rId2"/>
+                <a:stretch>
+                  <a:fillRect l="-4167" t="-774" r="-3125" b="-1934"/>
+                </a:stretch>
+              </a:blipFill>
+              <a:ln>
+                <a:solidFill>
+                  <a:schemeClr val="accent2"/>
+                </a:solidFill>
+              </a:ln>
+            </p:spPr>
+            <p:txBody>
+              <a:bodyPr/>
+              <a:lstStyle/>
+              <a:p>
+                <a:r>
+                  <a:rPr lang="en-US">
+                    <a:noFill/>
+                  </a:rPr>
+                  <a:t> </a:t>
+                </a:r>
+              </a:p>
+            </p:txBody>
+          </p:sp>
+        </mc:Fallback>
+      </mc:AlternateContent>
+      <p:sp>
+        <p:nvSpPr>
+          <p:cNvPr id="8" name="TextBox 7">
+            <a:extLst>
+              <a:ext uri="{FF2B5EF4-FFF2-40B4-BE49-F238E27FC236}">
+                <a16:creationId xmlns:a16="http://schemas.microsoft.com/office/drawing/2014/main" id="{6FDE8ECE-71F0-4603-8F1F-0DC406EB368E}"/>
+              </a:ext>
+            </a:extLst>
+          </p:cNvPr>
+          <p:cNvSpPr txBox="1"/>
+          <p:nvPr/>
+        </p:nvSpPr>
+        <p:spPr>
+          <a:xfrm>
+            <a:off x="2855493" y="2546490"/>
+            <a:ext cx="8658727" cy="738664"/>
+          </a:xfrm>
+          <a:prstGeom prst="rect">
+            <a:avLst/>
+          </a:prstGeom>
+        </p:spPr>
+        <p:style>
+          <a:lnRef idx="2">
+            <a:schemeClr val="dk1"/>
+          </a:lnRef>
+          <a:fillRef idx="1">
+            <a:schemeClr val="lt1"/>
+          </a:fillRef>
+          <a:effectRef idx="0">
+            <a:schemeClr val="dk1"/>
+          </a:effectRef>
+          <a:fontRef idx="minor">
+            <a:schemeClr val="dk1"/>
+          </a:fontRef>
+        </p:style>
+        <p:txBody>
+          <a:bodyPr wrap="square">
+            <a:spAutoFit/>
+          </a:bodyPr>
+          <a:lstStyle/>
+          <a:p>
+            <a:r>
+              <a:rPr lang="en-US" sz="1400" b="0" dirty="0">
+                <a:solidFill>
+                  <a:srgbClr val="000000"/>
+                </a:solidFill>
+                <a:effectLst/>
+                <a:latin typeface="Consolas" panose="020B0609020204030204" pitchFamily="49" charset="0"/>
+              </a:rPr>
+              <a:t>filtered = (</a:t>
+            </a:r>
+            <a:r>
+              <a:rPr lang="en-US" sz="1400" b="0" dirty="0" err="1">
+                <a:solidFill>
+                  <a:srgbClr val="000000"/>
+                </a:solidFill>
+                <a:effectLst/>
+                <a:latin typeface="Consolas" panose="020B0609020204030204" pitchFamily="49" charset="0"/>
+              </a:rPr>
+              <a:t>edm</a:t>
+            </a:r>
+            <a:endParaRPr lang="en-US" sz="1400" b="0" dirty="0">
+              <a:solidFill>
+                <a:srgbClr val="000000"/>
+              </a:solidFill>
+              <a:effectLst/>
+              <a:latin typeface="Consolas" panose="020B0609020204030204" pitchFamily="49" charset="0"/>
+            </a:endParaRPr>
+          </a:p>
+          <a:p>
+            <a:r>
+              <a:rPr lang="en-US" sz="1400" b="0" dirty="0">
+                <a:solidFill>
+                  <a:srgbClr val="000000"/>
+                </a:solidFill>
+                <a:effectLst/>
+                <a:latin typeface="Consolas" panose="020B0609020204030204" pitchFamily="49" charset="0"/>
+              </a:rPr>
+              <a:t>    .Select(</a:t>
+            </a:r>
+            <a:r>
+              <a:rPr lang="en-US" sz="1400" b="0" dirty="0">
+                <a:solidFill>
+                  <a:srgbClr val="0000FF"/>
+                </a:solidFill>
+                <a:effectLst/>
+                <a:latin typeface="Consolas" panose="020B0609020204030204" pitchFamily="49" charset="0"/>
+              </a:rPr>
+              <a:t>lambda</a:t>
+            </a:r>
+            <a:r>
+              <a:rPr lang="en-US" sz="1400" b="0" dirty="0">
+                <a:solidFill>
+                  <a:srgbClr val="000000"/>
+                </a:solidFill>
+                <a:effectLst/>
+                <a:latin typeface="Consolas" panose="020B0609020204030204" pitchFamily="49" charset="0"/>
+              </a:rPr>
+              <a:t> jets: </a:t>
+            </a:r>
+            <a:r>
+              <a:rPr lang="en-US" sz="1400" b="0" dirty="0" err="1">
+                <a:solidFill>
+                  <a:srgbClr val="000000"/>
+                </a:solidFill>
+                <a:effectLst/>
+                <a:latin typeface="Consolas" panose="020B0609020204030204" pitchFamily="49" charset="0"/>
+              </a:rPr>
+              <a:t>jets.Where</a:t>
+            </a:r>
+            <a:r>
+              <a:rPr lang="en-US" sz="1400" b="0" dirty="0">
+                <a:solidFill>
+                  <a:srgbClr val="000000"/>
+                </a:solidFill>
+                <a:effectLst/>
+                <a:latin typeface="Consolas" panose="020B0609020204030204" pitchFamily="49" charset="0"/>
+              </a:rPr>
+              <a:t>(</a:t>
+            </a:r>
+            <a:r>
+              <a:rPr lang="en-US" sz="1400" b="0" dirty="0">
+                <a:solidFill>
+                  <a:srgbClr val="0000FF"/>
+                </a:solidFill>
+                <a:effectLst/>
+                <a:latin typeface="Consolas" panose="020B0609020204030204" pitchFamily="49" charset="0"/>
+              </a:rPr>
+              <a:t>lambda</a:t>
+            </a:r>
+            <a:r>
+              <a:rPr lang="en-US" sz="1400" b="0" dirty="0">
+                <a:solidFill>
+                  <a:srgbClr val="000000"/>
+                </a:solidFill>
+                <a:effectLst/>
+                <a:latin typeface="Consolas" panose="020B0609020204030204" pitchFamily="49" charset="0"/>
+              </a:rPr>
+              <a:t> j: </a:t>
+            </a:r>
+            <a:r>
+              <a:rPr lang="en-US" sz="1400" b="0" dirty="0" err="1">
+                <a:solidFill>
+                  <a:srgbClr val="000000"/>
+                </a:solidFill>
+                <a:effectLst/>
+                <a:latin typeface="Consolas" panose="020B0609020204030204" pitchFamily="49" charset="0"/>
+              </a:rPr>
+              <a:t>j.pT</a:t>
+            </a:r>
+            <a:r>
+              <a:rPr lang="en-US" sz="1400" b="0" dirty="0">
+                <a:solidFill>
+                  <a:srgbClr val="000000"/>
+                </a:solidFill>
+                <a:effectLst/>
+                <a:latin typeface="Consolas" panose="020B0609020204030204" pitchFamily="49" charset="0"/>
+              </a:rPr>
+              <a:t> &gt; </a:t>
+            </a:r>
+            <a:r>
+              <a:rPr lang="en-US" sz="1400" b="0" dirty="0">
+                <a:solidFill>
+                  <a:srgbClr val="098658"/>
+                </a:solidFill>
+                <a:effectLst/>
+                <a:latin typeface="Consolas" panose="020B0609020204030204" pitchFamily="49" charset="0"/>
+              </a:rPr>
+              <a:t>30</a:t>
+            </a:r>
+            <a:r>
+              <a:rPr lang="en-US" sz="1400" b="0" dirty="0">
+                <a:solidFill>
+                  <a:srgbClr val="000000"/>
+                </a:solidFill>
+                <a:effectLst/>
+                <a:latin typeface="Consolas" panose="020B0609020204030204" pitchFamily="49" charset="0"/>
+              </a:rPr>
+              <a:t> </a:t>
+            </a:r>
+            <a:r>
+              <a:rPr lang="en-US" sz="1400" b="0" dirty="0">
+                <a:solidFill>
+                  <a:srgbClr val="0000FF"/>
+                </a:solidFill>
+                <a:effectLst/>
+                <a:latin typeface="Consolas" panose="020B0609020204030204" pitchFamily="49" charset="0"/>
+              </a:rPr>
+              <a:t>and</a:t>
+            </a:r>
+            <a:r>
+              <a:rPr lang="en-US" sz="1400" b="0" dirty="0">
+                <a:solidFill>
+                  <a:srgbClr val="000000"/>
+                </a:solidFill>
+                <a:effectLst/>
+                <a:latin typeface="Consolas" panose="020B0609020204030204" pitchFamily="49" charset="0"/>
+              </a:rPr>
+              <a:t> abs(</a:t>
+            </a:r>
+            <a:r>
+              <a:rPr lang="en-US" sz="1400" b="0" dirty="0" err="1">
+                <a:solidFill>
+                  <a:srgbClr val="000000"/>
+                </a:solidFill>
+                <a:effectLst/>
+                <a:latin typeface="Consolas" panose="020B0609020204030204" pitchFamily="49" charset="0"/>
+              </a:rPr>
+              <a:t>j.eta</a:t>
+            </a:r>
+            <a:r>
+              <a:rPr lang="en-US" sz="1400" b="0" dirty="0">
+                <a:solidFill>
+                  <a:srgbClr val="000000"/>
+                </a:solidFill>
+                <a:effectLst/>
+                <a:latin typeface="Consolas" panose="020B0609020204030204" pitchFamily="49" charset="0"/>
+              </a:rPr>
+              <a:t>) &lt; </a:t>
+            </a:r>
+            <a:r>
+              <a:rPr lang="en-US" sz="1400" b="0" dirty="0">
+                <a:solidFill>
+                  <a:srgbClr val="098658"/>
+                </a:solidFill>
+                <a:effectLst/>
+                <a:latin typeface="Consolas" panose="020B0609020204030204" pitchFamily="49" charset="0"/>
+              </a:rPr>
+              <a:t>2.5</a:t>
+            </a:r>
+            <a:r>
+              <a:rPr lang="en-US" sz="1400" b="0" dirty="0">
+                <a:solidFill>
+                  <a:srgbClr val="000000"/>
+                </a:solidFill>
+                <a:effectLst/>
+                <a:latin typeface="Consolas" panose="020B0609020204030204" pitchFamily="49" charset="0"/>
+              </a:rPr>
+              <a:t>))</a:t>
+            </a:r>
+          </a:p>
+          <a:p>
+            <a:r>
+              <a:rPr lang="en-US" sz="1400" b="0" dirty="0">
+                <a:solidFill>
+                  <a:srgbClr val="000000"/>
+                </a:solidFill>
+                <a:effectLst/>
+                <a:latin typeface="Consolas" panose="020B0609020204030204" pitchFamily="49" charset="0"/>
+              </a:rPr>
+              <a:t>)</a:t>
+            </a:r>
+          </a:p>
+        </p:txBody>
+      </p:sp>
+      <p:sp>
+        <p:nvSpPr>
+          <p:cNvPr id="9" name="TextBox 8">
+            <a:extLst>
+              <a:ext uri="{FF2B5EF4-FFF2-40B4-BE49-F238E27FC236}">
+                <a16:creationId xmlns:a16="http://schemas.microsoft.com/office/drawing/2014/main" id="{87DA44EC-7B52-4DA3-962D-A9D77FB36FAB}"/>
+              </a:ext>
+            </a:extLst>
+          </p:cNvPr>
+          <p:cNvSpPr txBox="1"/>
+          <p:nvPr/>
+        </p:nvSpPr>
+        <p:spPr>
+          <a:xfrm>
+            <a:off x="4451684" y="1780674"/>
+            <a:ext cx="1771126" cy="369332"/>
+          </a:xfrm>
+          <a:prstGeom prst="rect">
+            <a:avLst/>
+          </a:prstGeom>
+          <a:noFill/>
+        </p:spPr>
+        <p:txBody>
+          <a:bodyPr wrap="none" rtlCol="0">
+            <a:spAutoFit/>
+          </a:bodyPr>
+          <a:lstStyle/>
+          <a:p>
+            <a:r>
+              <a:rPr lang="en-US" dirty="0"/>
+              <a:t>Stream of events</a:t>
+            </a:r>
+          </a:p>
+        </p:txBody>
+      </p:sp>
+      <p:cxnSp>
+        <p:nvCxnSpPr>
+          <p:cNvPr id="11" name="Straight Arrow Connector 10">
+            <a:extLst>
+              <a:ext uri="{FF2B5EF4-FFF2-40B4-BE49-F238E27FC236}">
+                <a16:creationId xmlns:a16="http://schemas.microsoft.com/office/drawing/2014/main" id="{C2C8DEBE-BB8F-402F-9E64-701248A487CC}"/>
+              </a:ext>
+            </a:extLst>
+          </p:cNvPr>
+          <p:cNvCxnSpPr>
+            <a:stCxn id="9" idx="1"/>
+          </p:cNvCxnSpPr>
+          <p:nvPr/>
+        </p:nvCxnSpPr>
+        <p:spPr>
+          <a:xfrm flipH="1">
+            <a:off x="4235116" y="1965340"/>
+            <a:ext cx="216568" cy="641502"/>
+          </a:xfrm>
+          <a:prstGeom prst="straightConnector1">
+            <a:avLst/>
+          </a:prstGeom>
+          <a:ln>
+            <a:tailEnd type="triangle"/>
+          </a:ln>
+        </p:spPr>
+        <p:style>
+          <a:lnRef idx="1">
+            <a:schemeClr val="accent1"/>
+          </a:lnRef>
+          <a:fillRef idx="0">
+            <a:schemeClr val="accent1"/>
+          </a:fillRef>
+          <a:effectRef idx="0">
+            <a:schemeClr val="accent1"/>
+          </a:effectRef>
+          <a:fontRef idx="minor">
+            <a:schemeClr val="tx1"/>
+          </a:fontRef>
+        </p:style>
+      </p:cxnSp>
+      <p:cxnSp>
+        <p:nvCxnSpPr>
+          <p:cNvPr id="13" name="Straight Arrow Connector 12">
+            <a:extLst>
+              <a:ext uri="{FF2B5EF4-FFF2-40B4-BE49-F238E27FC236}">
+                <a16:creationId xmlns:a16="http://schemas.microsoft.com/office/drawing/2014/main" id="{703B5B41-D62D-4CBF-9AC7-2B5971DCDBC2}"/>
+              </a:ext>
+            </a:extLst>
+          </p:cNvPr>
+          <p:cNvCxnSpPr>
+            <a:stCxn id="9" idx="1"/>
+          </p:cNvCxnSpPr>
+          <p:nvPr/>
+        </p:nvCxnSpPr>
+        <p:spPr>
+          <a:xfrm flipH="1">
+            <a:off x="1859925" y="1965340"/>
+            <a:ext cx="2591759" cy="53032"/>
+          </a:xfrm>
+          <a:prstGeom prst="straightConnector1">
+            <a:avLst/>
+          </a:prstGeom>
+          <a:ln>
+            <a:tailEnd type="triangle"/>
+          </a:ln>
+        </p:spPr>
+        <p:style>
+          <a:lnRef idx="1">
+            <a:schemeClr val="accent1"/>
+          </a:lnRef>
+          <a:fillRef idx="0">
+            <a:schemeClr val="accent1"/>
+          </a:fillRef>
+          <a:effectRef idx="0">
+            <a:schemeClr val="accent1"/>
+          </a:effectRef>
+          <a:fontRef idx="minor">
+            <a:schemeClr val="tx1"/>
+          </a:fontRef>
+        </p:style>
+      </p:cxnSp>
+      <p:sp>
+        <p:nvSpPr>
+          <p:cNvPr id="14" name="TextBox 13">
+            <a:extLst>
+              <a:ext uri="{FF2B5EF4-FFF2-40B4-BE49-F238E27FC236}">
+                <a16:creationId xmlns:a16="http://schemas.microsoft.com/office/drawing/2014/main" id="{9C61FE0C-35E5-4D7A-87F0-5FDAD6EC29D4}"/>
+              </a:ext>
+            </a:extLst>
+          </p:cNvPr>
+          <p:cNvSpPr txBox="1"/>
+          <p:nvPr/>
+        </p:nvSpPr>
+        <p:spPr>
+          <a:xfrm>
+            <a:off x="4235116" y="3628606"/>
+            <a:ext cx="2582779" cy="646331"/>
+          </a:xfrm>
+          <a:prstGeom prst="rect">
+            <a:avLst/>
+          </a:prstGeom>
+          <a:noFill/>
+        </p:spPr>
+        <p:txBody>
+          <a:bodyPr wrap="square" rtlCol="0">
+            <a:spAutoFit/>
+          </a:bodyPr>
+          <a:lstStyle/>
+          <a:p>
+            <a:r>
+              <a:rPr lang="en-US" dirty="0"/>
+              <a:t>Stream of jets, one collection per event</a:t>
+            </a:r>
+          </a:p>
+        </p:txBody>
+      </p:sp>
+      <p:cxnSp>
+        <p:nvCxnSpPr>
+          <p:cNvPr id="16" name="Straight Arrow Connector 15">
+            <a:extLst>
+              <a:ext uri="{FF2B5EF4-FFF2-40B4-BE49-F238E27FC236}">
+                <a16:creationId xmlns:a16="http://schemas.microsoft.com/office/drawing/2014/main" id="{5F11802E-908A-4298-A94E-DEE4CA60E93B}"/>
+              </a:ext>
+            </a:extLst>
+          </p:cNvPr>
+          <p:cNvCxnSpPr>
+            <a:stCxn id="14" idx="0"/>
+          </p:cNvCxnSpPr>
+          <p:nvPr/>
+        </p:nvCxnSpPr>
+        <p:spPr>
+          <a:xfrm flipH="1" flipV="1">
+            <a:off x="5141495" y="3056245"/>
+            <a:ext cx="385011" cy="572361"/>
+          </a:xfrm>
+          <a:prstGeom prst="straightConnector1">
+            <a:avLst/>
+          </a:prstGeom>
+          <a:ln>
+            <a:tailEnd type="triangle"/>
+          </a:ln>
+        </p:spPr>
+        <p:style>
+          <a:lnRef idx="1">
+            <a:schemeClr val="accent1"/>
+          </a:lnRef>
+          <a:fillRef idx="0">
+            <a:schemeClr val="accent1"/>
+          </a:fillRef>
+          <a:effectRef idx="0">
+            <a:schemeClr val="accent1"/>
+          </a:effectRef>
+          <a:fontRef idx="minor">
+            <a:schemeClr val="tx1"/>
+          </a:fontRef>
+        </p:style>
+      </p:cxnSp>
+      <p:cxnSp>
+        <p:nvCxnSpPr>
+          <p:cNvPr id="18" name="Straight Arrow Connector 17">
+            <a:extLst>
+              <a:ext uri="{FF2B5EF4-FFF2-40B4-BE49-F238E27FC236}">
+                <a16:creationId xmlns:a16="http://schemas.microsoft.com/office/drawing/2014/main" id="{CCC2C8E0-CF87-405D-8EB7-3965F3E8F81D}"/>
+              </a:ext>
+            </a:extLst>
+          </p:cNvPr>
+          <p:cNvCxnSpPr>
+            <a:stCxn id="14" idx="1"/>
+          </p:cNvCxnSpPr>
+          <p:nvPr/>
+        </p:nvCxnSpPr>
+        <p:spPr>
+          <a:xfrm flipH="1" flipV="1">
+            <a:off x="1371600" y="3285154"/>
+            <a:ext cx="2863516" cy="666618"/>
+          </a:xfrm>
+          <a:prstGeom prst="straightConnector1">
+            <a:avLst/>
+          </a:prstGeom>
+          <a:ln>
+            <a:tailEnd type="triangle"/>
+          </a:ln>
+        </p:spPr>
+        <p:style>
+          <a:lnRef idx="1">
+            <a:schemeClr val="accent1"/>
+          </a:lnRef>
+          <a:fillRef idx="0">
+            <a:schemeClr val="accent1"/>
+          </a:fillRef>
+          <a:effectRef idx="0">
+            <a:schemeClr val="accent1"/>
+          </a:effectRef>
+          <a:fontRef idx="minor">
+            <a:schemeClr val="tx1"/>
+          </a:fontRef>
+        </p:style>
+      </p:cxnSp>
+      <p:sp>
+        <p:nvSpPr>
+          <p:cNvPr id="19" name="TextBox 18">
+            <a:extLst>
+              <a:ext uri="{FF2B5EF4-FFF2-40B4-BE49-F238E27FC236}">
+                <a16:creationId xmlns:a16="http://schemas.microsoft.com/office/drawing/2014/main" id="{DF869579-5C24-45E0-895A-016DA796E76F}"/>
+              </a:ext>
+            </a:extLst>
+          </p:cNvPr>
+          <p:cNvSpPr txBox="1"/>
+          <p:nvPr/>
+        </p:nvSpPr>
+        <p:spPr>
+          <a:xfrm>
+            <a:off x="7932822" y="4438718"/>
+            <a:ext cx="2582779" cy="369332"/>
+          </a:xfrm>
+          <a:prstGeom prst="rect">
+            <a:avLst/>
+          </a:prstGeom>
+          <a:noFill/>
+        </p:spPr>
+        <p:txBody>
+          <a:bodyPr wrap="square" rtlCol="0">
+            <a:spAutoFit/>
+          </a:bodyPr>
+          <a:lstStyle/>
+          <a:p>
+            <a:r>
+              <a:rPr lang="en-US" dirty="0"/>
+              <a:t>Stream of single jets</a:t>
+            </a:r>
+          </a:p>
+        </p:txBody>
+      </p:sp>
+      <p:cxnSp>
+        <p:nvCxnSpPr>
+          <p:cNvPr id="21" name="Straight Arrow Connector 20">
+            <a:extLst>
+              <a:ext uri="{FF2B5EF4-FFF2-40B4-BE49-F238E27FC236}">
+                <a16:creationId xmlns:a16="http://schemas.microsoft.com/office/drawing/2014/main" id="{BD774637-75E3-475F-9981-3277F8694116}"/>
+              </a:ext>
+            </a:extLst>
+          </p:cNvPr>
+          <p:cNvCxnSpPr>
+            <a:stCxn id="19" idx="0"/>
+          </p:cNvCxnSpPr>
+          <p:nvPr/>
+        </p:nvCxnSpPr>
+        <p:spPr>
+          <a:xfrm flipH="1" flipV="1">
+            <a:off x="7267074" y="3041620"/>
+            <a:ext cx="1957138" cy="1397098"/>
+          </a:xfrm>
+          <a:prstGeom prst="straightConnector1">
+            <a:avLst/>
+          </a:prstGeom>
+          <a:ln>
+            <a:tailEnd type="triangle"/>
+          </a:ln>
+        </p:spPr>
+        <p:style>
+          <a:lnRef idx="1">
+            <a:schemeClr val="accent1"/>
+          </a:lnRef>
+          <a:fillRef idx="0">
+            <a:schemeClr val="accent1"/>
+          </a:fillRef>
+          <a:effectRef idx="0">
+            <a:schemeClr val="accent1"/>
+          </a:effectRef>
+          <a:fontRef idx="minor">
+            <a:schemeClr val="tx1"/>
+          </a:fontRef>
+        </p:style>
+      </p:cxnSp>
+      <p:cxnSp>
+        <p:nvCxnSpPr>
+          <p:cNvPr id="23" name="Straight Arrow Connector 22">
+            <a:extLst>
+              <a:ext uri="{FF2B5EF4-FFF2-40B4-BE49-F238E27FC236}">
+                <a16:creationId xmlns:a16="http://schemas.microsoft.com/office/drawing/2014/main" id="{3FAA70B0-4E81-44FB-ADCD-0D269602DDA9}"/>
+              </a:ext>
+            </a:extLst>
+          </p:cNvPr>
+          <p:cNvCxnSpPr>
+            <a:stCxn id="19" idx="1"/>
+          </p:cNvCxnSpPr>
+          <p:nvPr/>
+        </p:nvCxnSpPr>
+        <p:spPr>
+          <a:xfrm flipH="1" flipV="1">
+            <a:off x="1997235" y="4274937"/>
+            <a:ext cx="5935587" cy="348447"/>
+          </a:xfrm>
+          <a:prstGeom prst="straightConnector1">
+            <a:avLst/>
+          </a:prstGeom>
+          <a:ln>
+            <a:tailEnd type="triangle"/>
+          </a:ln>
+        </p:spPr>
+        <p:style>
+          <a:lnRef idx="1">
+            <a:schemeClr val="accent1"/>
+          </a:lnRef>
+          <a:fillRef idx="0">
+            <a:schemeClr val="accent1"/>
+          </a:fillRef>
+          <a:effectRef idx="0">
+            <a:schemeClr val="accent1"/>
+          </a:effectRef>
+          <a:fontRef idx="minor">
+            <a:schemeClr val="tx1"/>
+          </a:fontRef>
+        </p:style>
+      </p:cxnSp>
+      <p:pic>
+        <p:nvPicPr>
+          <p:cNvPr id="17" name="Picture 16">
+            <a:extLst>
+              <a:ext uri="{FF2B5EF4-FFF2-40B4-BE49-F238E27FC236}">
+                <a16:creationId xmlns:a16="http://schemas.microsoft.com/office/drawing/2014/main" id="{C591A1D4-1829-4284-B283-3581DF0B4A33}"/>
+              </a:ext>
+            </a:extLst>
+          </p:cNvPr>
+          <p:cNvPicPr>
+            <a:picLocks noChangeAspect="1"/>
+          </p:cNvPicPr>
+          <p:nvPr/>
+        </p:nvPicPr>
+        <p:blipFill>
+          <a:blip r:embed="rId3"/>
+          <a:stretch>
+            <a:fillRect/>
+          </a:stretch>
+        </p:blipFill>
+        <p:spPr>
+          <a:xfrm>
+            <a:off x="7454274" y="82131"/>
+            <a:ext cx="4671465" cy="769687"/>
+          </a:xfrm>
+          <a:prstGeom prst="rect">
+            <a:avLst/>
+          </a:prstGeom>
+        </p:spPr>
+      </p:pic>
+    </p:spTree>
+    <p:extLst>
+      <p:ext uri="{BB962C8B-B14F-4D97-AF65-F5344CB8AC3E}">
+        <p14:creationId xmlns:p14="http://schemas.microsoft.com/office/powerpoint/2010/main" val="1678178607"/>
+      </p:ext>
+    </p:extLst>
+  </p:cSld>
+  <p:clrMapOvr>
+    <a:masterClrMapping/>
+  </p:clrMapOvr>
+</p:sld>
+</file>
+
+<file path=ppt/slides/slide16.xml><?xml version="1.0" encoding="utf-8"?>
+<p:sld xmlns:a="http://schemas.openxmlformats.org/drawingml/2006/main" xmlns:r="http://schemas.openxmlformats.org/officeDocument/2006/relationships" xmlns:p="http://schemas.openxmlformats.org/presentationml/2006/main">
+  <p:cSld>
+    <p:spTree>
+      <p:nvGrpSpPr>
+        <p:cNvPr id="1" name=""/>
+        <p:cNvGrpSpPr/>
+        <p:nvPr/>
+      </p:nvGrpSpPr>
+      <p:grpSpPr>
+        <a:xfrm>
+          <a:off x="0" y="0"/>
+          <a:ext cx="0" cy="0"/>
+          <a:chOff x="0" y="0"/>
+          <a:chExt cx="0" cy="0"/>
+        </a:xfrm>
+      </p:grpSpPr>
+      <p:sp>
+        <p:nvSpPr>
+          <p:cNvPr id="5" name="Title 4">
+            <a:extLst>
+              <a:ext uri="{FF2B5EF4-FFF2-40B4-BE49-F238E27FC236}">
+                <a16:creationId xmlns:a16="http://schemas.microsoft.com/office/drawing/2014/main" id="{9E61EC1F-17A0-4254-9EBD-C01C7D2204D5}"/>
+              </a:ext>
+            </a:extLst>
+          </p:cNvPr>
+          <p:cNvSpPr>
+            <a:spLocks noGrp="1"/>
+          </p:cNvSpPr>
+          <p:nvPr>
+            <p:ph type="title"/>
+          </p:nvPr>
+        </p:nvSpPr>
+        <p:spPr/>
+        <p:txBody>
+          <a:bodyPr/>
+          <a:lstStyle/>
+          <a:p>
+            <a:r>
+              <a:rPr lang="en-US" dirty="0"/>
+              <a:t>Usage Patterns</a:t>
+            </a:r>
+          </a:p>
+        </p:txBody>
+      </p:sp>
+      <p:sp>
+        <p:nvSpPr>
+          <p:cNvPr id="3" name="Footer Placeholder 2">
+            <a:extLst>
+              <a:ext uri="{FF2B5EF4-FFF2-40B4-BE49-F238E27FC236}">
+                <a16:creationId xmlns:a16="http://schemas.microsoft.com/office/drawing/2014/main" id="{2F29B22A-E497-4101-97E9-5717D4CFE681}"/>
+              </a:ext>
+            </a:extLst>
+          </p:cNvPr>
+          <p:cNvSpPr>
+            <a:spLocks noGrp="1"/>
+          </p:cNvSpPr>
+          <p:nvPr>
+            <p:ph type="ftr" sz="quarter" idx="11"/>
+          </p:nvPr>
+        </p:nvSpPr>
+        <p:spPr/>
+        <p:txBody>
+          <a:bodyPr/>
+          <a:lstStyle/>
+          <a:p>
+            <a:r>
+              <a:rPr lang="en-US"/>
+              <a:t>G. Watts (UW/Seattle)</a:t>
+            </a:r>
+          </a:p>
+        </p:txBody>
+      </p:sp>
+      <p:sp>
+        <p:nvSpPr>
+          <p:cNvPr id="4" name="Slide Number Placeholder 3">
+            <a:extLst>
+              <a:ext uri="{FF2B5EF4-FFF2-40B4-BE49-F238E27FC236}">
+                <a16:creationId xmlns:a16="http://schemas.microsoft.com/office/drawing/2014/main" id="{244D41FB-6413-4259-90FA-5560BC9FF0C9}"/>
+              </a:ext>
+            </a:extLst>
+          </p:cNvPr>
+          <p:cNvSpPr>
+            <a:spLocks noGrp="1"/>
+          </p:cNvSpPr>
+          <p:nvPr>
+            <p:ph type="sldNum" sz="quarter" idx="12"/>
+          </p:nvPr>
+        </p:nvSpPr>
+        <p:spPr/>
+        <p:txBody>
+          <a:bodyPr/>
+          <a:lstStyle/>
+          <a:p>
+            <a:fld id="{97B21D6D-C8F0-458B-8B37-8D3885B9A9EF}" type="slidenum">
+              <a:rPr lang="en-US" smtClean="0"/>
+              <a:t>16</a:t>
+            </a:fld>
+            <a:endParaRPr lang="en-US"/>
+          </a:p>
+        </p:txBody>
+      </p:sp>
+      <p:sp>
+        <p:nvSpPr>
+          <p:cNvPr id="6" name="Flowchart: Magnetic Disk 5">
+            <a:extLst>
+              <a:ext uri="{FF2B5EF4-FFF2-40B4-BE49-F238E27FC236}">
+                <a16:creationId xmlns:a16="http://schemas.microsoft.com/office/drawing/2014/main" id="{56858366-768C-4B21-B0B9-E0C35C1588F8}"/>
+              </a:ext>
+            </a:extLst>
+          </p:cNvPr>
+          <p:cNvSpPr/>
+          <p:nvPr/>
+        </p:nvSpPr>
+        <p:spPr>
+          <a:xfrm>
+            <a:off x="677639" y="3198243"/>
+            <a:ext cx="1475117" cy="987725"/>
+          </a:xfrm>
+          <a:prstGeom prst="flowChartMagneticDisk">
+            <a:avLst/>
+          </a:prstGeom>
+        </p:spPr>
+        <p:style>
+          <a:lnRef idx="2">
+            <a:schemeClr val="accent1">
+              <a:shade val="50000"/>
+            </a:schemeClr>
+          </a:lnRef>
+          <a:fillRef idx="1">
+            <a:schemeClr val="accent1"/>
+          </a:fillRef>
+          <a:effectRef idx="0">
+            <a:schemeClr val="accent1"/>
+          </a:effectRef>
+          <a:fontRef idx="minor">
+            <a:schemeClr val="lt1"/>
+          </a:fontRef>
+        </p:style>
+        <p:txBody>
+          <a:bodyPr rtlCol="0" anchor="ctr"/>
+          <a:lstStyle/>
+          <a:p>
+            <a:pPr algn="ctr"/>
+            <a:r>
+              <a:rPr lang="en-US" dirty="0"/>
+              <a:t>Flat </a:t>
+            </a:r>
+            <a:r>
+              <a:rPr lang="en-US" dirty="0" err="1"/>
+              <a:t>Ntuple</a:t>
+            </a:r>
+            <a:r>
+              <a:rPr lang="en-US" dirty="0"/>
+              <a:t> File</a:t>
+            </a:r>
+          </a:p>
+        </p:txBody>
+      </p:sp>
+      <p:sp>
+        <p:nvSpPr>
+          <p:cNvPr id="8" name="TextBox 7">
+            <a:extLst>
+              <a:ext uri="{FF2B5EF4-FFF2-40B4-BE49-F238E27FC236}">
+                <a16:creationId xmlns:a16="http://schemas.microsoft.com/office/drawing/2014/main" id="{EED8730C-6122-4BDA-A653-7CF37C6FF6E1}"/>
+              </a:ext>
+            </a:extLst>
+          </p:cNvPr>
+          <p:cNvSpPr txBox="1"/>
+          <p:nvPr/>
+        </p:nvSpPr>
+        <p:spPr>
+          <a:xfrm>
+            <a:off x="3019168" y="3230440"/>
+            <a:ext cx="2951064" cy="923330"/>
+          </a:xfrm>
+          <a:prstGeom prst="rect">
+            <a:avLst/>
+          </a:prstGeom>
+          <a:noFill/>
+        </p:spPr>
+        <p:txBody>
+          <a:bodyPr wrap="none" rtlCol="0">
+            <a:spAutoFit/>
+          </a:bodyPr>
+          <a:lstStyle/>
+          <a:p>
+            <a:pPr marL="342900" indent="-342900">
+              <a:buAutoNum type="arabicPeriod"/>
+            </a:pPr>
+            <a:r>
+              <a:rPr lang="en-US" dirty="0"/>
+              <a:t>Build Event Data Model</a:t>
+            </a:r>
+          </a:p>
+          <a:p>
+            <a:pPr marL="342900" indent="-342900">
+              <a:buAutoNum type="arabicPeriod"/>
+            </a:pPr>
+            <a:r>
+              <a:rPr lang="en-US" dirty="0"/>
+              <a:t>Filter</a:t>
+            </a:r>
+          </a:p>
+          <a:p>
+            <a:pPr marL="342900" indent="-342900">
+              <a:buAutoNum type="arabicPeriod"/>
+            </a:pPr>
+            <a:r>
+              <a:rPr lang="en-US" dirty="0"/>
+              <a:t>Select columns for output</a:t>
+            </a:r>
+          </a:p>
+        </p:txBody>
+      </p:sp>
+      <p:sp>
+        <p:nvSpPr>
+          <p:cNvPr id="9" name="Arrow: Right 8">
+            <a:extLst>
+              <a:ext uri="{FF2B5EF4-FFF2-40B4-BE49-F238E27FC236}">
+                <a16:creationId xmlns:a16="http://schemas.microsoft.com/office/drawing/2014/main" id="{4CB800A6-9796-46A4-934C-E0EA10BB34A5}"/>
+              </a:ext>
+            </a:extLst>
+          </p:cNvPr>
+          <p:cNvSpPr/>
+          <p:nvPr/>
+        </p:nvSpPr>
+        <p:spPr>
+          <a:xfrm>
+            <a:off x="2293518" y="3607667"/>
+            <a:ext cx="584887" cy="168876"/>
+          </a:xfrm>
+          <a:prstGeom prst="rightArrow">
+            <a:avLst/>
+          </a:prstGeom>
+        </p:spPr>
+        <p:style>
+          <a:lnRef idx="2">
+            <a:schemeClr val="accent1">
+              <a:shade val="50000"/>
+            </a:schemeClr>
+          </a:lnRef>
+          <a:fillRef idx="1">
+            <a:schemeClr val="accent1"/>
+          </a:fillRef>
+          <a:effectRef idx="0">
+            <a:schemeClr val="accent1"/>
+          </a:effectRef>
+          <a:fontRef idx="minor">
+            <a:schemeClr val="lt1"/>
+          </a:fontRef>
+        </p:style>
+        <p:txBody>
+          <a:bodyPr rtlCol="0" anchor="ctr"/>
+          <a:lstStyle/>
+          <a:p>
+            <a:pPr algn="ctr"/>
+            <a:endParaRPr lang="en-US"/>
+          </a:p>
+        </p:txBody>
+      </p:sp>
+      <p:sp>
+        <p:nvSpPr>
+          <p:cNvPr id="10" name="TextBox 9">
+            <a:extLst>
+              <a:ext uri="{FF2B5EF4-FFF2-40B4-BE49-F238E27FC236}">
+                <a16:creationId xmlns:a16="http://schemas.microsoft.com/office/drawing/2014/main" id="{F5014813-2634-461D-A1C6-8F9C115845BA}"/>
+              </a:ext>
+            </a:extLst>
+          </p:cNvPr>
+          <p:cNvSpPr txBox="1"/>
+          <p:nvPr/>
+        </p:nvSpPr>
+        <p:spPr>
+          <a:xfrm>
+            <a:off x="6256639" y="2747319"/>
+            <a:ext cx="1684637" cy="646331"/>
+          </a:xfrm>
+          <a:prstGeom prst="rect">
+            <a:avLst/>
+          </a:prstGeom>
+          <a:noFill/>
+        </p:spPr>
+        <p:txBody>
+          <a:bodyPr wrap="square" rtlCol="0">
+            <a:spAutoFit/>
+          </a:bodyPr>
+          <a:lstStyle/>
+          <a:p>
+            <a:r>
+              <a:rPr lang="en-US" dirty="0"/>
+              <a:t>Using a dictionary &amp; </a:t>
+            </a:r>
+            <a:r>
+              <a:rPr lang="en-US" dirty="0">
+                <a:solidFill>
+                  <a:schemeClr val="accent2"/>
+                </a:solidFill>
+              </a:rPr>
+              <a:t>Zip</a:t>
+            </a:r>
+          </a:p>
+        </p:txBody>
+      </p:sp>
+      <p:cxnSp>
+        <p:nvCxnSpPr>
+          <p:cNvPr id="12" name="Straight Arrow Connector 11">
+            <a:extLst>
+              <a:ext uri="{FF2B5EF4-FFF2-40B4-BE49-F238E27FC236}">
+                <a16:creationId xmlns:a16="http://schemas.microsoft.com/office/drawing/2014/main" id="{A3C7FEAC-962C-467A-BD06-753F4CEEDCFA}"/>
+              </a:ext>
+            </a:extLst>
+          </p:cNvPr>
+          <p:cNvCxnSpPr>
+            <a:cxnSpLocks/>
+            <a:stCxn id="10" idx="1"/>
+          </p:cNvCxnSpPr>
+          <p:nvPr/>
+        </p:nvCxnSpPr>
+        <p:spPr>
+          <a:xfrm flipH="1">
+            <a:off x="5717059" y="3070485"/>
+            <a:ext cx="539580" cy="290553"/>
+          </a:xfrm>
+          <a:prstGeom prst="straightConnector1">
+            <a:avLst/>
+          </a:prstGeom>
+          <a:ln>
+            <a:tailEnd type="triangle"/>
+          </a:ln>
+        </p:spPr>
+        <p:style>
+          <a:lnRef idx="1">
+            <a:schemeClr val="accent1"/>
+          </a:lnRef>
+          <a:fillRef idx="0">
+            <a:schemeClr val="accent1"/>
+          </a:fillRef>
+          <a:effectRef idx="0">
+            <a:schemeClr val="accent1"/>
+          </a:effectRef>
+          <a:fontRef idx="minor">
+            <a:schemeClr val="tx1"/>
+          </a:fontRef>
+        </p:style>
+      </p:cxnSp>
+      <p:sp>
+        <p:nvSpPr>
+          <p:cNvPr id="13" name="TextBox 12">
+            <a:extLst>
+              <a:ext uri="{FF2B5EF4-FFF2-40B4-BE49-F238E27FC236}">
+                <a16:creationId xmlns:a16="http://schemas.microsoft.com/office/drawing/2014/main" id="{AA05E534-C1E6-4735-8BAA-B6173D100565}"/>
+              </a:ext>
+            </a:extLst>
+          </p:cNvPr>
+          <p:cNvSpPr txBox="1"/>
+          <p:nvPr/>
+        </p:nvSpPr>
+        <p:spPr>
+          <a:xfrm>
+            <a:off x="6557321" y="3523936"/>
+            <a:ext cx="1383956" cy="369332"/>
+          </a:xfrm>
+          <a:prstGeom prst="rect">
+            <a:avLst/>
+          </a:prstGeom>
+          <a:noFill/>
+        </p:spPr>
+        <p:txBody>
+          <a:bodyPr wrap="square" rtlCol="0">
+            <a:spAutoFit/>
+          </a:bodyPr>
+          <a:lstStyle/>
+          <a:p>
+            <a:r>
+              <a:rPr lang="en-US" dirty="0"/>
+              <a:t>Using </a:t>
+            </a:r>
+            <a:r>
+              <a:rPr lang="en-US" dirty="0">
+                <a:solidFill>
+                  <a:schemeClr val="accent2"/>
+                </a:solidFill>
+              </a:rPr>
+              <a:t>Where</a:t>
+            </a:r>
+          </a:p>
+        </p:txBody>
+      </p:sp>
+      <p:cxnSp>
+        <p:nvCxnSpPr>
+          <p:cNvPr id="15" name="Straight Arrow Connector 14">
+            <a:extLst>
+              <a:ext uri="{FF2B5EF4-FFF2-40B4-BE49-F238E27FC236}">
+                <a16:creationId xmlns:a16="http://schemas.microsoft.com/office/drawing/2014/main" id="{3AC967DD-28A7-4965-819C-82EF49F197C0}"/>
+              </a:ext>
+            </a:extLst>
+          </p:cNvPr>
+          <p:cNvCxnSpPr>
+            <a:cxnSpLocks/>
+            <a:stCxn id="13" idx="1"/>
+          </p:cNvCxnSpPr>
+          <p:nvPr/>
+        </p:nvCxnSpPr>
+        <p:spPr>
+          <a:xfrm flipH="1" flipV="1">
+            <a:off x="4782065" y="3692105"/>
+            <a:ext cx="1775256" cy="16497"/>
+          </a:xfrm>
+          <a:prstGeom prst="straightConnector1">
+            <a:avLst/>
+          </a:prstGeom>
+          <a:ln>
+            <a:tailEnd type="triangle"/>
+          </a:ln>
+        </p:spPr>
+        <p:style>
+          <a:lnRef idx="1">
+            <a:schemeClr val="accent1"/>
+          </a:lnRef>
+          <a:fillRef idx="0">
+            <a:schemeClr val="accent1"/>
+          </a:fillRef>
+          <a:effectRef idx="0">
+            <a:schemeClr val="accent1"/>
+          </a:effectRef>
+          <a:fontRef idx="minor">
+            <a:schemeClr val="tx1"/>
+          </a:fontRef>
+        </p:style>
+      </p:cxnSp>
+      <p:sp>
+        <p:nvSpPr>
+          <p:cNvPr id="16" name="TextBox 15">
+            <a:extLst>
+              <a:ext uri="{FF2B5EF4-FFF2-40B4-BE49-F238E27FC236}">
+                <a16:creationId xmlns:a16="http://schemas.microsoft.com/office/drawing/2014/main" id="{E5628B99-E892-44C7-9CAD-E95E972B5315}"/>
+              </a:ext>
+            </a:extLst>
+          </p:cNvPr>
+          <p:cNvSpPr txBox="1"/>
+          <p:nvPr/>
+        </p:nvSpPr>
+        <p:spPr>
+          <a:xfrm>
+            <a:off x="6223687" y="4185968"/>
+            <a:ext cx="1717589" cy="646331"/>
+          </a:xfrm>
+          <a:prstGeom prst="rect">
+            <a:avLst/>
+          </a:prstGeom>
+          <a:noFill/>
+        </p:spPr>
+        <p:txBody>
+          <a:bodyPr wrap="square" rtlCol="0">
+            <a:spAutoFit/>
+          </a:bodyPr>
+          <a:lstStyle/>
+          <a:p>
+            <a:r>
+              <a:rPr lang="en-US" dirty="0"/>
+              <a:t>Using </a:t>
+            </a:r>
+            <a:r>
+              <a:rPr lang="en-US" dirty="0">
+                <a:solidFill>
+                  <a:schemeClr val="accent2"/>
+                </a:solidFill>
+              </a:rPr>
+              <a:t>Select</a:t>
+            </a:r>
+            <a:r>
+              <a:rPr lang="en-US" dirty="0"/>
+              <a:t> and a dictionary</a:t>
+            </a:r>
+            <a:endParaRPr lang="en-US" dirty="0">
+              <a:solidFill>
+                <a:schemeClr val="accent2"/>
+              </a:solidFill>
+            </a:endParaRPr>
+          </a:p>
+        </p:txBody>
+      </p:sp>
+      <p:cxnSp>
+        <p:nvCxnSpPr>
+          <p:cNvPr id="18" name="Straight Arrow Connector 17">
+            <a:extLst>
+              <a:ext uri="{FF2B5EF4-FFF2-40B4-BE49-F238E27FC236}">
+                <a16:creationId xmlns:a16="http://schemas.microsoft.com/office/drawing/2014/main" id="{BAAAF9E4-F6DA-4F87-A251-E15E279CB706}"/>
+              </a:ext>
+            </a:extLst>
+          </p:cNvPr>
+          <p:cNvCxnSpPr>
+            <a:stCxn id="16" idx="1"/>
+          </p:cNvCxnSpPr>
+          <p:nvPr/>
+        </p:nvCxnSpPr>
+        <p:spPr>
+          <a:xfrm flipH="1" flipV="1">
+            <a:off x="5836508" y="4153770"/>
+            <a:ext cx="387179" cy="355364"/>
+          </a:xfrm>
+          <a:prstGeom prst="straightConnector1">
+            <a:avLst/>
+          </a:prstGeom>
+          <a:ln>
+            <a:tailEnd type="triangle"/>
+          </a:ln>
+        </p:spPr>
+        <p:style>
+          <a:lnRef idx="1">
+            <a:schemeClr val="accent1"/>
+          </a:lnRef>
+          <a:fillRef idx="0">
+            <a:schemeClr val="accent1"/>
+          </a:fillRef>
+          <a:effectRef idx="0">
+            <a:schemeClr val="accent1"/>
+          </a:effectRef>
+          <a:fontRef idx="minor">
+            <a:schemeClr val="tx1"/>
+          </a:fontRef>
+        </p:style>
+      </p:cxnSp>
+      <p:pic>
+        <p:nvPicPr>
+          <p:cNvPr id="20" name="Picture 19">
+            <a:extLst>
+              <a:ext uri="{FF2B5EF4-FFF2-40B4-BE49-F238E27FC236}">
+                <a16:creationId xmlns:a16="http://schemas.microsoft.com/office/drawing/2014/main" id="{9BD410EB-4D82-4938-9785-CC2EE673089C}"/>
+              </a:ext>
+            </a:extLst>
+          </p:cNvPr>
+          <p:cNvPicPr>
+            <a:picLocks noChangeAspect="1"/>
+          </p:cNvPicPr>
+          <p:nvPr/>
+        </p:nvPicPr>
+        <p:blipFill>
+          <a:blip r:embed="rId2"/>
+          <a:stretch>
+            <a:fillRect/>
+          </a:stretch>
+        </p:blipFill>
+        <p:spPr>
+          <a:xfrm>
+            <a:off x="8822724" y="1756130"/>
+            <a:ext cx="1514418" cy="1143437"/>
+          </a:xfrm>
+          <a:prstGeom prst="rect">
+            <a:avLst/>
+          </a:prstGeom>
+        </p:spPr>
+      </p:pic>
+      <p:pic>
+        <p:nvPicPr>
+          <p:cNvPr id="22" name="Picture 21">
+            <a:extLst>
+              <a:ext uri="{FF2B5EF4-FFF2-40B4-BE49-F238E27FC236}">
+                <a16:creationId xmlns:a16="http://schemas.microsoft.com/office/drawing/2014/main" id="{F555B579-344F-4246-8161-1068F213595A}"/>
+              </a:ext>
+            </a:extLst>
+          </p:cNvPr>
+          <p:cNvPicPr>
+            <a:picLocks noChangeAspect="1"/>
+          </p:cNvPicPr>
+          <p:nvPr/>
+        </p:nvPicPr>
+        <p:blipFill>
+          <a:blip r:embed="rId3"/>
+          <a:stretch>
+            <a:fillRect/>
+          </a:stretch>
+        </p:blipFill>
+        <p:spPr>
+          <a:xfrm>
+            <a:off x="8610600" y="3426370"/>
+            <a:ext cx="2743200" cy="727400"/>
+          </a:xfrm>
+          <a:prstGeom prst="rect">
+            <a:avLst/>
+          </a:prstGeom>
+        </p:spPr>
+      </p:pic>
+      <p:pic>
+        <p:nvPicPr>
+          <p:cNvPr id="24" name="Picture 23">
+            <a:extLst>
+              <a:ext uri="{FF2B5EF4-FFF2-40B4-BE49-F238E27FC236}">
+                <a16:creationId xmlns:a16="http://schemas.microsoft.com/office/drawing/2014/main" id="{E9C5119D-A0C1-43FD-916C-6190FCDFBAC1}"/>
+              </a:ext>
+            </a:extLst>
+          </p:cNvPr>
+          <p:cNvPicPr>
+            <a:picLocks noChangeAspect="1"/>
+          </p:cNvPicPr>
+          <p:nvPr/>
+        </p:nvPicPr>
+        <p:blipFill>
+          <a:blip r:embed="rId4"/>
+          <a:stretch>
+            <a:fillRect/>
+          </a:stretch>
+        </p:blipFill>
+        <p:spPr>
+          <a:xfrm>
+            <a:off x="8960708" y="4555545"/>
+            <a:ext cx="1717589" cy="1261354"/>
+          </a:xfrm>
+          <a:prstGeom prst="rect">
+            <a:avLst/>
+          </a:prstGeom>
+        </p:spPr>
+      </p:pic>
+      <p:cxnSp>
+        <p:nvCxnSpPr>
+          <p:cNvPr id="26" name="Straight Arrow Connector 25">
+            <a:extLst>
+              <a:ext uri="{FF2B5EF4-FFF2-40B4-BE49-F238E27FC236}">
+                <a16:creationId xmlns:a16="http://schemas.microsoft.com/office/drawing/2014/main" id="{496F7847-7E28-4E07-8E48-353F1E94D2CC}"/>
+              </a:ext>
+            </a:extLst>
+          </p:cNvPr>
+          <p:cNvCxnSpPr>
+            <a:cxnSpLocks/>
+            <a:stCxn id="20" idx="1"/>
+            <a:endCxn id="10" idx="3"/>
+          </p:cNvCxnSpPr>
+          <p:nvPr/>
+        </p:nvCxnSpPr>
+        <p:spPr>
+          <a:xfrm flipH="1">
+            <a:off x="7941276" y="2327849"/>
+            <a:ext cx="881448" cy="742636"/>
+          </a:xfrm>
+          <a:prstGeom prst="straightConnector1">
+            <a:avLst/>
+          </a:prstGeom>
+          <a:ln>
+            <a:tailEnd type="triangle"/>
+          </a:ln>
+        </p:spPr>
+        <p:style>
+          <a:lnRef idx="1">
+            <a:schemeClr val="accent1"/>
+          </a:lnRef>
+          <a:fillRef idx="0">
+            <a:schemeClr val="accent1"/>
+          </a:fillRef>
+          <a:effectRef idx="0">
+            <a:schemeClr val="accent1"/>
+          </a:effectRef>
+          <a:fontRef idx="minor">
+            <a:schemeClr val="tx1"/>
+          </a:fontRef>
+        </p:style>
+      </p:cxnSp>
+      <p:cxnSp>
+        <p:nvCxnSpPr>
+          <p:cNvPr id="28" name="Straight Arrow Connector 27">
+            <a:extLst>
+              <a:ext uri="{FF2B5EF4-FFF2-40B4-BE49-F238E27FC236}">
+                <a16:creationId xmlns:a16="http://schemas.microsoft.com/office/drawing/2014/main" id="{C2B1A062-8C1A-40D2-A760-D55D2DA79844}"/>
+              </a:ext>
+            </a:extLst>
+          </p:cNvPr>
+          <p:cNvCxnSpPr>
+            <a:cxnSpLocks/>
+            <a:stCxn id="22" idx="1"/>
+            <a:endCxn id="13" idx="3"/>
+          </p:cNvCxnSpPr>
+          <p:nvPr/>
+        </p:nvCxnSpPr>
+        <p:spPr>
+          <a:xfrm flipH="1" flipV="1">
+            <a:off x="7941277" y="3708602"/>
+            <a:ext cx="669323" cy="81468"/>
+          </a:xfrm>
+          <a:prstGeom prst="straightConnector1">
+            <a:avLst/>
+          </a:prstGeom>
+          <a:ln>
+            <a:tailEnd type="triangle"/>
+          </a:ln>
+        </p:spPr>
+        <p:style>
+          <a:lnRef idx="1">
+            <a:schemeClr val="accent1"/>
+          </a:lnRef>
+          <a:fillRef idx="0">
+            <a:schemeClr val="accent1"/>
+          </a:fillRef>
+          <a:effectRef idx="0">
+            <a:schemeClr val="accent1"/>
+          </a:effectRef>
+          <a:fontRef idx="minor">
+            <a:schemeClr val="tx1"/>
+          </a:fontRef>
+        </p:style>
+      </p:cxnSp>
+      <p:cxnSp>
+        <p:nvCxnSpPr>
+          <p:cNvPr id="34" name="Straight Arrow Connector 33">
+            <a:extLst>
+              <a:ext uri="{FF2B5EF4-FFF2-40B4-BE49-F238E27FC236}">
+                <a16:creationId xmlns:a16="http://schemas.microsoft.com/office/drawing/2014/main" id="{A2A443EF-7B3F-41EB-93F5-E9E7E640C14E}"/>
+              </a:ext>
+            </a:extLst>
+          </p:cNvPr>
+          <p:cNvCxnSpPr>
+            <a:stCxn id="24" idx="1"/>
+            <a:endCxn id="16" idx="3"/>
+          </p:cNvCxnSpPr>
+          <p:nvPr/>
+        </p:nvCxnSpPr>
+        <p:spPr>
+          <a:xfrm flipH="1" flipV="1">
+            <a:off x="7941276" y="4509134"/>
+            <a:ext cx="1019432" cy="677088"/>
+          </a:xfrm>
+          <a:prstGeom prst="straightConnector1">
+            <a:avLst/>
+          </a:prstGeom>
+          <a:ln>
+            <a:tailEnd type="triangle"/>
+          </a:ln>
+        </p:spPr>
+        <p:style>
+          <a:lnRef idx="1">
+            <a:schemeClr val="accent1"/>
+          </a:lnRef>
+          <a:fillRef idx="0">
+            <a:schemeClr val="accent1"/>
+          </a:fillRef>
+          <a:effectRef idx="0">
+            <a:schemeClr val="accent1"/>
+          </a:effectRef>
+          <a:fontRef idx="minor">
+            <a:schemeClr val="tx1"/>
+          </a:fontRef>
+        </p:style>
+      </p:cxnSp>
+    </p:spTree>
+    <p:extLst>
+      <p:ext uri="{BB962C8B-B14F-4D97-AF65-F5344CB8AC3E}">
+        <p14:creationId xmlns:p14="http://schemas.microsoft.com/office/powerpoint/2010/main" val="373855022"/>
+      </p:ext>
+    </p:extLst>
+  </p:cSld>
+  <p:clrMapOvr>
+    <a:masterClrMapping/>
+  </p:clrMapOvr>
+</p:sld>
+</file>
+
+<file path=ppt/slides/slide17.xml><?xml version="1.0" encoding="utf-8"?>
+<p:sld xmlns:a="http://schemas.openxmlformats.org/drawingml/2006/main" xmlns:r="http://schemas.openxmlformats.org/officeDocument/2006/relationships" xmlns:p="http://schemas.openxmlformats.org/presentationml/2006/main">
+  <p:cSld>
+    <p:spTree>
+      <p:nvGrpSpPr>
+        <p:cNvPr id="1" name=""/>
+        <p:cNvGrpSpPr/>
+        <p:nvPr/>
+      </p:nvGrpSpPr>
+      <p:grpSpPr>
+        <a:xfrm>
+          <a:off x="0" y="0"/>
+          <a:ext cx="0" cy="0"/>
+          <a:chOff x="0" y="0"/>
+          <a:chExt cx="0" cy="0"/>
+        </a:xfrm>
+      </p:grpSpPr>
+      <p:sp>
+        <p:nvSpPr>
+          <p:cNvPr id="2" name="Footer Placeholder 1">
+            <a:extLst>
+              <a:ext uri="{FF2B5EF4-FFF2-40B4-BE49-F238E27FC236}">
+                <a16:creationId xmlns:a16="http://schemas.microsoft.com/office/drawing/2014/main" id="{0B9FA5B6-0B10-4DEF-A1B5-86BEC2D44A44}"/>
+              </a:ext>
+            </a:extLst>
+          </p:cNvPr>
+          <p:cNvSpPr>
+            <a:spLocks noGrp="1"/>
+          </p:cNvSpPr>
+          <p:nvPr>
+            <p:ph type="ftr" sz="quarter" idx="11"/>
+          </p:nvPr>
+        </p:nvSpPr>
+        <p:spPr/>
+        <p:txBody>
+          <a:bodyPr/>
+          <a:lstStyle/>
+          <a:p>
+            <a:r>
+              <a:rPr lang="en-US"/>
+              <a:t>G. Watts (UW/Seattle)</a:t>
+            </a:r>
+          </a:p>
+        </p:txBody>
+      </p:sp>
+      <p:sp>
+        <p:nvSpPr>
+          <p:cNvPr id="3" name="Slide Number Placeholder 2">
+            <a:extLst>
+              <a:ext uri="{FF2B5EF4-FFF2-40B4-BE49-F238E27FC236}">
+                <a16:creationId xmlns:a16="http://schemas.microsoft.com/office/drawing/2014/main" id="{5C4F55EE-4260-4CF0-82D2-217D2F3B53CF}"/>
+              </a:ext>
+            </a:extLst>
+          </p:cNvPr>
+          <p:cNvSpPr>
+            <a:spLocks noGrp="1"/>
+          </p:cNvSpPr>
+          <p:nvPr>
+            <p:ph type="sldNum" sz="quarter" idx="12"/>
+          </p:nvPr>
+        </p:nvSpPr>
+        <p:spPr/>
+        <p:txBody>
+          <a:bodyPr/>
+          <a:lstStyle/>
+          <a:p>
+            <a:fld id="{97B21D6D-C8F0-458B-8B37-8D3885B9A9EF}" type="slidenum">
+              <a:rPr lang="en-US" smtClean="0"/>
+              <a:t>17</a:t>
+            </a:fld>
+            <a:endParaRPr lang="en-US"/>
+          </a:p>
+        </p:txBody>
+      </p:sp>
+      <p:sp>
+        <p:nvSpPr>
+          <p:cNvPr id="4" name="TextBox 3">
+            <a:extLst>
+              <a:ext uri="{FF2B5EF4-FFF2-40B4-BE49-F238E27FC236}">
+                <a16:creationId xmlns:a16="http://schemas.microsoft.com/office/drawing/2014/main" id="{C7F996C1-ACA7-45A3-86A2-8698A2F1291D}"/>
+              </a:ext>
+            </a:extLst>
+          </p:cNvPr>
+          <p:cNvSpPr txBox="1"/>
+          <p:nvPr/>
+        </p:nvSpPr>
+        <p:spPr>
+          <a:xfrm>
+            <a:off x="1930180" y="3075057"/>
+            <a:ext cx="7338291" cy="707886"/>
+          </a:xfrm>
+          <a:prstGeom prst="rect">
+            <a:avLst/>
+          </a:prstGeom>
+          <a:noFill/>
+        </p:spPr>
+        <p:txBody>
+          <a:bodyPr wrap="none" rtlCol="0">
+            <a:spAutoFit/>
+          </a:bodyPr>
+          <a:lstStyle/>
+          <a:p>
+            <a:r>
+              <a:rPr lang="en-US" sz="4000" dirty="0"/>
+              <a:t>What if you already have an EDM?</a:t>
+            </a:r>
+          </a:p>
+        </p:txBody>
+      </p:sp>
+      <p:sp>
+        <p:nvSpPr>
+          <p:cNvPr id="5" name="TextBox 4">
+            <a:extLst>
+              <a:ext uri="{FF2B5EF4-FFF2-40B4-BE49-F238E27FC236}">
+                <a16:creationId xmlns:a16="http://schemas.microsoft.com/office/drawing/2014/main" id="{5B8EB8DB-0BC0-4ADB-88DF-4BA60EA6E76C}"/>
+              </a:ext>
+            </a:extLst>
+          </p:cNvPr>
+          <p:cNvSpPr txBox="1"/>
+          <p:nvPr/>
+        </p:nvSpPr>
+        <p:spPr>
+          <a:xfrm>
+            <a:off x="4919043" y="3863662"/>
+            <a:ext cx="2327881" cy="369332"/>
+          </a:xfrm>
+          <a:prstGeom prst="rect">
+            <a:avLst/>
+          </a:prstGeom>
+          <a:noFill/>
+        </p:spPr>
+        <p:txBody>
+          <a:bodyPr wrap="none" rtlCol="0">
+            <a:spAutoFit/>
+          </a:bodyPr>
+          <a:lstStyle/>
+          <a:p>
+            <a:r>
+              <a:rPr lang="en-US" dirty="0"/>
+              <a:t>(03_atlas_xAOD.ipynb)</a:t>
+            </a:r>
+          </a:p>
+        </p:txBody>
+      </p:sp>
+    </p:spTree>
+    <p:extLst>
+      <p:ext uri="{BB962C8B-B14F-4D97-AF65-F5344CB8AC3E}">
+        <p14:creationId xmlns:p14="http://schemas.microsoft.com/office/powerpoint/2010/main" val="827562720"/>
+      </p:ext>
+    </p:extLst>
+  </p:cSld>
+  <p:clrMapOvr>
+    <a:masterClrMapping/>
+  </p:clrMapOvr>
+</p:sld>
+</file>
+
+<file path=ppt/slides/slide18.xml><?xml version="1.0" encoding="utf-8"?>
+<p:sld xmlns:a="http://schemas.openxmlformats.org/drawingml/2006/main" xmlns:r="http://schemas.openxmlformats.org/officeDocument/2006/relationships" xmlns:p="http://schemas.openxmlformats.org/presentationml/2006/main">
+  <p:cSld>
+    <p:spTree>
+      <p:nvGrpSpPr>
+        <p:cNvPr id="1" name=""/>
+        <p:cNvGrpSpPr/>
+        <p:nvPr/>
+      </p:nvGrpSpPr>
+      <p:grpSpPr>
+        <a:xfrm>
+          <a:off x="0" y="0"/>
+          <a:ext cx="0" cy="0"/>
+          <a:chOff x="0" y="0"/>
+          <a:chExt cx="0" cy="0"/>
+        </a:xfrm>
+      </p:grpSpPr>
+      <p:sp>
+        <p:nvSpPr>
+          <p:cNvPr id="5" name="Title 4">
+            <a:extLst>
+              <a:ext uri="{FF2B5EF4-FFF2-40B4-BE49-F238E27FC236}">
+                <a16:creationId xmlns:a16="http://schemas.microsoft.com/office/drawing/2014/main" id="{9E61EC1F-17A0-4254-9EBD-C01C7D2204D5}"/>
+              </a:ext>
+            </a:extLst>
+          </p:cNvPr>
+          <p:cNvSpPr>
+            <a:spLocks noGrp="1"/>
+          </p:cNvSpPr>
+          <p:nvPr>
+            <p:ph type="title"/>
+          </p:nvPr>
+        </p:nvSpPr>
+        <p:spPr/>
+        <p:txBody>
+          <a:bodyPr/>
+          <a:lstStyle/>
+          <a:p>
+            <a:r>
+              <a:rPr lang="en-US" dirty="0"/>
+              <a:t>Usage Patterns</a:t>
+            </a:r>
+          </a:p>
+        </p:txBody>
+      </p:sp>
+      <p:sp>
+        <p:nvSpPr>
+          <p:cNvPr id="3" name="Footer Placeholder 2">
+            <a:extLst>
+              <a:ext uri="{FF2B5EF4-FFF2-40B4-BE49-F238E27FC236}">
+                <a16:creationId xmlns:a16="http://schemas.microsoft.com/office/drawing/2014/main" id="{2F29B22A-E497-4101-97E9-5717D4CFE681}"/>
+              </a:ext>
+            </a:extLst>
+          </p:cNvPr>
+          <p:cNvSpPr>
+            <a:spLocks noGrp="1"/>
+          </p:cNvSpPr>
+          <p:nvPr>
+            <p:ph type="ftr" sz="quarter" idx="11"/>
+          </p:nvPr>
+        </p:nvSpPr>
+        <p:spPr/>
+        <p:txBody>
+          <a:bodyPr/>
+          <a:lstStyle/>
+          <a:p>
+            <a:r>
+              <a:rPr lang="en-US"/>
+              <a:t>G. Watts (UW/Seattle)</a:t>
+            </a:r>
+          </a:p>
+        </p:txBody>
+      </p:sp>
+      <p:sp>
+        <p:nvSpPr>
+          <p:cNvPr id="4" name="Slide Number Placeholder 3">
+            <a:extLst>
+              <a:ext uri="{FF2B5EF4-FFF2-40B4-BE49-F238E27FC236}">
+                <a16:creationId xmlns:a16="http://schemas.microsoft.com/office/drawing/2014/main" id="{244D41FB-6413-4259-90FA-5560BC9FF0C9}"/>
+              </a:ext>
+            </a:extLst>
+          </p:cNvPr>
+          <p:cNvSpPr>
+            <a:spLocks noGrp="1"/>
+          </p:cNvSpPr>
+          <p:nvPr>
+            <p:ph type="sldNum" sz="quarter" idx="12"/>
+          </p:nvPr>
+        </p:nvSpPr>
+        <p:spPr/>
+        <p:txBody>
+          <a:bodyPr/>
+          <a:lstStyle/>
+          <a:p>
+            <a:fld id="{97B21D6D-C8F0-458B-8B37-8D3885B9A9EF}" type="slidenum">
+              <a:rPr lang="en-US" smtClean="0"/>
+              <a:t>18</a:t>
+            </a:fld>
+            <a:endParaRPr lang="en-US"/>
+          </a:p>
+        </p:txBody>
+      </p:sp>
+      <p:sp>
+        <p:nvSpPr>
+          <p:cNvPr id="6" name="Flowchart: Magnetic Disk 5">
+            <a:extLst>
+              <a:ext uri="{FF2B5EF4-FFF2-40B4-BE49-F238E27FC236}">
+                <a16:creationId xmlns:a16="http://schemas.microsoft.com/office/drawing/2014/main" id="{56858366-768C-4B21-B0B9-E0C35C1588F8}"/>
+              </a:ext>
+            </a:extLst>
+          </p:cNvPr>
+          <p:cNvSpPr/>
+          <p:nvPr/>
+        </p:nvSpPr>
+        <p:spPr>
+          <a:xfrm>
+            <a:off x="677639" y="3198243"/>
+            <a:ext cx="1475117" cy="987725"/>
+          </a:xfrm>
+          <a:prstGeom prst="flowChartMagneticDisk">
+            <a:avLst/>
+          </a:prstGeom>
+        </p:spPr>
+        <p:style>
+          <a:lnRef idx="2">
+            <a:schemeClr val="accent1">
+              <a:shade val="50000"/>
+            </a:schemeClr>
+          </a:lnRef>
+          <a:fillRef idx="1">
+            <a:schemeClr val="accent1"/>
+          </a:fillRef>
+          <a:effectRef idx="0">
+            <a:schemeClr val="accent1"/>
+          </a:effectRef>
+          <a:fontRef idx="minor">
+            <a:schemeClr val="lt1"/>
+          </a:fontRef>
+        </p:style>
+        <p:txBody>
+          <a:bodyPr rtlCol="0" anchor="ctr"/>
+          <a:lstStyle/>
+          <a:p>
+            <a:pPr algn="ctr"/>
+            <a:r>
+              <a:rPr lang="en-US" dirty="0" err="1"/>
+              <a:t>xAOD</a:t>
+            </a:r>
+            <a:r>
+              <a:rPr lang="en-US" dirty="0"/>
+              <a:t> File</a:t>
+            </a:r>
+          </a:p>
+        </p:txBody>
+      </p:sp>
+      <p:sp>
+        <p:nvSpPr>
+          <p:cNvPr id="8" name="TextBox 7">
+            <a:extLst>
+              <a:ext uri="{FF2B5EF4-FFF2-40B4-BE49-F238E27FC236}">
+                <a16:creationId xmlns:a16="http://schemas.microsoft.com/office/drawing/2014/main" id="{EED8730C-6122-4BDA-A653-7CF37C6FF6E1}"/>
+              </a:ext>
+            </a:extLst>
+          </p:cNvPr>
+          <p:cNvSpPr txBox="1"/>
+          <p:nvPr/>
+        </p:nvSpPr>
+        <p:spPr>
+          <a:xfrm>
+            <a:off x="3019168" y="3230440"/>
+            <a:ext cx="2951064" cy="923330"/>
+          </a:xfrm>
+          <a:prstGeom prst="rect">
+            <a:avLst/>
+          </a:prstGeom>
+          <a:noFill/>
+        </p:spPr>
+        <p:txBody>
+          <a:bodyPr wrap="none" rtlCol="0">
+            <a:spAutoFit/>
+          </a:bodyPr>
+          <a:lstStyle/>
+          <a:p>
+            <a:pPr marL="342900" indent="-342900">
+              <a:buAutoNum type="arabicPeriod"/>
+            </a:pPr>
+            <a:r>
+              <a:rPr lang="en-US" strike="sngStrike" dirty="0"/>
+              <a:t>Build Event Data Model</a:t>
+            </a:r>
+          </a:p>
+          <a:p>
+            <a:pPr marL="342900" indent="-342900">
+              <a:buAutoNum type="arabicPeriod"/>
+            </a:pPr>
+            <a:r>
+              <a:rPr lang="en-US" dirty="0"/>
+              <a:t>Filter</a:t>
+            </a:r>
+          </a:p>
+          <a:p>
+            <a:pPr marL="342900" indent="-342900">
+              <a:buAutoNum type="arabicPeriod"/>
+            </a:pPr>
+            <a:r>
+              <a:rPr lang="en-US" dirty="0"/>
+              <a:t>Select columns for output</a:t>
+            </a:r>
+          </a:p>
+        </p:txBody>
+      </p:sp>
+      <p:sp>
+        <p:nvSpPr>
+          <p:cNvPr id="9" name="Arrow: Right 8">
+            <a:extLst>
+              <a:ext uri="{FF2B5EF4-FFF2-40B4-BE49-F238E27FC236}">
+                <a16:creationId xmlns:a16="http://schemas.microsoft.com/office/drawing/2014/main" id="{4CB800A6-9796-46A4-934C-E0EA10BB34A5}"/>
+              </a:ext>
+            </a:extLst>
+          </p:cNvPr>
+          <p:cNvSpPr/>
+          <p:nvPr/>
+        </p:nvSpPr>
+        <p:spPr>
+          <a:xfrm>
+            <a:off x="2293518" y="3607667"/>
+            <a:ext cx="584887" cy="168876"/>
+          </a:xfrm>
+          <a:prstGeom prst="rightArrow">
+            <a:avLst/>
+          </a:prstGeom>
+        </p:spPr>
+        <p:style>
+          <a:lnRef idx="2">
+            <a:schemeClr val="accent1">
+              <a:shade val="50000"/>
+            </a:schemeClr>
+          </a:lnRef>
+          <a:fillRef idx="1">
+            <a:schemeClr val="accent1"/>
+          </a:fillRef>
+          <a:effectRef idx="0">
+            <a:schemeClr val="accent1"/>
+          </a:effectRef>
+          <a:fontRef idx="minor">
+            <a:schemeClr val="lt1"/>
+          </a:fontRef>
+        </p:style>
+        <p:txBody>
+          <a:bodyPr rtlCol="0" anchor="ctr"/>
+          <a:lstStyle/>
+          <a:p>
+            <a:pPr algn="ctr"/>
+            <a:endParaRPr lang="en-US"/>
+          </a:p>
+        </p:txBody>
+      </p:sp>
+      <p:sp>
+        <p:nvSpPr>
+          <p:cNvPr id="13" name="TextBox 12">
+            <a:extLst>
+              <a:ext uri="{FF2B5EF4-FFF2-40B4-BE49-F238E27FC236}">
+                <a16:creationId xmlns:a16="http://schemas.microsoft.com/office/drawing/2014/main" id="{AA05E534-C1E6-4735-8BAA-B6173D100565}"/>
+              </a:ext>
+            </a:extLst>
+          </p:cNvPr>
+          <p:cNvSpPr txBox="1"/>
+          <p:nvPr/>
+        </p:nvSpPr>
+        <p:spPr>
+          <a:xfrm>
+            <a:off x="6557321" y="3523936"/>
+            <a:ext cx="1383956" cy="369332"/>
+          </a:xfrm>
+          <a:prstGeom prst="rect">
+            <a:avLst/>
+          </a:prstGeom>
+          <a:noFill/>
+        </p:spPr>
+        <p:txBody>
+          <a:bodyPr wrap="square" rtlCol="0">
+            <a:spAutoFit/>
+          </a:bodyPr>
+          <a:lstStyle/>
+          <a:p>
+            <a:r>
+              <a:rPr lang="en-US" dirty="0"/>
+              <a:t>Using </a:t>
+            </a:r>
+            <a:r>
+              <a:rPr lang="en-US" dirty="0">
+                <a:solidFill>
+                  <a:schemeClr val="accent2"/>
+                </a:solidFill>
+              </a:rPr>
+              <a:t>Where</a:t>
+            </a:r>
+          </a:p>
+        </p:txBody>
+      </p:sp>
+      <p:cxnSp>
+        <p:nvCxnSpPr>
+          <p:cNvPr id="15" name="Straight Arrow Connector 14">
+            <a:extLst>
+              <a:ext uri="{FF2B5EF4-FFF2-40B4-BE49-F238E27FC236}">
+                <a16:creationId xmlns:a16="http://schemas.microsoft.com/office/drawing/2014/main" id="{3AC967DD-28A7-4965-819C-82EF49F197C0}"/>
+              </a:ext>
+            </a:extLst>
+          </p:cNvPr>
+          <p:cNvCxnSpPr>
+            <a:cxnSpLocks/>
+            <a:stCxn id="13" idx="1"/>
+          </p:cNvCxnSpPr>
+          <p:nvPr/>
+        </p:nvCxnSpPr>
+        <p:spPr>
+          <a:xfrm flipH="1" flipV="1">
+            <a:off x="4782065" y="3692105"/>
+            <a:ext cx="1775256" cy="16497"/>
+          </a:xfrm>
+          <a:prstGeom prst="straightConnector1">
+            <a:avLst/>
+          </a:prstGeom>
+          <a:ln>
+            <a:tailEnd type="triangle"/>
+          </a:ln>
+        </p:spPr>
+        <p:style>
+          <a:lnRef idx="1">
+            <a:schemeClr val="accent1"/>
+          </a:lnRef>
+          <a:fillRef idx="0">
+            <a:schemeClr val="accent1"/>
+          </a:fillRef>
+          <a:effectRef idx="0">
+            <a:schemeClr val="accent1"/>
+          </a:effectRef>
+          <a:fontRef idx="minor">
+            <a:schemeClr val="tx1"/>
+          </a:fontRef>
+        </p:style>
+      </p:cxnSp>
+      <p:sp>
+        <p:nvSpPr>
+          <p:cNvPr id="16" name="TextBox 15">
+            <a:extLst>
+              <a:ext uri="{FF2B5EF4-FFF2-40B4-BE49-F238E27FC236}">
+                <a16:creationId xmlns:a16="http://schemas.microsoft.com/office/drawing/2014/main" id="{E5628B99-E892-44C7-9CAD-E95E972B5315}"/>
+              </a:ext>
+            </a:extLst>
+          </p:cNvPr>
+          <p:cNvSpPr txBox="1"/>
+          <p:nvPr/>
+        </p:nvSpPr>
+        <p:spPr>
+          <a:xfrm>
+            <a:off x="6223687" y="4185968"/>
+            <a:ext cx="1717589" cy="646331"/>
+          </a:xfrm>
+          <a:prstGeom prst="rect">
+            <a:avLst/>
+          </a:prstGeom>
+          <a:noFill/>
+        </p:spPr>
+        <p:txBody>
+          <a:bodyPr wrap="square" rtlCol="0">
+            <a:spAutoFit/>
+          </a:bodyPr>
+          <a:lstStyle/>
+          <a:p>
+            <a:r>
+              <a:rPr lang="en-US" dirty="0"/>
+              <a:t>Using </a:t>
+            </a:r>
+            <a:r>
+              <a:rPr lang="en-US" dirty="0">
+                <a:solidFill>
+                  <a:schemeClr val="accent2"/>
+                </a:solidFill>
+              </a:rPr>
+              <a:t>Select</a:t>
+            </a:r>
+            <a:r>
+              <a:rPr lang="en-US" dirty="0"/>
+              <a:t> and a dictionary</a:t>
+            </a:r>
+            <a:endParaRPr lang="en-US" dirty="0">
+              <a:solidFill>
+                <a:schemeClr val="accent2"/>
+              </a:solidFill>
+            </a:endParaRPr>
+          </a:p>
+        </p:txBody>
+      </p:sp>
+      <p:cxnSp>
+        <p:nvCxnSpPr>
+          <p:cNvPr id="18" name="Straight Arrow Connector 17">
+            <a:extLst>
+              <a:ext uri="{FF2B5EF4-FFF2-40B4-BE49-F238E27FC236}">
+                <a16:creationId xmlns:a16="http://schemas.microsoft.com/office/drawing/2014/main" id="{BAAAF9E4-F6DA-4F87-A251-E15E279CB706}"/>
+              </a:ext>
+            </a:extLst>
+          </p:cNvPr>
+          <p:cNvCxnSpPr>
+            <a:stCxn id="16" idx="1"/>
+          </p:cNvCxnSpPr>
+          <p:nvPr/>
+        </p:nvCxnSpPr>
+        <p:spPr>
+          <a:xfrm flipH="1" flipV="1">
+            <a:off x="5836508" y="4153770"/>
+            <a:ext cx="387179" cy="355364"/>
+          </a:xfrm>
+          <a:prstGeom prst="straightConnector1">
+            <a:avLst/>
+          </a:prstGeom>
+          <a:ln>
+            <a:tailEnd type="triangle"/>
+          </a:ln>
+        </p:spPr>
+        <p:style>
+          <a:lnRef idx="1">
+            <a:schemeClr val="accent1"/>
+          </a:lnRef>
+          <a:fillRef idx="0">
+            <a:schemeClr val="accent1"/>
+          </a:fillRef>
+          <a:effectRef idx="0">
+            <a:schemeClr val="accent1"/>
+          </a:effectRef>
+          <a:fontRef idx="minor">
+            <a:schemeClr val="tx1"/>
+          </a:fontRef>
+        </p:style>
+      </p:cxnSp>
+      <p:cxnSp>
+        <p:nvCxnSpPr>
+          <p:cNvPr id="28" name="Straight Arrow Connector 27">
+            <a:extLst>
+              <a:ext uri="{FF2B5EF4-FFF2-40B4-BE49-F238E27FC236}">
+                <a16:creationId xmlns:a16="http://schemas.microsoft.com/office/drawing/2014/main" id="{C2B1A062-8C1A-40D2-A760-D55D2DA79844}"/>
+              </a:ext>
+            </a:extLst>
+          </p:cNvPr>
+          <p:cNvCxnSpPr>
+            <a:cxnSpLocks/>
+            <a:stCxn id="7" idx="2"/>
+            <a:endCxn id="13" idx="3"/>
+          </p:cNvCxnSpPr>
+          <p:nvPr/>
+        </p:nvCxnSpPr>
+        <p:spPr>
+          <a:xfrm flipH="1">
+            <a:off x="7941277" y="3303243"/>
+            <a:ext cx="1492732" cy="405359"/>
+          </a:xfrm>
+          <a:prstGeom prst="straightConnector1">
+            <a:avLst/>
+          </a:prstGeom>
+          <a:ln>
+            <a:tailEnd type="triangle"/>
+          </a:ln>
+        </p:spPr>
+        <p:style>
+          <a:lnRef idx="1">
+            <a:schemeClr val="accent1"/>
+          </a:lnRef>
+          <a:fillRef idx="0">
+            <a:schemeClr val="accent1"/>
+          </a:fillRef>
+          <a:effectRef idx="0">
+            <a:schemeClr val="accent1"/>
+          </a:effectRef>
+          <a:fontRef idx="minor">
+            <a:schemeClr val="tx1"/>
+          </a:fontRef>
+        </p:style>
+      </p:cxnSp>
+      <p:cxnSp>
+        <p:nvCxnSpPr>
+          <p:cNvPr id="34" name="Straight Arrow Connector 33">
+            <a:extLst>
+              <a:ext uri="{FF2B5EF4-FFF2-40B4-BE49-F238E27FC236}">
+                <a16:creationId xmlns:a16="http://schemas.microsoft.com/office/drawing/2014/main" id="{A2A443EF-7B3F-41EB-93F5-E9E7E640C14E}"/>
+              </a:ext>
+            </a:extLst>
+          </p:cNvPr>
+          <p:cNvCxnSpPr>
+            <a:cxnSpLocks/>
+            <a:stCxn id="17" idx="1"/>
+            <a:endCxn id="16" idx="3"/>
+          </p:cNvCxnSpPr>
+          <p:nvPr/>
+        </p:nvCxnSpPr>
+        <p:spPr>
+          <a:xfrm flipH="1" flipV="1">
+            <a:off x="7941276" y="4509134"/>
+            <a:ext cx="853685" cy="523601"/>
+          </a:xfrm>
+          <a:prstGeom prst="straightConnector1">
+            <a:avLst/>
+          </a:prstGeom>
+          <a:ln>
+            <a:tailEnd type="triangle"/>
+          </a:ln>
+        </p:spPr>
+        <p:style>
+          <a:lnRef idx="1">
+            <a:schemeClr val="accent1"/>
+          </a:lnRef>
+          <a:fillRef idx="0">
+            <a:schemeClr val="accent1"/>
+          </a:fillRef>
+          <a:effectRef idx="0">
+            <a:schemeClr val="accent1"/>
+          </a:effectRef>
+          <a:fontRef idx="minor">
+            <a:schemeClr val="tx1"/>
+          </a:fontRef>
+        </p:style>
+      </p:cxnSp>
+      <p:pic>
+        <p:nvPicPr>
+          <p:cNvPr id="7" name="Picture 6">
+            <a:extLst>
+              <a:ext uri="{FF2B5EF4-FFF2-40B4-BE49-F238E27FC236}">
+                <a16:creationId xmlns:a16="http://schemas.microsoft.com/office/drawing/2014/main" id="{21E1A6DA-6B5D-40DB-AF91-9F8E040BC408}"/>
+              </a:ext>
+            </a:extLst>
+          </p:cNvPr>
+          <p:cNvPicPr>
+            <a:picLocks noChangeAspect="1"/>
+          </p:cNvPicPr>
+          <p:nvPr/>
+        </p:nvPicPr>
+        <p:blipFill>
+          <a:blip r:embed="rId2"/>
+          <a:stretch>
+            <a:fillRect/>
+          </a:stretch>
+        </p:blipFill>
+        <p:spPr>
+          <a:xfrm>
+            <a:off x="7082481" y="2707920"/>
+            <a:ext cx="4703056" cy="595323"/>
+          </a:xfrm>
+          <a:prstGeom prst="rect">
+            <a:avLst/>
+          </a:prstGeom>
+        </p:spPr>
+      </p:pic>
+      <p:pic>
+        <p:nvPicPr>
+          <p:cNvPr id="17" name="Picture 16">
+            <a:extLst>
+              <a:ext uri="{FF2B5EF4-FFF2-40B4-BE49-F238E27FC236}">
+                <a16:creationId xmlns:a16="http://schemas.microsoft.com/office/drawing/2014/main" id="{0E105C40-FDAF-4A87-97DA-6722557B89FC}"/>
+              </a:ext>
+            </a:extLst>
+          </p:cNvPr>
+          <p:cNvPicPr>
+            <a:picLocks noChangeAspect="1"/>
+          </p:cNvPicPr>
+          <p:nvPr/>
+        </p:nvPicPr>
+        <p:blipFill>
+          <a:blip r:embed="rId3"/>
+          <a:stretch>
+            <a:fillRect/>
+          </a:stretch>
+        </p:blipFill>
+        <p:spPr>
+          <a:xfrm>
+            <a:off x="8794961" y="4338437"/>
+            <a:ext cx="3042191" cy="1388596"/>
+          </a:xfrm>
+          <a:prstGeom prst="rect">
+            <a:avLst/>
+          </a:prstGeom>
+        </p:spPr>
+      </p:pic>
+    </p:spTree>
+    <p:extLst>
+      <p:ext uri="{BB962C8B-B14F-4D97-AF65-F5344CB8AC3E}">
+        <p14:creationId xmlns:p14="http://schemas.microsoft.com/office/powerpoint/2010/main" val="1195153143"/>
+      </p:ext>
+    </p:extLst>
+  </p:cSld>
+  <p:clrMapOvr>
+    <a:masterClrMapping/>
+  </p:clrMapOvr>
+</p:sld>
+</file>
+
+<file path=ppt/slides/slide19.xml><?xml version="1.0" encoding="utf-8"?>
+<p:sld xmlns:a="http://schemas.openxmlformats.org/drawingml/2006/main" xmlns:r="http://schemas.openxmlformats.org/officeDocument/2006/relationships" xmlns:p="http://schemas.openxmlformats.org/presentationml/2006/main">
+  <p:cSld>
+    <p:spTree>
+      <p:nvGrpSpPr>
+        <p:cNvPr id="1" name=""/>
+        <p:cNvGrpSpPr/>
+        <p:nvPr/>
+      </p:nvGrpSpPr>
+      <p:grpSpPr>
+        <a:xfrm>
+          <a:off x="0" y="0"/>
+          <a:ext cx="0" cy="0"/>
+          <a:chOff x="0" y="0"/>
+          <a:chExt cx="0" cy="0"/>
+        </a:xfrm>
+      </p:grpSpPr>
+      <p:sp>
+        <p:nvSpPr>
+          <p:cNvPr id="2" name="Title 1">
+            <a:extLst>
+              <a:ext uri="{FF2B5EF4-FFF2-40B4-BE49-F238E27FC236}">
+                <a16:creationId xmlns:a16="http://schemas.microsoft.com/office/drawing/2014/main" id="{02D68B2C-C6AB-4131-9FA5-1625114D1405}"/>
+              </a:ext>
+            </a:extLst>
+          </p:cNvPr>
+          <p:cNvSpPr>
+            <a:spLocks noGrp="1"/>
+          </p:cNvSpPr>
+          <p:nvPr>
+            <p:ph type="title"/>
+          </p:nvPr>
+        </p:nvSpPr>
+        <p:spPr/>
+        <p:txBody>
+          <a:bodyPr/>
+          <a:lstStyle/>
+          <a:p>
+            <a:r>
+              <a:rPr lang="en-US" dirty="0"/>
+              <a:t>Extra Information</a:t>
+            </a:r>
+          </a:p>
+        </p:txBody>
+      </p:sp>
+      <p:sp>
+        <p:nvSpPr>
+          <p:cNvPr id="3" name="Footer Placeholder 2">
+            <a:extLst>
+              <a:ext uri="{FF2B5EF4-FFF2-40B4-BE49-F238E27FC236}">
+                <a16:creationId xmlns:a16="http://schemas.microsoft.com/office/drawing/2014/main" id="{811B63C2-13C3-4506-A459-CC61ECF1BF73}"/>
+              </a:ext>
+            </a:extLst>
+          </p:cNvPr>
+          <p:cNvSpPr>
+            <a:spLocks noGrp="1"/>
+          </p:cNvSpPr>
+          <p:nvPr>
+            <p:ph type="ftr" sz="quarter" idx="11"/>
+          </p:nvPr>
+        </p:nvSpPr>
+        <p:spPr/>
+        <p:txBody>
+          <a:bodyPr/>
+          <a:lstStyle/>
+          <a:p>
+            <a:r>
+              <a:rPr lang="en-US"/>
+              <a:t>G. Watts (UW/Seattle)</a:t>
+            </a:r>
+          </a:p>
+        </p:txBody>
+      </p:sp>
+      <p:sp>
+        <p:nvSpPr>
+          <p:cNvPr id="4" name="Slide Number Placeholder 3">
+            <a:extLst>
+              <a:ext uri="{FF2B5EF4-FFF2-40B4-BE49-F238E27FC236}">
+                <a16:creationId xmlns:a16="http://schemas.microsoft.com/office/drawing/2014/main" id="{8C59BA8D-453E-4B16-8F6B-15703DA3C74A}"/>
+              </a:ext>
+            </a:extLst>
+          </p:cNvPr>
+          <p:cNvSpPr>
+            <a:spLocks noGrp="1"/>
+          </p:cNvSpPr>
+          <p:nvPr>
+            <p:ph type="sldNum" sz="quarter" idx="12"/>
+          </p:nvPr>
+        </p:nvSpPr>
+        <p:spPr/>
+        <p:txBody>
+          <a:bodyPr/>
+          <a:lstStyle/>
+          <a:p>
+            <a:fld id="{97B21D6D-C8F0-458B-8B37-8D3885B9A9EF}" type="slidenum">
+              <a:rPr lang="en-US" smtClean="0"/>
+              <a:t>19</a:t>
+            </a:fld>
+            <a:endParaRPr lang="en-US"/>
+          </a:p>
+        </p:txBody>
+      </p:sp>
+    </p:spTree>
+    <p:extLst>
+      <p:ext uri="{BB962C8B-B14F-4D97-AF65-F5344CB8AC3E}">
+        <p14:creationId xmlns:p14="http://schemas.microsoft.com/office/powerpoint/2010/main" val="2479937974"/>
+      </p:ext>
+    </p:extLst>
+  </p:cSld>
+  <p:clrMapOvr>
+    <a:masterClrMapping/>
+  </p:clrMapOvr>
+</p:sld>
+</file>
+
 <file path=ppt/slides/slide2.xml><?xml version="1.0" encoding="utf-8"?>
 <p:sld xmlns:a="http://schemas.openxmlformats.org/drawingml/2006/main" xmlns:r="http://schemas.openxmlformats.org/officeDocument/2006/relationships" xmlns:p="http://schemas.openxmlformats.org/presentationml/2006/main">
   <p:cSld>
@@ -4469,63 +9110,10 @@
       </p:grpSpPr>
       <p:sp>
         <p:nvSpPr>
-          <p:cNvPr id="2" name="Title 1">
-            <a:extLst>
-              <a:ext uri="{FF2B5EF4-FFF2-40B4-BE49-F238E27FC236}">
-                <a16:creationId xmlns:a16="http://schemas.microsoft.com/office/drawing/2014/main" id="{34C949FF-41C6-40A5-AE65-21AD53A27382}"/>
-              </a:ext>
-            </a:extLst>
-          </p:cNvPr>
-          <p:cNvSpPr>
-            <a:spLocks noGrp="1"/>
-          </p:cNvSpPr>
-          <p:nvPr>
-            <p:ph type="title"/>
-          </p:nvPr>
-        </p:nvSpPr>
-        <p:spPr/>
-        <p:txBody>
-          <a:bodyPr/>
-          <a:lstStyle/>
-          <a:p>
-            <a:r>
-              <a:rPr lang="en-US" dirty="0"/>
-              <a:t>ServiceX Concepts</a:t>
-            </a:r>
-          </a:p>
-        </p:txBody>
-      </p:sp>
-      <p:sp>
-        <p:nvSpPr>
-          <p:cNvPr id="3" name="Text Placeholder 2">
-            <a:extLst>
-              <a:ext uri="{FF2B5EF4-FFF2-40B4-BE49-F238E27FC236}">
-                <a16:creationId xmlns:a16="http://schemas.microsoft.com/office/drawing/2014/main" id="{484E3732-58EB-46AE-97F8-98463751AC3F}"/>
-              </a:ext>
-            </a:extLst>
-          </p:cNvPr>
-          <p:cNvSpPr>
-            <a:spLocks noGrp="1"/>
-          </p:cNvSpPr>
-          <p:nvPr>
-            <p:ph type="body" idx="1"/>
-          </p:nvPr>
-        </p:nvSpPr>
-        <p:spPr/>
-        <p:txBody>
-          <a:bodyPr/>
-          <a:lstStyle/>
-          <a:p>
-            <a:endParaRPr lang="en-US"/>
-          </a:p>
-        </p:txBody>
-      </p:sp>
-      <p:sp>
-        <p:nvSpPr>
-          <p:cNvPr id="4" name="Footer Placeholder 3">
-            <a:extLst>
-              <a:ext uri="{FF2B5EF4-FFF2-40B4-BE49-F238E27FC236}">
-                <a16:creationId xmlns:a16="http://schemas.microsoft.com/office/drawing/2014/main" id="{351929C8-E817-4DEB-8E32-6369B6D268C9}"/>
+          <p:cNvPr id="2" name="Footer Placeholder 1">
+            <a:extLst>
+              <a:ext uri="{FF2B5EF4-FFF2-40B4-BE49-F238E27FC236}">
+                <a16:creationId xmlns:a16="http://schemas.microsoft.com/office/drawing/2014/main" id="{55F40871-AF2E-45D6-B72B-D32427F29D0C}"/>
               </a:ext>
             </a:extLst>
           </p:cNvPr>
@@ -4550,10 +9138,10 @@
       </p:sp>
       <p:sp>
         <p:nvSpPr>
-          <p:cNvPr id="5" name="Slide Number Placeholder 4">
-            <a:extLst>
-              <a:ext uri="{FF2B5EF4-FFF2-40B4-BE49-F238E27FC236}">
-                <a16:creationId xmlns:a16="http://schemas.microsoft.com/office/drawing/2014/main" id="{1A5F2C64-F613-4424-8D23-96C3A1E6F35C}"/>
+          <p:cNvPr id="3" name="Slide Number Placeholder 2">
+            <a:extLst>
+              <a:ext uri="{FF2B5EF4-FFF2-40B4-BE49-F238E27FC236}">
+                <a16:creationId xmlns:a16="http://schemas.microsoft.com/office/drawing/2014/main" id="{FB2E0C53-68F6-448B-920D-6DC76339D2D7}"/>
               </a:ext>
             </a:extLst>
           </p:cNvPr>
@@ -4577,10 +9165,45 @@
           </a:p>
         </p:txBody>
       </p:sp>
+      <p:sp>
+        <p:nvSpPr>
+          <p:cNvPr id="4" name="TextBox 3">
+            <a:extLst>
+              <a:ext uri="{FF2B5EF4-FFF2-40B4-BE49-F238E27FC236}">
+                <a16:creationId xmlns:a16="http://schemas.microsoft.com/office/drawing/2014/main" id="{83897192-AE21-4B88-BBF3-69EB7FE8D291}"/>
+              </a:ext>
+            </a:extLst>
+          </p:cNvPr>
+          <p:cNvSpPr txBox="1"/>
+          <p:nvPr/>
+        </p:nvSpPr>
+        <p:spPr>
+          <a:xfrm>
+            <a:off x="3056238" y="1128584"/>
+            <a:ext cx="2089996" cy="369332"/>
+          </a:xfrm>
+          <a:prstGeom prst="rect">
+            <a:avLst/>
+          </a:prstGeom>
+          <a:noFill/>
+        </p:spPr>
+        <p:txBody>
+          <a:bodyPr wrap="none" rtlCol="0">
+            <a:spAutoFit/>
+          </a:bodyPr>
+          <a:lstStyle/>
+          <a:p>
+            <a:r>
+              <a:rPr lang="en-US" dirty="0"/>
+              <a:t>Goals of this tutorial</a:t>
+            </a:r>
+          </a:p>
+        </p:txBody>
+      </p:sp>
     </p:spTree>
     <p:extLst>
       <p:ext uri="{BB962C8B-B14F-4D97-AF65-F5344CB8AC3E}">
-        <p14:creationId xmlns:p14="http://schemas.microsoft.com/office/powerpoint/2010/main" val="1575708982"/>
+        <p14:creationId xmlns:p14="http://schemas.microsoft.com/office/powerpoint/2010/main" val="3111599184"/>
       </p:ext>
     </p:extLst>
   </p:cSld>
@@ -4609,6 +9232,146 @@
       </p:grpSpPr>
       <p:sp>
         <p:nvSpPr>
+          <p:cNvPr id="2" name="Title 1">
+            <a:extLst>
+              <a:ext uri="{FF2B5EF4-FFF2-40B4-BE49-F238E27FC236}">
+                <a16:creationId xmlns:a16="http://schemas.microsoft.com/office/drawing/2014/main" id="{34C949FF-41C6-40A5-AE65-21AD53A27382}"/>
+              </a:ext>
+            </a:extLst>
+          </p:cNvPr>
+          <p:cNvSpPr>
+            <a:spLocks noGrp="1"/>
+          </p:cNvSpPr>
+          <p:nvPr>
+            <p:ph type="title"/>
+          </p:nvPr>
+        </p:nvSpPr>
+        <p:spPr/>
+        <p:txBody>
+          <a:bodyPr/>
+          <a:lstStyle/>
+          <a:p>
+            <a:r>
+              <a:rPr lang="en-US" dirty="0"/>
+              <a:t>ServiceX Concepts</a:t>
+            </a:r>
+          </a:p>
+        </p:txBody>
+      </p:sp>
+      <p:sp>
+        <p:nvSpPr>
+          <p:cNvPr id="3" name="Text Placeholder 2">
+            <a:extLst>
+              <a:ext uri="{FF2B5EF4-FFF2-40B4-BE49-F238E27FC236}">
+                <a16:creationId xmlns:a16="http://schemas.microsoft.com/office/drawing/2014/main" id="{484E3732-58EB-46AE-97F8-98463751AC3F}"/>
+              </a:ext>
+            </a:extLst>
+          </p:cNvPr>
+          <p:cNvSpPr>
+            <a:spLocks noGrp="1"/>
+          </p:cNvSpPr>
+          <p:nvPr>
+            <p:ph type="body" idx="1"/>
+          </p:nvPr>
+        </p:nvSpPr>
+        <p:spPr/>
+        <p:txBody>
+          <a:bodyPr/>
+          <a:lstStyle/>
+          <a:p>
+            <a:endParaRPr lang="en-US"/>
+          </a:p>
+        </p:txBody>
+      </p:sp>
+      <p:sp>
+        <p:nvSpPr>
+          <p:cNvPr id="4" name="Footer Placeholder 3">
+            <a:extLst>
+              <a:ext uri="{FF2B5EF4-FFF2-40B4-BE49-F238E27FC236}">
+                <a16:creationId xmlns:a16="http://schemas.microsoft.com/office/drawing/2014/main" id="{351929C8-E817-4DEB-8E32-6369B6D268C9}"/>
+              </a:ext>
+            </a:extLst>
+          </p:cNvPr>
+          <p:cNvSpPr>
+            <a:spLocks noGrp="1"/>
+          </p:cNvSpPr>
+          <p:nvPr>
+            <p:ph type="ftr" sz="quarter" idx="11"/>
+          </p:nvPr>
+        </p:nvSpPr>
+        <p:spPr/>
+        <p:txBody>
+          <a:bodyPr/>
+          <a:lstStyle/>
+          <a:p>
+            <a:r>
+              <a:rPr lang="en-US"/>
+              <a:t>G. Watts (UW/Seattle)</a:t>
+            </a:r>
+          </a:p>
+        </p:txBody>
+      </p:sp>
+      <p:sp>
+        <p:nvSpPr>
+          <p:cNvPr id="5" name="Slide Number Placeholder 4">
+            <a:extLst>
+              <a:ext uri="{FF2B5EF4-FFF2-40B4-BE49-F238E27FC236}">
+                <a16:creationId xmlns:a16="http://schemas.microsoft.com/office/drawing/2014/main" id="{1A5F2C64-F613-4424-8D23-96C3A1E6F35C}"/>
+              </a:ext>
+            </a:extLst>
+          </p:cNvPr>
+          <p:cNvSpPr>
+            <a:spLocks noGrp="1"/>
+          </p:cNvSpPr>
+          <p:nvPr>
+            <p:ph type="sldNum" sz="quarter" idx="12"/>
+          </p:nvPr>
+        </p:nvSpPr>
+        <p:spPr/>
+        <p:txBody>
+          <a:bodyPr/>
+          <a:lstStyle/>
+          <a:p>
+            <a:fld id="{97B21D6D-C8F0-458B-8B37-8D3885B9A9EF}" type="slidenum">
+              <a:rPr lang="en-US" smtClean="0"/>
+              <a:t>6</a:t>
+            </a:fld>
+            <a:endParaRPr lang="en-US"/>
+          </a:p>
+        </p:txBody>
+      </p:sp>
+    </p:spTree>
+    <p:extLst>
+      <p:ext uri="{BB962C8B-B14F-4D97-AF65-F5344CB8AC3E}">
+        <p14:creationId xmlns:p14="http://schemas.microsoft.com/office/powerpoint/2010/main" val="1575708982"/>
+      </p:ext>
+    </p:extLst>
+  </p:cSld>
+  <p:clrMapOvr>
+    <a:masterClrMapping/>
+  </p:clrMapOvr>
+</p:sld>
+</file>
+
+<file path=ppt/slides/slide7.xml><?xml version="1.0" encoding="utf-8"?>
+<p:sld xmlns:a="http://schemas.openxmlformats.org/drawingml/2006/main" xmlns:r="http://schemas.openxmlformats.org/officeDocument/2006/relationships" xmlns:p="http://schemas.openxmlformats.org/presentationml/2006/main">
+  <p:cSld>
+    <p:spTree>
+      <p:nvGrpSpPr>
+        <p:cNvPr id="1" name=""/>
+        <p:cNvGrpSpPr/>
+        <p:nvPr/>
+      </p:nvGrpSpPr>
+      <p:grpSpPr>
+        <a:xfrm>
+          <a:off x="0" y="0"/>
+          <a:ext cx="0" cy="0"/>
+          <a:chOff x="0" y="0"/>
+          <a:chExt cx="0" cy="0"/>
+        </a:xfrm>
+      </p:grpSpPr>
+      <p:sp>
+        <p:nvSpPr>
           <p:cNvPr id="2" name="Cylinder 1">
             <a:extLst>
               <a:ext uri="{FF2B5EF4-FFF2-40B4-BE49-F238E27FC236}">
@@ -4987,8 +9750,8 @@
           </a:p>
         </p:txBody>
       </p:sp>
-      <mc:AlternateContent xmlns:mc="http://schemas.openxmlformats.org/markup-compatibility/2006">
-        <mc:Choice xmlns:a14="http://schemas.microsoft.com/office/drawing/2010/main" Requires="a14">
+      <mc:AlternateContent xmlns:mc="http://schemas.openxmlformats.org/markup-compatibility/2006" xmlns:a14="http://schemas.microsoft.com/office/drawing/2010/main">
+        <mc:Choice Requires="a14">
           <p:sp>
             <p:nvSpPr>
               <p:cNvPr id="10" name="TextBox 9">
@@ -5202,7 +9965,7 @@
             </p:txBody>
           </p:sp>
         </mc:Choice>
-        <mc:Fallback>
+        <mc:Fallback xmlns="">
           <p:sp>
             <p:nvSpPr>
               <p:cNvPr id="10" name="TextBox 9">
@@ -5702,7 +10465,7 @@
           <a:p>
             <a:fld id="{97B21D6D-C8F0-458B-8B37-8D3885B9A9EF}" type="slidenum">
               <a:rPr lang="en-US" smtClean="0"/>
-              <a:t>6</a:t>
+              <a:t>7</a:t>
             </a:fld>
             <a:endParaRPr lang="en-US"/>
           </a:p>
@@ -5721,7 +10484,7 @@
 </p:sld>
 </file>
 
-<file path=ppt/slides/slide7.xml><?xml version="1.0" encoding="utf-8"?>
+<file path=ppt/slides/slide8.xml><?xml version="1.0" encoding="utf-8"?>
 <p:sld xmlns:a="http://schemas.openxmlformats.org/drawingml/2006/main" xmlns:r="http://schemas.openxmlformats.org/officeDocument/2006/relationships" xmlns:p="http://schemas.openxmlformats.org/presentationml/2006/main">
   <p:cSld>
     <p:spTree>
@@ -6169,7 +10932,7 @@
           <a:p>
             <a:fld id="{97B21D6D-C8F0-458B-8B37-8D3885B9A9EF}" type="slidenum">
               <a:rPr lang="en-US" smtClean="0"/>
-              <a:t>7</a:t>
+              <a:t>8</a:t>
             </a:fld>
             <a:endParaRPr lang="en-US"/>
           </a:p>
@@ -6363,8 +11126,8 @@
           </a:p>
         </p:txBody>
       </p:sp>
-      <mc:AlternateContent xmlns:mc="http://schemas.openxmlformats.org/markup-compatibility/2006">
-        <mc:Choice xmlns:a14="http://schemas.microsoft.com/office/drawing/2010/main" Requires="a14">
+      <mc:AlternateContent xmlns:mc="http://schemas.openxmlformats.org/markup-compatibility/2006" xmlns:a14="http://schemas.microsoft.com/office/drawing/2010/main">
+        <mc:Choice Requires="a14">
           <p:sp>
             <p:nvSpPr>
               <p:cNvPr id="20" name="TextBox 19">
@@ -6565,7 +11328,7 @@
             </p:txBody>
           </p:sp>
         </mc:Choice>
-        <mc:Fallback>
+        <mc:Fallback xmlns="">
           <p:sp>
             <p:nvSpPr>
               <p:cNvPr id="20" name="TextBox 19">
@@ -6704,7 +11467,7 @@
 </p:sld>
 </file>
 
-<file path=ppt/slides/slide8.xml><?xml version="1.0" encoding="utf-8"?>
+<file path=ppt/slides/slide9.xml><?xml version="1.0" encoding="utf-8"?>
 <p:sld xmlns:a="http://schemas.openxmlformats.org/drawingml/2006/main" xmlns:r="http://schemas.openxmlformats.org/officeDocument/2006/relationships" xmlns:p="http://schemas.openxmlformats.org/presentationml/2006/main">
   <p:cSld>
     <p:spTree>
@@ -7152,7 +11915,7 @@
           <a:p>
             <a:fld id="{97B21D6D-C8F0-458B-8B37-8D3885B9A9EF}" type="slidenum">
               <a:rPr lang="en-US" smtClean="0"/>
-              <a:t>8</a:t>
+              <a:t>9</a:t>
             </a:fld>
             <a:endParaRPr lang="en-US"/>
           </a:p>
@@ -7346,8 +12109,8 @@
           </a:p>
         </p:txBody>
       </p:sp>
-      <mc:AlternateContent xmlns:mc="http://schemas.openxmlformats.org/markup-compatibility/2006">
-        <mc:Choice xmlns:a14="http://schemas.microsoft.com/office/drawing/2010/main" Requires="a14">
+      <mc:AlternateContent xmlns:mc="http://schemas.openxmlformats.org/markup-compatibility/2006" xmlns:a14="http://schemas.microsoft.com/office/drawing/2010/main">
+        <mc:Choice Requires="a14">
           <p:sp>
             <p:nvSpPr>
               <p:cNvPr id="20" name="TextBox 19">
@@ -7548,7 +12311,7 @@
             </p:txBody>
           </p:sp>
         </mc:Choice>
-        <mc:Fallback>
+        <mc:Fallback xmlns="">
           <p:sp>
             <p:nvSpPr>
               <p:cNvPr id="20" name="TextBox 19">
@@ -7980,163 +12743,6 @@
     <p:extLst>
       <p:ext uri="{BB962C8B-B14F-4D97-AF65-F5344CB8AC3E}">
         <p14:creationId xmlns:p14="http://schemas.microsoft.com/office/powerpoint/2010/main" val="3561616251"/>
-      </p:ext>
-    </p:extLst>
-  </p:cSld>
-  <p:clrMapOvr>
-    <a:masterClrMapping/>
-  </p:clrMapOvr>
-</p:sld>
-</file>
-
-<file path=ppt/slides/slide9.xml><?xml version="1.0" encoding="utf-8"?>
-<p:sld xmlns:a="http://schemas.openxmlformats.org/drawingml/2006/main" xmlns:r="http://schemas.openxmlformats.org/officeDocument/2006/relationships" xmlns:p="http://schemas.openxmlformats.org/presentationml/2006/main">
-  <p:cSld>
-    <p:spTree>
-      <p:nvGrpSpPr>
-        <p:cNvPr id="1" name=""/>
-        <p:cNvGrpSpPr/>
-        <p:nvPr/>
-      </p:nvGrpSpPr>
-      <p:grpSpPr>
-        <a:xfrm>
-          <a:off x="0" y="0"/>
-          <a:ext cx="0" cy="0"/>
-          <a:chOff x="0" y="0"/>
-          <a:chExt cx="0" cy="0"/>
-        </a:xfrm>
-      </p:grpSpPr>
-      <p:sp>
-        <p:nvSpPr>
-          <p:cNvPr id="2" name="Footer Placeholder 1">
-            <a:extLst>
-              <a:ext uri="{FF2B5EF4-FFF2-40B4-BE49-F238E27FC236}">
-                <a16:creationId xmlns:a16="http://schemas.microsoft.com/office/drawing/2014/main" id="{0B9FA5B6-0B10-4DEF-A1B5-86BEC2D44A44}"/>
-              </a:ext>
-            </a:extLst>
-          </p:cNvPr>
-          <p:cNvSpPr>
-            <a:spLocks noGrp="1"/>
-          </p:cNvSpPr>
-          <p:nvPr>
-            <p:ph type="ftr" sz="quarter" idx="11"/>
-          </p:nvPr>
-        </p:nvSpPr>
-        <p:spPr/>
-        <p:txBody>
-          <a:bodyPr/>
-          <a:lstStyle/>
-          <a:p>
-            <a:r>
-              <a:rPr lang="en-US"/>
-              <a:t>G. Watts (UW/Seattle)</a:t>
-            </a:r>
-          </a:p>
-        </p:txBody>
-      </p:sp>
-      <p:sp>
-        <p:nvSpPr>
-          <p:cNvPr id="3" name="Slide Number Placeholder 2">
-            <a:extLst>
-              <a:ext uri="{FF2B5EF4-FFF2-40B4-BE49-F238E27FC236}">
-                <a16:creationId xmlns:a16="http://schemas.microsoft.com/office/drawing/2014/main" id="{5C4F55EE-4260-4CF0-82D2-217D2F3B53CF}"/>
-              </a:ext>
-            </a:extLst>
-          </p:cNvPr>
-          <p:cNvSpPr>
-            <a:spLocks noGrp="1"/>
-          </p:cNvSpPr>
-          <p:nvPr>
-            <p:ph type="sldNum" sz="quarter" idx="12"/>
-          </p:nvPr>
-        </p:nvSpPr>
-        <p:spPr/>
-        <p:txBody>
-          <a:bodyPr/>
-          <a:lstStyle/>
-          <a:p>
-            <a:fld id="{97B21D6D-C8F0-458B-8B37-8D3885B9A9EF}" type="slidenum">
-              <a:rPr lang="en-US" smtClean="0"/>
-              <a:t>9</a:t>
-            </a:fld>
-            <a:endParaRPr lang="en-US"/>
-          </a:p>
-        </p:txBody>
-      </p:sp>
-      <p:sp>
-        <p:nvSpPr>
-          <p:cNvPr id="4" name="TextBox 3">
-            <a:extLst>
-              <a:ext uri="{FF2B5EF4-FFF2-40B4-BE49-F238E27FC236}">
-                <a16:creationId xmlns:a16="http://schemas.microsoft.com/office/drawing/2014/main" id="{C7F996C1-ACA7-45A3-86A2-8698A2F1291D}"/>
-              </a:ext>
-            </a:extLst>
-          </p:cNvPr>
-          <p:cNvSpPr txBox="1"/>
-          <p:nvPr/>
-        </p:nvSpPr>
-        <p:spPr>
-          <a:xfrm>
-            <a:off x="3038336" y="3075057"/>
-            <a:ext cx="6115328" cy="707886"/>
-          </a:xfrm>
-          <a:prstGeom prst="rect">
-            <a:avLst/>
-          </a:prstGeom>
-          <a:noFill/>
-        </p:spPr>
-        <p:txBody>
-          <a:bodyPr wrap="none" rtlCol="0">
-            <a:spAutoFit/>
-          </a:bodyPr>
-          <a:lstStyle/>
-          <a:p>
-            <a:r>
-              <a:rPr lang="en-US" sz="4000" dirty="0"/>
-              <a:t>Lets build a query to do this!</a:t>
-            </a:r>
-          </a:p>
-        </p:txBody>
-      </p:sp>
-      <p:sp>
-        <p:nvSpPr>
-          <p:cNvPr id="5" name="TextBox 4">
-            <a:extLst>
-              <a:ext uri="{FF2B5EF4-FFF2-40B4-BE49-F238E27FC236}">
-                <a16:creationId xmlns:a16="http://schemas.microsoft.com/office/drawing/2014/main" id="{5B8EB8DB-0BC0-4ADB-88DF-4BA60EA6E76C}"/>
-              </a:ext>
-            </a:extLst>
-          </p:cNvPr>
-          <p:cNvSpPr txBox="1"/>
-          <p:nvPr/>
-        </p:nvSpPr>
-        <p:spPr>
-          <a:xfrm>
-            <a:off x="4919043" y="3863662"/>
-            <a:ext cx="2353914" cy="369332"/>
-          </a:xfrm>
-          <a:prstGeom prst="rect">
-            <a:avLst/>
-          </a:prstGeom>
-          <a:noFill/>
-        </p:spPr>
-        <p:txBody>
-          <a:bodyPr wrap="none" rtlCol="0">
-            <a:spAutoFit/>
-          </a:bodyPr>
-          <a:lstStyle/>
-          <a:p>
-            <a:r>
-              <a:rPr lang="en-US" dirty="0"/>
-              <a:t>(01_central_jets.ipynb)</a:t>
-            </a:r>
-          </a:p>
-        </p:txBody>
-      </p:sp>
-    </p:spTree>
-    <p:extLst>
-      <p:ext uri="{BB962C8B-B14F-4D97-AF65-F5344CB8AC3E}">
-        <p14:creationId xmlns:p14="http://schemas.microsoft.com/office/powerpoint/2010/main" val="422289290"/>
       </p:ext>
     </p:extLst>
   </p:cSld>

--- a/servicex.pptx
+++ b/servicex.pptx
@@ -5,7 +5,7 @@
     <p:sldMasterId id="2147483660" r:id="rId1"/>
   </p:sldMasterIdLst>
   <p:notesMasterIdLst>
-    <p:notesMasterId r:id="rId34"/>
+    <p:notesMasterId r:id="rId33"/>
   </p:notesMasterIdLst>
   <p:sldIdLst>
     <p:sldId id="256" r:id="rId2"/>
@@ -34,12 +34,11 @@
     <p:sldId id="290" r:id="rId25"/>
     <p:sldId id="289" r:id="rId26"/>
     <p:sldId id="293" r:id="rId27"/>
-    <p:sldId id="274" r:id="rId28"/>
-    <p:sldId id="288" r:id="rId29"/>
-    <p:sldId id="287" r:id="rId30"/>
-    <p:sldId id="294" r:id="rId31"/>
-    <p:sldId id="292" r:id="rId32"/>
-    <p:sldId id="291" r:id="rId33"/>
+    <p:sldId id="288" r:id="rId28"/>
+    <p:sldId id="287" r:id="rId29"/>
+    <p:sldId id="294" r:id="rId30"/>
+    <p:sldId id="292" r:id="rId31"/>
+    <p:sldId id="291" r:id="rId32"/>
   </p:sldIdLst>
   <p:sldSz cx="12192000" cy="6858000"/>
   <p:notesSz cx="6858000" cy="9144000"/>
@@ -3444,11 +3443,11 @@
           <a:p>
             <a:r>
               <a:rPr lang="en-US" dirty="0"/>
-              <a:t>G. Watts (for the ServiceX </a:t>
-            </a:r>
-            <a:r>
-              <a:rPr lang="en-US" dirty="0" err="1"/>
-              <a:t>Teram</a:t>
+              <a:t>G. Watts (for the </a:t>
+            </a:r>
+            <a:r>
+              <a:rPr lang="en-US"/>
+              <a:t>ServiceX Team</a:t>
             </a:r>
             <a:r>
               <a:rPr lang="en-US" dirty="0"/>
@@ -3873,8 +3872,8 @@
           </a:p>
         </p:txBody>
       </p:sp>
-      <mc:AlternateContent xmlns:mc="http://schemas.openxmlformats.org/markup-compatibility/2006">
-        <mc:Choice xmlns:a14="http://schemas.microsoft.com/office/drawing/2010/main" Requires="a14">
+      <mc:AlternateContent xmlns:mc="http://schemas.openxmlformats.org/markup-compatibility/2006" xmlns:a14="http://schemas.microsoft.com/office/drawing/2010/main">
+        <mc:Choice Requires="a14">
           <p:sp>
             <p:nvSpPr>
               <p:cNvPr id="10" name="TextBox 9">
@@ -4088,7 +4087,7 @@
             </p:txBody>
           </p:sp>
         </mc:Choice>
-        <mc:Fallback>
+        <mc:Fallback xmlns="">
           <p:sp>
             <p:nvSpPr>
               <p:cNvPr id="10" name="TextBox 9">
@@ -6044,8 +6043,8 @@
           </a:p>
         </p:txBody>
       </p:sp>
-      <mc:AlternateContent xmlns:mc="http://schemas.openxmlformats.org/markup-compatibility/2006">
-        <mc:Choice xmlns:a14="http://schemas.microsoft.com/office/drawing/2010/main" Requires="a14">
+      <mc:AlternateContent xmlns:mc="http://schemas.openxmlformats.org/markup-compatibility/2006" xmlns:a14="http://schemas.microsoft.com/office/drawing/2010/main">
+        <mc:Choice Requires="a14">
           <p:sp>
             <p:nvSpPr>
               <p:cNvPr id="20" name="TextBox 19">
@@ -6246,7 +6245,7 @@
             </p:txBody>
           </p:sp>
         </mc:Choice>
-        <mc:Fallback>
+        <mc:Fallback xmlns="">
           <p:sp>
             <p:nvSpPr>
               <p:cNvPr id="20" name="TextBox 19">
@@ -7376,8 +7375,8 @@
           </a:fontRef>
         </p:style>
       </p:cxnSp>
-      <mc:AlternateContent xmlns:mc="http://schemas.openxmlformats.org/markup-compatibility/2006">
-        <mc:Choice xmlns:a14="http://schemas.microsoft.com/office/drawing/2010/main" Requires="a14">
+      <mc:AlternateContent xmlns:mc="http://schemas.openxmlformats.org/markup-compatibility/2006" xmlns:a14="http://schemas.microsoft.com/office/drawing/2010/main">
+        <mc:Choice Requires="a14">
           <p:sp>
             <p:nvSpPr>
               <p:cNvPr id="29" name="TextBox 28">
@@ -7578,7 +7577,7 @@
             </p:txBody>
           </p:sp>
         </mc:Choice>
-        <mc:Fallback>
+        <mc:Fallback xmlns="">
           <p:sp>
             <p:nvSpPr>
               <p:cNvPr id="29" name="TextBox 28">
@@ -13765,6 +13764,49 @@
           </a:p>
         </p:txBody>
       </p:sp>
+      <p:sp>
+        <p:nvSpPr>
+          <p:cNvPr id="7" name="TextBox 6">
+            <a:extLst>
+              <a:ext uri="{FF2B5EF4-FFF2-40B4-BE49-F238E27FC236}">
+                <a16:creationId xmlns:a16="http://schemas.microsoft.com/office/drawing/2014/main" id="{B8177F48-8088-416B-9F09-7944C038492F}"/>
+              </a:ext>
+            </a:extLst>
+          </p:cNvPr>
+          <p:cNvSpPr txBox="1"/>
+          <p:nvPr/>
+        </p:nvSpPr>
+        <p:spPr>
+          <a:xfrm>
+            <a:off x="838200" y="5149516"/>
+            <a:ext cx="4206408" cy="369332"/>
+          </a:xfrm>
+          <a:prstGeom prst="rect">
+            <a:avLst/>
+          </a:prstGeom>
+          <a:noFill/>
+        </p:spPr>
+        <p:txBody>
+          <a:bodyPr wrap="none" rtlCol="0">
+            <a:spAutoFit/>
+          </a:bodyPr>
+          <a:lstStyle/>
+          <a:p>
+            <a:r>
+              <a:rPr lang="en-US" dirty="0"/>
+              <a:t>Demo: Show the </a:t>
+            </a:r>
+            <a:r>
+              <a:rPr lang="en-US" dirty="0" err="1"/>
+              <a:t>servicex_dummy.yaml</a:t>
+            </a:r>
+            <a:r>
+              <a:rPr lang="en-US" dirty="0"/>
+              <a:t> file</a:t>
+            </a:r>
+          </a:p>
+        </p:txBody>
+      </p:sp>
     </p:spTree>
     <p:extLst>
       <p:ext uri="{BB962C8B-B14F-4D97-AF65-F5344CB8AC3E}">
@@ -13797,38 +13839,10 @@
       </p:grpSpPr>
       <p:sp>
         <p:nvSpPr>
-          <p:cNvPr id="2" name="Title 1">
-            <a:extLst>
-              <a:ext uri="{FF2B5EF4-FFF2-40B4-BE49-F238E27FC236}">
-                <a16:creationId xmlns:a16="http://schemas.microsoft.com/office/drawing/2014/main" id="{02D68B2C-C6AB-4131-9FA5-1625114D1405}"/>
-              </a:ext>
-            </a:extLst>
-          </p:cNvPr>
-          <p:cNvSpPr>
-            <a:spLocks noGrp="1"/>
-          </p:cNvSpPr>
-          <p:nvPr>
-            <p:ph type="title"/>
-          </p:nvPr>
-        </p:nvSpPr>
-        <p:spPr/>
-        <p:txBody>
-          <a:bodyPr/>
-          <a:lstStyle/>
-          <a:p>
-            <a:r>
-              <a:rPr lang="en-US" dirty="0"/>
-              <a:t>Extra Information</a:t>
-            </a:r>
-          </a:p>
-        </p:txBody>
-      </p:sp>
-      <p:sp>
-        <p:nvSpPr>
-          <p:cNvPr id="3" name="Footer Placeholder 2">
-            <a:extLst>
-              <a:ext uri="{FF2B5EF4-FFF2-40B4-BE49-F238E27FC236}">
-                <a16:creationId xmlns:a16="http://schemas.microsoft.com/office/drawing/2014/main" id="{811B63C2-13C3-4506-A459-CC61ECF1BF73}"/>
+          <p:cNvPr id="4" name="Footer Placeholder 3">
+            <a:extLst>
+              <a:ext uri="{FF2B5EF4-FFF2-40B4-BE49-F238E27FC236}">
+                <a16:creationId xmlns:a16="http://schemas.microsoft.com/office/drawing/2014/main" id="{1EB1434E-8D2E-41F9-A982-3F4B339FDB46}"/>
               </a:ext>
             </a:extLst>
           </p:cNvPr>
@@ -13853,10 +13867,10 @@
       </p:sp>
       <p:sp>
         <p:nvSpPr>
-          <p:cNvPr id="4" name="Slide Number Placeholder 3">
-            <a:extLst>
-              <a:ext uri="{FF2B5EF4-FFF2-40B4-BE49-F238E27FC236}">
-                <a16:creationId xmlns:a16="http://schemas.microsoft.com/office/drawing/2014/main" id="{8C59BA8D-453E-4B16-8F6B-15703DA3C74A}"/>
+          <p:cNvPr id="5" name="Slide Number Placeholder 4">
+            <a:extLst>
+              <a:ext uri="{FF2B5EF4-FFF2-40B4-BE49-F238E27FC236}">
+                <a16:creationId xmlns:a16="http://schemas.microsoft.com/office/drawing/2014/main" id="{BD7BFD78-2D43-443C-8BCE-8AFF36A7F1BA}"/>
               </a:ext>
             </a:extLst>
           </p:cNvPr>
@@ -13875,151 +13889,6 @@
             <a:fld id="{97B21D6D-C8F0-458B-8B37-8D3885B9A9EF}" type="slidenum">
               <a:rPr lang="en-US" smtClean="0"/>
               <a:t>27</a:t>
-            </a:fld>
-            <a:endParaRPr lang="en-US"/>
-          </a:p>
-        </p:txBody>
-      </p:sp>
-      <p:sp>
-        <p:nvSpPr>
-          <p:cNvPr id="6" name="TextBox 5">
-            <a:extLst>
-              <a:ext uri="{FF2B5EF4-FFF2-40B4-BE49-F238E27FC236}">
-                <a16:creationId xmlns:a16="http://schemas.microsoft.com/office/drawing/2014/main" id="{CB5E164B-5E27-4D71-A4BC-A40C834BF6EC}"/>
-              </a:ext>
-            </a:extLst>
-          </p:cNvPr>
-          <p:cNvSpPr txBox="1"/>
-          <p:nvPr/>
-        </p:nvSpPr>
-        <p:spPr>
-          <a:xfrm>
-            <a:off x="3048000" y="2690336"/>
-            <a:ext cx="6096000" cy="1477328"/>
-          </a:xfrm>
-          <a:prstGeom prst="rect">
-            <a:avLst/>
-          </a:prstGeom>
-          <a:noFill/>
-        </p:spPr>
-        <p:txBody>
-          <a:bodyPr wrap="square">
-            <a:spAutoFit/>
-          </a:bodyPr>
-          <a:lstStyle/>
-          <a:p>
-            <a:br>
-              <a:rPr lang="en-GB" b="0" dirty="0">
-                <a:effectLst/>
-                <a:latin typeface="Consolas" panose="020B0609020204030204" pitchFamily="49" charset="0"/>
-              </a:rPr>
-            </a:br>
-            <a:r>
-              <a:rPr lang="en-GB" b="0" dirty="0">
-                <a:effectLst/>
-                <a:latin typeface="Consolas" panose="020B0609020204030204" pitchFamily="49" charset="0"/>
-              </a:rPr>
-              <a:t>All ServiceX instances require an account. To get an account go to [https://coffea-opendata.casa/](</a:t>
-            </a:r>
-            <a:r>
-              <a:rPr lang="en-GB" b="0" u="sng" dirty="0">
-                <a:effectLst/>
-                <a:latin typeface="Consolas" panose="020B0609020204030204" pitchFamily="49" charset="0"/>
-              </a:rPr>
-              <a:t>https://coffea-opendata.casa/</a:t>
-            </a:r>
-            <a:r>
-              <a:rPr lang="en-GB" b="0" dirty="0">
-                <a:effectLst/>
-                <a:latin typeface="Consolas" panose="020B0609020204030204" pitchFamily="49" charset="0"/>
-              </a:rPr>
-              <a:t>), log in, and wait to be approved.</a:t>
-            </a:r>
-          </a:p>
-        </p:txBody>
-      </p:sp>
-    </p:spTree>
-    <p:extLst>
-      <p:ext uri="{BB962C8B-B14F-4D97-AF65-F5344CB8AC3E}">
-        <p14:creationId xmlns:p14="http://schemas.microsoft.com/office/powerpoint/2010/main" val="2479937974"/>
-      </p:ext>
-    </p:extLst>
-  </p:cSld>
-  <p:clrMapOvr>
-    <a:masterClrMapping/>
-  </p:clrMapOvr>
-</p:sld>
-</file>
-
-<file path=ppt/slides/slide28.xml><?xml version="1.0" encoding="utf-8"?>
-<p:sld xmlns:a="http://schemas.openxmlformats.org/drawingml/2006/main" xmlns:r="http://schemas.openxmlformats.org/officeDocument/2006/relationships" xmlns:p="http://schemas.openxmlformats.org/presentationml/2006/main">
-  <p:cSld>
-    <p:spTree>
-      <p:nvGrpSpPr>
-        <p:cNvPr id="1" name=""/>
-        <p:cNvGrpSpPr/>
-        <p:nvPr/>
-      </p:nvGrpSpPr>
-      <p:grpSpPr>
-        <a:xfrm>
-          <a:off x="0" y="0"/>
-          <a:ext cx="0" cy="0"/>
-          <a:chOff x="0" y="0"/>
-          <a:chExt cx="0" cy="0"/>
-        </a:xfrm>
-      </p:grpSpPr>
-      <p:sp>
-        <p:nvSpPr>
-          <p:cNvPr id="4" name="Footer Placeholder 3">
-            <a:extLst>
-              <a:ext uri="{FF2B5EF4-FFF2-40B4-BE49-F238E27FC236}">
-                <a16:creationId xmlns:a16="http://schemas.microsoft.com/office/drawing/2014/main" id="{1EB1434E-8D2E-41F9-A982-3F4B339FDB46}"/>
-              </a:ext>
-            </a:extLst>
-          </p:cNvPr>
-          <p:cNvSpPr>
-            <a:spLocks noGrp="1"/>
-          </p:cNvSpPr>
-          <p:nvPr>
-            <p:ph type="ftr" sz="quarter" idx="11"/>
-          </p:nvPr>
-        </p:nvSpPr>
-        <p:spPr/>
-        <p:txBody>
-          <a:bodyPr/>
-          <a:lstStyle/>
-          <a:p>
-            <a:r>
-              <a:rPr lang="en-US"/>
-              <a:t>G. Watts (UW/Seattle)</a:t>
-            </a:r>
-          </a:p>
-        </p:txBody>
-      </p:sp>
-      <p:sp>
-        <p:nvSpPr>
-          <p:cNvPr id="5" name="Slide Number Placeholder 4">
-            <a:extLst>
-              <a:ext uri="{FF2B5EF4-FFF2-40B4-BE49-F238E27FC236}">
-                <a16:creationId xmlns:a16="http://schemas.microsoft.com/office/drawing/2014/main" id="{BD7BFD78-2D43-443C-8BCE-8AFF36A7F1BA}"/>
-              </a:ext>
-            </a:extLst>
-          </p:cNvPr>
-          <p:cNvSpPr>
-            <a:spLocks noGrp="1"/>
-          </p:cNvSpPr>
-          <p:nvPr>
-            <p:ph type="sldNum" sz="quarter" idx="12"/>
-          </p:nvPr>
-        </p:nvSpPr>
-        <p:spPr/>
-        <p:txBody>
-          <a:bodyPr/>
-          <a:lstStyle/>
-          <a:p>
-            <a:fld id="{97B21D6D-C8F0-458B-8B37-8D3885B9A9EF}" type="slidenum">
-              <a:rPr lang="en-US" smtClean="0"/>
-              <a:t>28</a:t>
             </a:fld>
             <a:endParaRPr lang="en-US"/>
           </a:p>
@@ -14243,7 +14112,7 @@
 </p:sld>
 </file>
 
-<file path=ppt/slides/slide29.xml><?xml version="1.0" encoding="utf-8"?>
+<file path=ppt/slides/slide28.xml><?xml version="1.0" encoding="utf-8"?>
 <p:sld xmlns:a="http://schemas.openxmlformats.org/drawingml/2006/main" xmlns:r="http://schemas.openxmlformats.org/officeDocument/2006/relationships" xmlns:p="http://schemas.openxmlformats.org/presentationml/2006/main">
   <p:cSld>
     <p:spTree>
@@ -14339,7 +14208,7 @@
           <a:p>
             <a:fld id="{97B21D6D-C8F0-458B-8B37-8D3885B9A9EF}" type="slidenum">
               <a:rPr lang="en-US" smtClean="0"/>
-              <a:t>29</a:t>
+              <a:t>28</a:t>
             </a:fld>
             <a:endParaRPr lang="en-US"/>
           </a:p>
@@ -14503,8 +14372,8 @@
           </a:p>
         </p:txBody>
       </p:sp>
-      <mc:AlternateContent xmlns:mc="http://schemas.openxmlformats.org/markup-compatibility/2006">
-        <mc:Choice xmlns:a14="http://schemas.microsoft.com/office/drawing/2010/main" Requires="a14">
+      <mc:AlternateContent xmlns:mc="http://schemas.openxmlformats.org/markup-compatibility/2006" xmlns:a14="http://schemas.microsoft.com/office/drawing/2010/main">
+        <mc:Choice Requires="a14">
           <p:sp>
             <p:nvSpPr>
               <p:cNvPr id="7" name="TextBox 6">
@@ -14588,7 +14457,7 @@
             </p:txBody>
           </p:sp>
         </mc:Choice>
-        <mc:Fallback>
+        <mc:Fallback xmlns="">
           <p:sp>
             <p:nvSpPr>
               <p:cNvPr id="7" name="TextBox 6">
@@ -14759,6 +14628,351 @@
 </p:sld>
 </file>
 
+<file path=ppt/slides/slide29.xml><?xml version="1.0" encoding="utf-8"?>
+<p:sld xmlns:a="http://schemas.openxmlformats.org/drawingml/2006/main" xmlns:r="http://schemas.openxmlformats.org/officeDocument/2006/relationships" xmlns:p="http://schemas.openxmlformats.org/presentationml/2006/main">
+  <p:cSld>
+    <p:spTree>
+      <p:nvGrpSpPr>
+        <p:cNvPr id="1" name=""/>
+        <p:cNvGrpSpPr/>
+        <p:nvPr/>
+      </p:nvGrpSpPr>
+      <p:grpSpPr>
+        <a:xfrm>
+          <a:off x="0" y="0"/>
+          <a:ext cx="0" cy="0"/>
+          <a:chOff x="0" y="0"/>
+          <a:chExt cx="0" cy="0"/>
+        </a:xfrm>
+      </p:grpSpPr>
+      <p:sp>
+        <p:nvSpPr>
+          <p:cNvPr id="2" name="Title 1">
+            <a:extLst>
+              <a:ext uri="{FF2B5EF4-FFF2-40B4-BE49-F238E27FC236}">
+                <a16:creationId xmlns:a16="http://schemas.microsoft.com/office/drawing/2014/main" id="{94E92C21-9BDA-4A7B-9DC3-43F26CCC6E1D}"/>
+              </a:ext>
+            </a:extLst>
+          </p:cNvPr>
+          <p:cNvSpPr>
+            <a:spLocks noGrp="1"/>
+          </p:cNvSpPr>
+          <p:nvPr>
+            <p:ph type="title"/>
+          </p:nvPr>
+        </p:nvSpPr>
+        <p:spPr/>
+        <p:txBody>
+          <a:bodyPr/>
+          <a:lstStyle/>
+          <a:p>
+            <a:r>
+              <a:rPr lang="en-US" dirty="0"/>
+              <a:t>Data</a:t>
+            </a:r>
+          </a:p>
+        </p:txBody>
+      </p:sp>
+      <p:sp>
+        <p:nvSpPr>
+          <p:cNvPr id="3" name="Footer Placeholder 2">
+            <a:extLst>
+              <a:ext uri="{FF2B5EF4-FFF2-40B4-BE49-F238E27FC236}">
+                <a16:creationId xmlns:a16="http://schemas.microsoft.com/office/drawing/2014/main" id="{ACB1B6F2-B9DA-4701-8F4C-49DB10FAEE76}"/>
+              </a:ext>
+            </a:extLst>
+          </p:cNvPr>
+          <p:cNvSpPr>
+            <a:spLocks noGrp="1"/>
+          </p:cNvSpPr>
+          <p:nvPr>
+            <p:ph type="ftr" sz="quarter" idx="11"/>
+          </p:nvPr>
+        </p:nvSpPr>
+        <p:spPr/>
+        <p:txBody>
+          <a:bodyPr/>
+          <a:lstStyle/>
+          <a:p>
+            <a:r>
+              <a:rPr lang="en-US"/>
+              <a:t>G. Watts (UW/Seattle)</a:t>
+            </a:r>
+          </a:p>
+        </p:txBody>
+      </p:sp>
+      <p:sp>
+        <p:nvSpPr>
+          <p:cNvPr id="4" name="Slide Number Placeholder 3">
+            <a:extLst>
+              <a:ext uri="{FF2B5EF4-FFF2-40B4-BE49-F238E27FC236}">
+                <a16:creationId xmlns:a16="http://schemas.microsoft.com/office/drawing/2014/main" id="{3729FAA7-017E-478B-BAAF-41231418BC0C}"/>
+              </a:ext>
+            </a:extLst>
+          </p:cNvPr>
+          <p:cNvSpPr>
+            <a:spLocks noGrp="1"/>
+          </p:cNvSpPr>
+          <p:nvPr>
+            <p:ph type="sldNum" sz="quarter" idx="12"/>
+          </p:nvPr>
+        </p:nvSpPr>
+        <p:spPr/>
+        <p:txBody>
+          <a:bodyPr/>
+          <a:lstStyle/>
+          <a:p>
+            <a:fld id="{97B21D6D-C8F0-458B-8B37-8D3885B9A9EF}" type="slidenum">
+              <a:rPr lang="en-US" smtClean="0"/>
+              <a:t>29</a:t>
+            </a:fld>
+            <a:endParaRPr lang="en-US"/>
+          </a:p>
+        </p:txBody>
+      </p:sp>
+      <p:sp>
+        <p:nvSpPr>
+          <p:cNvPr id="5" name="TextBox 4">
+            <a:extLst>
+              <a:ext uri="{FF2B5EF4-FFF2-40B4-BE49-F238E27FC236}">
+                <a16:creationId xmlns:a16="http://schemas.microsoft.com/office/drawing/2014/main" id="{93F1C5D0-01CF-45FD-AAB6-053F2E735B5A}"/>
+              </a:ext>
+            </a:extLst>
+          </p:cNvPr>
+          <p:cNvSpPr txBox="1"/>
+          <p:nvPr/>
+        </p:nvSpPr>
+        <p:spPr>
+          <a:xfrm>
+            <a:off x="838200" y="1958009"/>
+            <a:ext cx="3197478" cy="1200329"/>
+          </a:xfrm>
+          <a:prstGeom prst="rect">
+            <a:avLst/>
+          </a:prstGeom>
+          <a:noFill/>
+        </p:spPr>
+        <p:txBody>
+          <a:bodyPr wrap="none" rtlCol="0">
+            <a:spAutoFit/>
+          </a:bodyPr>
+          <a:lstStyle/>
+          <a:p>
+            <a:r>
+              <a:rPr lang="en-US" dirty="0"/>
+              <a:t>Available Transformers</a:t>
+            </a:r>
+          </a:p>
+          <a:p>
+            <a:pPr marL="285750" indent="-285750">
+              <a:buFont typeface="Arial" panose="020B0604020202020204" pitchFamily="34" charset="0"/>
+              <a:buChar char="•"/>
+            </a:pPr>
+            <a:r>
+              <a:rPr lang="en-US" dirty="0"/>
+              <a:t>Flat </a:t>
+            </a:r>
+            <a:r>
+              <a:rPr lang="en-US" dirty="0" err="1"/>
+              <a:t>ntuples</a:t>
+            </a:r>
+            <a:endParaRPr lang="en-US" dirty="0"/>
+          </a:p>
+          <a:p>
+            <a:pPr marL="285750" indent="-285750">
+              <a:buFont typeface="Arial" panose="020B0604020202020204" pitchFamily="34" charset="0"/>
+              <a:buChar char="•"/>
+            </a:pPr>
+            <a:r>
+              <a:rPr lang="en-US" dirty="0"/>
+              <a:t>ATLAS </a:t>
+            </a:r>
+            <a:r>
+              <a:rPr lang="en-US" dirty="0" err="1"/>
+              <a:t>xAOD</a:t>
+            </a:r>
+            <a:r>
+              <a:rPr lang="en-US" dirty="0"/>
+              <a:t> R21 datafiles</a:t>
+            </a:r>
+          </a:p>
+          <a:p>
+            <a:pPr marL="285750" indent="-285750">
+              <a:buFont typeface="Arial" panose="020B0604020202020204" pitchFamily="34" charset="0"/>
+              <a:buChar char="•"/>
+            </a:pPr>
+            <a:r>
+              <a:rPr lang="en-US" dirty="0"/>
+              <a:t>CMS Run 1 AOD datafiles (*)</a:t>
+            </a:r>
+          </a:p>
+        </p:txBody>
+      </p:sp>
+      <p:sp>
+        <p:nvSpPr>
+          <p:cNvPr id="6" name="TextBox 5">
+            <a:extLst>
+              <a:ext uri="{FF2B5EF4-FFF2-40B4-BE49-F238E27FC236}">
+                <a16:creationId xmlns:a16="http://schemas.microsoft.com/office/drawing/2014/main" id="{1D94301A-8F8D-46B4-90DC-67F1C0E30D53}"/>
+              </a:ext>
+            </a:extLst>
+          </p:cNvPr>
+          <p:cNvSpPr txBox="1"/>
+          <p:nvPr/>
+        </p:nvSpPr>
+        <p:spPr>
+          <a:xfrm>
+            <a:off x="838200" y="3879574"/>
+            <a:ext cx="5971635" cy="1200329"/>
+          </a:xfrm>
+          <a:prstGeom prst="rect">
+            <a:avLst/>
+          </a:prstGeom>
+          <a:noFill/>
+        </p:spPr>
+        <p:txBody>
+          <a:bodyPr wrap="none" rtlCol="0">
+            <a:spAutoFit/>
+          </a:bodyPr>
+          <a:lstStyle/>
+          <a:p>
+            <a:r>
+              <a:rPr lang="en-US" dirty="0"/>
+              <a:t>Data Sources</a:t>
+            </a:r>
+          </a:p>
+          <a:p>
+            <a:pPr marL="285750" indent="-285750">
+              <a:buFont typeface="Arial" panose="020B0604020202020204" pitchFamily="34" charset="0"/>
+              <a:buChar char="•"/>
+            </a:pPr>
+            <a:r>
+              <a:rPr lang="en-US" dirty="0"/>
+              <a:t>Files available over open network via http:// or root://</a:t>
+            </a:r>
+          </a:p>
+          <a:p>
+            <a:pPr marL="285750" indent="-285750">
+              <a:buFont typeface="Arial" panose="020B0604020202020204" pitchFamily="34" charset="0"/>
+              <a:buChar char="•"/>
+            </a:pPr>
+            <a:r>
+              <a:rPr lang="en-US" dirty="0"/>
+              <a:t>CMS or ATLAS </a:t>
+            </a:r>
+            <a:r>
+              <a:rPr lang="en-US" dirty="0" err="1"/>
+              <a:t>rucio</a:t>
+            </a:r>
+            <a:r>
+              <a:rPr lang="en-US" dirty="0"/>
+              <a:t> datasets</a:t>
+            </a:r>
+          </a:p>
+          <a:p>
+            <a:pPr marL="285750" indent="-285750">
+              <a:buFont typeface="Arial" panose="020B0604020202020204" pitchFamily="34" charset="0"/>
+              <a:buChar char="•"/>
+            </a:pPr>
+            <a:r>
+              <a:rPr lang="en-US" dirty="0"/>
+              <a:t>CERN open data records (as long as they are sensibly used)</a:t>
+            </a:r>
+          </a:p>
+        </p:txBody>
+      </p:sp>
+      <p:sp>
+        <p:nvSpPr>
+          <p:cNvPr id="7" name="Right Brace 6">
+            <a:extLst>
+              <a:ext uri="{FF2B5EF4-FFF2-40B4-BE49-F238E27FC236}">
+                <a16:creationId xmlns:a16="http://schemas.microsoft.com/office/drawing/2014/main" id="{21BFD005-1D5F-41ED-8409-426C0A7FFE57}"/>
+              </a:ext>
+            </a:extLst>
+          </p:cNvPr>
+          <p:cNvSpPr/>
+          <p:nvPr/>
+        </p:nvSpPr>
+        <p:spPr>
+          <a:xfrm>
+            <a:off x="7315200" y="1818861"/>
+            <a:ext cx="387626" cy="1339477"/>
+          </a:xfrm>
+          <a:prstGeom prst="rightBrace">
+            <a:avLst/>
+          </a:prstGeom>
+        </p:spPr>
+        <p:style>
+          <a:lnRef idx="1">
+            <a:schemeClr val="accent1"/>
+          </a:lnRef>
+          <a:fillRef idx="0">
+            <a:schemeClr val="accent1"/>
+          </a:fillRef>
+          <a:effectRef idx="0">
+            <a:schemeClr val="accent1"/>
+          </a:effectRef>
+          <a:fontRef idx="minor">
+            <a:schemeClr val="tx1"/>
+          </a:fontRef>
+        </p:style>
+        <p:txBody>
+          <a:bodyPr rtlCol="0" anchor="ctr"/>
+          <a:lstStyle/>
+          <a:p>
+            <a:pPr algn="ctr"/>
+            <a:endParaRPr lang="en-US"/>
+          </a:p>
+        </p:txBody>
+      </p:sp>
+      <p:sp>
+        <p:nvSpPr>
+          <p:cNvPr id="8" name="TextBox 7">
+            <a:extLst>
+              <a:ext uri="{FF2B5EF4-FFF2-40B4-BE49-F238E27FC236}">
+                <a16:creationId xmlns:a16="http://schemas.microsoft.com/office/drawing/2014/main" id="{C7B0C81C-1745-4A83-8FE0-6C8F9AD91356}"/>
+              </a:ext>
+            </a:extLst>
+          </p:cNvPr>
+          <p:cNvSpPr txBox="1"/>
+          <p:nvPr/>
+        </p:nvSpPr>
+        <p:spPr>
+          <a:xfrm>
+            <a:off x="7976937" y="2165433"/>
+            <a:ext cx="2931695" cy="646331"/>
+          </a:xfrm>
+          <a:prstGeom prst="rect">
+            <a:avLst/>
+          </a:prstGeom>
+          <a:noFill/>
+        </p:spPr>
+        <p:txBody>
+          <a:bodyPr wrap="square" rtlCol="0">
+            <a:spAutoFit/>
+          </a:bodyPr>
+          <a:lstStyle/>
+          <a:p>
+            <a:r>
+              <a:rPr lang="en-US" dirty="0"/>
+              <a:t>Ongoing project to make it simpler to add to this list!</a:t>
+            </a:r>
+          </a:p>
+        </p:txBody>
+      </p:sp>
+    </p:spTree>
+    <p:extLst>
+      <p:ext uri="{BB962C8B-B14F-4D97-AF65-F5344CB8AC3E}">
+        <p14:creationId xmlns:p14="http://schemas.microsoft.com/office/powerpoint/2010/main" val="915673024"/>
+      </p:ext>
+    </p:extLst>
+  </p:cSld>
+  <p:clrMapOvr>
+    <a:masterClrMapping/>
+  </p:clrMapOvr>
+</p:sld>
+</file>
+
 <file path=ppt/slides/slide3.xml><?xml version="1.0" encoding="utf-8"?>
 <p:sld xmlns:a="http://schemas.openxmlformats.org/drawingml/2006/main" xmlns:r="http://schemas.openxmlformats.org/officeDocument/2006/relationships" xmlns:p="http://schemas.openxmlformats.org/presentationml/2006/main">
   <p:cSld>
@@ -15374,7 +15588,7 @@
           <p:cNvPr id="2" name="Title 1">
             <a:extLst>
               <a:ext uri="{FF2B5EF4-FFF2-40B4-BE49-F238E27FC236}">
-                <a16:creationId xmlns:a16="http://schemas.microsoft.com/office/drawing/2014/main" id="{94E92C21-9BDA-4A7B-9DC3-43F26CCC6E1D}"/>
+                <a16:creationId xmlns:a16="http://schemas.microsoft.com/office/drawing/2014/main" id="{671F710C-FAB6-4DAD-A810-CAB59EBA02DA}"/>
               </a:ext>
             </a:extLst>
           </p:cNvPr>
@@ -15392,7 +15606,7 @@
           <a:p>
             <a:r>
               <a:rPr lang="en-US" dirty="0"/>
-              <a:t>Data</a:t>
+              <a:t>Some other places to look</a:t>
             </a:r>
           </a:p>
         </p:txBody>
@@ -15402,7 +15616,7 @@
           <p:cNvPr id="3" name="Footer Placeholder 2">
             <a:extLst>
               <a:ext uri="{FF2B5EF4-FFF2-40B4-BE49-F238E27FC236}">
-                <a16:creationId xmlns:a16="http://schemas.microsoft.com/office/drawing/2014/main" id="{ACB1B6F2-B9DA-4701-8F4C-49DB10FAEE76}"/>
+                <a16:creationId xmlns:a16="http://schemas.microsoft.com/office/drawing/2014/main" id="{4557B2D9-05F8-41A7-9319-6427D2E59F23}"/>
               </a:ext>
             </a:extLst>
           </p:cNvPr>
@@ -15430,7 +15644,7 @@
           <p:cNvPr id="4" name="Slide Number Placeholder 3">
             <a:extLst>
               <a:ext uri="{FF2B5EF4-FFF2-40B4-BE49-F238E27FC236}">
-                <a16:creationId xmlns:a16="http://schemas.microsoft.com/office/drawing/2014/main" id="{3729FAA7-017E-478B-BAAF-41231418BC0C}"/>
+                <a16:creationId xmlns:a16="http://schemas.microsoft.com/office/drawing/2014/main" id="{A2170D0D-0455-49F9-92C4-46A2D26CD783}"/>
               </a:ext>
             </a:extLst>
           </p:cNvPr>
@@ -15459,7 +15673,7 @@
           <p:cNvPr id="5" name="TextBox 4">
             <a:extLst>
               <a:ext uri="{FF2B5EF4-FFF2-40B4-BE49-F238E27FC236}">
-                <a16:creationId xmlns:a16="http://schemas.microsoft.com/office/drawing/2014/main" id="{93F1C5D0-01CF-45FD-AAB6-053F2E735B5A}"/>
+                <a16:creationId xmlns:a16="http://schemas.microsoft.com/office/drawing/2014/main" id="{68AB169A-5945-41FA-A616-07DEA39DECA3}"/>
               </a:ext>
             </a:extLst>
           </p:cNvPr>
@@ -15468,8 +15682,8 @@
         </p:nvSpPr>
         <p:spPr>
           <a:xfrm>
-            <a:off x="838200" y="1958009"/>
-            <a:ext cx="3197478" cy="1200329"/>
+            <a:off x="838200" y="3144253"/>
+            <a:ext cx="9818137" cy="1477328"/>
           </a:xfrm>
           <a:prstGeom prst="rect">
             <a:avLst/>
@@ -15484,32 +15698,7 @@
           <a:p>
             <a:r>
               <a:rPr lang="en-US" dirty="0"/>
-              <a:t>Available Transformers</a:t>
-            </a:r>
-          </a:p>
-          <a:p>
-            <a:pPr marL="285750" indent="-285750">
-              <a:buFont typeface="Arial" panose="020B0604020202020204" pitchFamily="34" charset="0"/>
-              <a:buChar char="•"/>
-            </a:pPr>
-            <a:r>
-              <a:rPr lang="en-US" dirty="0"/>
-              <a:t>Flat </a:t>
-            </a:r>
-            <a:r>
-              <a:rPr lang="en-US" dirty="0" err="1"/>
-              <a:t>ntuples</a:t>
-            </a:r>
-            <a:endParaRPr lang="en-US" dirty="0"/>
-          </a:p>
-          <a:p>
-            <a:pPr marL="285750" indent="-285750">
-              <a:buFont typeface="Arial" panose="020B0604020202020204" pitchFamily="34" charset="0"/>
-              <a:buChar char="•"/>
-            </a:pPr>
-            <a:r>
-              <a:rPr lang="en-US" dirty="0"/>
-              <a:t>ATLAS </a:t>
+              <a:t>Lots of details about ATLAS </a:t>
             </a:r>
             <a:r>
               <a:rPr lang="en-US" dirty="0" err="1"/>
@@ -15517,169 +15706,47 @@
             </a:r>
             <a:r>
               <a:rPr lang="en-US" dirty="0"/>
-              <a:t> R21 datafiles</a:t>
-            </a:r>
-          </a:p>
-          <a:p>
-            <a:pPr marL="285750" indent="-285750">
-              <a:buFont typeface="Arial" panose="020B0604020202020204" pitchFamily="34" charset="0"/>
-              <a:buChar char="•"/>
-            </a:pPr>
-            <a:r>
-              <a:rPr lang="en-US" dirty="0"/>
-              <a:t>CMS Run 1 AOD datafiles (*)</a:t>
-            </a:r>
-          </a:p>
-        </p:txBody>
-      </p:sp>
-      <p:sp>
-        <p:nvSpPr>
-          <p:cNvPr id="6" name="TextBox 5">
-            <a:extLst>
-              <a:ext uri="{FF2B5EF4-FFF2-40B4-BE49-F238E27FC236}">
-                <a16:creationId xmlns:a16="http://schemas.microsoft.com/office/drawing/2014/main" id="{1D94301A-8F8D-46B4-90DC-67F1C0E30D53}"/>
-              </a:ext>
-            </a:extLst>
-          </p:cNvPr>
-          <p:cNvSpPr txBox="1"/>
-          <p:nvPr/>
-        </p:nvSpPr>
-        <p:spPr>
-          <a:xfrm>
-            <a:off x="838200" y="3879574"/>
-            <a:ext cx="5971635" cy="1200329"/>
-          </a:xfrm>
-          <a:prstGeom prst="rect">
-            <a:avLst/>
-          </a:prstGeom>
-          <a:noFill/>
-        </p:spPr>
-        <p:txBody>
-          <a:bodyPr wrap="none" rtlCol="0">
-            <a:spAutoFit/>
-          </a:bodyPr>
-          <a:lstStyle/>
-          <a:p>
-            <a:r>
-              <a:rPr lang="en-US" dirty="0"/>
-              <a:t>Data Sources</a:t>
-            </a:r>
-          </a:p>
-          <a:p>
-            <a:pPr marL="285750" indent="-285750">
-              <a:buFont typeface="Arial" panose="020B0604020202020204" pitchFamily="34" charset="0"/>
-              <a:buChar char="•"/>
-            </a:pPr>
-            <a:r>
-              <a:rPr lang="en-US" dirty="0"/>
-              <a:t>Files available over open network via http:// or root://</a:t>
-            </a:r>
-          </a:p>
-          <a:p>
-            <a:pPr marL="285750" indent="-285750">
-              <a:buFont typeface="Arial" panose="020B0604020202020204" pitchFamily="34" charset="0"/>
-              <a:buChar char="•"/>
-            </a:pPr>
-            <a:r>
-              <a:rPr lang="en-US" dirty="0"/>
-              <a:t>CMS or ATLAS </a:t>
-            </a:r>
-            <a:r>
-              <a:rPr lang="en-US" dirty="0" err="1"/>
-              <a:t>rucio</a:t>
-            </a:r>
-            <a:r>
-              <a:rPr lang="en-US" dirty="0"/>
-              <a:t> datasets</a:t>
-            </a:r>
-          </a:p>
-          <a:p>
-            <a:pPr marL="285750" indent="-285750">
-              <a:buFont typeface="Arial" panose="020B0604020202020204" pitchFamily="34" charset="0"/>
-              <a:buChar char="•"/>
-            </a:pPr>
-            <a:r>
-              <a:rPr lang="en-US" dirty="0"/>
-              <a:t>CERN open data records (as long as they are sensibly used)</a:t>
-            </a:r>
-          </a:p>
-        </p:txBody>
-      </p:sp>
-      <p:sp>
-        <p:nvSpPr>
-          <p:cNvPr id="7" name="Right Brace 6">
-            <a:extLst>
-              <a:ext uri="{FF2B5EF4-FFF2-40B4-BE49-F238E27FC236}">
-                <a16:creationId xmlns:a16="http://schemas.microsoft.com/office/drawing/2014/main" id="{21BFD005-1D5F-41ED-8409-426C0A7FFE57}"/>
-              </a:ext>
-            </a:extLst>
-          </p:cNvPr>
-          <p:cNvSpPr/>
-          <p:nvPr/>
-        </p:nvSpPr>
-        <p:spPr>
-          <a:xfrm>
-            <a:off x="7315200" y="1818861"/>
-            <a:ext cx="387626" cy="1339477"/>
-          </a:xfrm>
-          <a:prstGeom prst="rightBrace">
-            <a:avLst/>
-          </a:prstGeom>
-        </p:spPr>
-        <p:style>
-          <a:lnRef idx="1">
-            <a:schemeClr val="accent1"/>
-          </a:lnRef>
-          <a:fillRef idx="0">
-            <a:schemeClr val="accent1"/>
-          </a:fillRef>
-          <a:effectRef idx="0">
-            <a:schemeClr val="accent1"/>
-          </a:effectRef>
-          <a:fontRef idx="minor">
-            <a:schemeClr val="tx1"/>
-          </a:fontRef>
-        </p:style>
-        <p:txBody>
-          <a:bodyPr rtlCol="0" anchor="ctr"/>
-          <a:lstStyle/>
-          <a:p>
-            <a:pPr algn="ctr"/>
-            <a:endParaRPr lang="en-US"/>
-          </a:p>
-        </p:txBody>
-      </p:sp>
-      <p:sp>
-        <p:nvSpPr>
-          <p:cNvPr id="8" name="TextBox 7">
-            <a:extLst>
-              <a:ext uri="{FF2B5EF4-FFF2-40B4-BE49-F238E27FC236}">
-                <a16:creationId xmlns:a16="http://schemas.microsoft.com/office/drawing/2014/main" id="{C7B0C81C-1745-4A83-8FE0-6C8F9AD91356}"/>
-              </a:ext>
-            </a:extLst>
-          </p:cNvPr>
-          <p:cNvSpPr txBox="1"/>
-          <p:nvPr/>
-        </p:nvSpPr>
-        <p:spPr>
-          <a:xfrm>
-            <a:off x="7976937" y="2165433"/>
-            <a:ext cx="2931695" cy="646331"/>
-          </a:xfrm>
-          <a:prstGeom prst="rect">
-            <a:avLst/>
-          </a:prstGeom>
-          <a:noFill/>
-        </p:spPr>
-        <p:txBody>
-          <a:bodyPr wrap="square" rtlCol="0">
-            <a:spAutoFit/>
-          </a:bodyPr>
-          <a:lstStyle/>
-          <a:p>
-            <a:r>
-              <a:rPr lang="en-US" dirty="0"/>
-              <a:t>Ongoing project to make it simpler to add to this list!</a:t>
+              <a:t> access: </a:t>
+            </a:r>
+            <a:r>
+              <a:rPr lang="en-US" dirty="0">
+                <a:hlinkClick r:id="rId2"/>
+              </a:rPr>
+              <a:t>https://gordonwatts.github.io/xaod_usage/intro.html</a:t>
+            </a:r>
+            <a:endParaRPr lang="en-US" dirty="0"/>
+          </a:p>
+          <a:p>
+            <a:endParaRPr lang="en-US" dirty="0"/>
+          </a:p>
+          <a:p>
+            <a:r>
+              <a:rPr lang="en-US" dirty="0"/>
+              <a:t>Using the uproot backend: </a:t>
+            </a:r>
+            <a:r>
+              <a:rPr lang="en-US" dirty="0">
+                <a:hlinkClick r:id="rId3"/>
+              </a:rPr>
+              <a:t>https://github.com/masonproffitt/func-adl-demo/blob/master/demo.ipynb</a:t>
+            </a:r>
+            <a:endParaRPr lang="en-US" dirty="0"/>
+          </a:p>
+          <a:p>
+            <a:endParaRPr lang="en-US" dirty="0"/>
+          </a:p>
+          <a:p>
+            <a:r>
+              <a:rPr lang="en-US" dirty="0"/>
+              <a:t>Coming soon: basic and advanced users manual for </a:t>
+            </a:r>
+            <a:r>
+              <a:rPr lang="en-US" i="1" dirty="0" err="1"/>
+              <a:t>func_adl</a:t>
+            </a:r>
+            <a:r>
+              <a:rPr lang="en-US" dirty="0"/>
+              <a:t>.</a:t>
             </a:r>
           </a:p>
         </p:txBody>
@@ -15687,7 +15754,7 @@
     </p:spTree>
     <p:extLst>
       <p:ext uri="{BB962C8B-B14F-4D97-AF65-F5344CB8AC3E}">
-        <p14:creationId xmlns:p14="http://schemas.microsoft.com/office/powerpoint/2010/main" val="915673024"/>
+        <p14:creationId xmlns:p14="http://schemas.microsoft.com/office/powerpoint/2010/main" val="3639749022"/>
       </p:ext>
     </p:extLst>
   </p:cSld>
@@ -15719,7 +15786,7 @@
           <p:cNvPr id="2" name="Title 1">
             <a:extLst>
               <a:ext uri="{FF2B5EF4-FFF2-40B4-BE49-F238E27FC236}">
-                <a16:creationId xmlns:a16="http://schemas.microsoft.com/office/drawing/2014/main" id="{671F710C-FAB6-4DAD-A810-CAB59EBA02DA}"/>
+                <a16:creationId xmlns:a16="http://schemas.microsoft.com/office/drawing/2014/main" id="{1B0F4B48-0D95-4256-968D-00C6105ECE7C}"/>
               </a:ext>
             </a:extLst>
           </p:cNvPr>
@@ -15737,7 +15804,7 @@
           <a:p>
             <a:r>
               <a:rPr lang="en-US" dirty="0"/>
-              <a:t>Some other places to look</a:t>
+              <a:t>What are we working on?</a:t>
             </a:r>
           </a:p>
         </p:txBody>
@@ -15747,7 +15814,7 @@
           <p:cNvPr id="3" name="Footer Placeholder 2">
             <a:extLst>
               <a:ext uri="{FF2B5EF4-FFF2-40B4-BE49-F238E27FC236}">
-                <a16:creationId xmlns:a16="http://schemas.microsoft.com/office/drawing/2014/main" id="{4557B2D9-05F8-41A7-9319-6427D2E59F23}"/>
+                <a16:creationId xmlns:a16="http://schemas.microsoft.com/office/drawing/2014/main" id="{A0FCF1F5-7785-4F24-837B-0ADA3F707666}"/>
               </a:ext>
             </a:extLst>
           </p:cNvPr>
@@ -15775,7 +15842,7 @@
           <p:cNvPr id="4" name="Slide Number Placeholder 3">
             <a:extLst>
               <a:ext uri="{FF2B5EF4-FFF2-40B4-BE49-F238E27FC236}">
-                <a16:creationId xmlns:a16="http://schemas.microsoft.com/office/drawing/2014/main" id="{A2170D0D-0455-49F9-92C4-46A2D26CD783}"/>
+                <a16:creationId xmlns:a16="http://schemas.microsoft.com/office/drawing/2014/main" id="{084D0F7F-53E5-4EC8-A8FB-746AD65E54F6}"/>
               </a:ext>
             </a:extLst>
           </p:cNvPr>
@@ -15794,204 +15861,6 @@
             <a:fld id="{97B21D6D-C8F0-458B-8B37-8D3885B9A9EF}" type="slidenum">
               <a:rPr lang="en-US" smtClean="0"/>
               <a:t>31</a:t>
-            </a:fld>
-            <a:endParaRPr lang="en-US"/>
-          </a:p>
-        </p:txBody>
-      </p:sp>
-      <p:sp>
-        <p:nvSpPr>
-          <p:cNvPr id="5" name="TextBox 4">
-            <a:extLst>
-              <a:ext uri="{FF2B5EF4-FFF2-40B4-BE49-F238E27FC236}">
-                <a16:creationId xmlns:a16="http://schemas.microsoft.com/office/drawing/2014/main" id="{68AB169A-5945-41FA-A616-07DEA39DECA3}"/>
-              </a:ext>
-            </a:extLst>
-          </p:cNvPr>
-          <p:cNvSpPr txBox="1"/>
-          <p:nvPr/>
-        </p:nvSpPr>
-        <p:spPr>
-          <a:xfrm>
-            <a:off x="838200" y="3144253"/>
-            <a:ext cx="9818137" cy="1477328"/>
-          </a:xfrm>
-          <a:prstGeom prst="rect">
-            <a:avLst/>
-          </a:prstGeom>
-          <a:noFill/>
-        </p:spPr>
-        <p:txBody>
-          <a:bodyPr wrap="none" rtlCol="0">
-            <a:spAutoFit/>
-          </a:bodyPr>
-          <a:lstStyle/>
-          <a:p>
-            <a:r>
-              <a:rPr lang="en-US" dirty="0"/>
-              <a:t>Lots of details about ATLAS </a:t>
-            </a:r>
-            <a:r>
-              <a:rPr lang="en-US" dirty="0" err="1"/>
-              <a:t>xAOD</a:t>
-            </a:r>
-            <a:r>
-              <a:rPr lang="en-US" dirty="0"/>
-              <a:t> access: </a:t>
-            </a:r>
-            <a:r>
-              <a:rPr lang="en-US" dirty="0">
-                <a:hlinkClick r:id="rId2"/>
-              </a:rPr>
-              <a:t>https://gordonwatts.github.io/xaod_usage/intro.html</a:t>
-            </a:r>
-            <a:endParaRPr lang="en-US" dirty="0"/>
-          </a:p>
-          <a:p>
-            <a:endParaRPr lang="en-US" dirty="0"/>
-          </a:p>
-          <a:p>
-            <a:r>
-              <a:rPr lang="en-US" dirty="0"/>
-              <a:t>Using the uproot backend: </a:t>
-            </a:r>
-            <a:r>
-              <a:rPr lang="en-US" dirty="0">
-                <a:hlinkClick r:id="rId3"/>
-              </a:rPr>
-              <a:t>https://github.com/masonproffitt/func-adl-demo/blob/master/demo.ipynb</a:t>
-            </a:r>
-            <a:endParaRPr lang="en-US" dirty="0"/>
-          </a:p>
-          <a:p>
-            <a:endParaRPr lang="en-US" dirty="0"/>
-          </a:p>
-          <a:p>
-            <a:r>
-              <a:rPr lang="en-US" dirty="0"/>
-              <a:t>Coming soon: basic and advanced users manual for </a:t>
-            </a:r>
-            <a:r>
-              <a:rPr lang="en-US" i="1" dirty="0" err="1"/>
-              <a:t>func_adl</a:t>
-            </a:r>
-            <a:r>
-              <a:rPr lang="en-US" dirty="0"/>
-              <a:t>.</a:t>
-            </a:r>
-          </a:p>
-        </p:txBody>
-      </p:sp>
-    </p:spTree>
-    <p:extLst>
-      <p:ext uri="{BB962C8B-B14F-4D97-AF65-F5344CB8AC3E}">
-        <p14:creationId xmlns:p14="http://schemas.microsoft.com/office/powerpoint/2010/main" val="3639749022"/>
-      </p:ext>
-    </p:extLst>
-  </p:cSld>
-  <p:clrMapOvr>
-    <a:masterClrMapping/>
-  </p:clrMapOvr>
-</p:sld>
-</file>
-
-<file path=ppt/slides/slide32.xml><?xml version="1.0" encoding="utf-8"?>
-<p:sld xmlns:a="http://schemas.openxmlformats.org/drawingml/2006/main" xmlns:r="http://schemas.openxmlformats.org/officeDocument/2006/relationships" xmlns:p="http://schemas.openxmlformats.org/presentationml/2006/main">
-  <p:cSld>
-    <p:spTree>
-      <p:nvGrpSpPr>
-        <p:cNvPr id="1" name=""/>
-        <p:cNvGrpSpPr/>
-        <p:nvPr/>
-      </p:nvGrpSpPr>
-      <p:grpSpPr>
-        <a:xfrm>
-          <a:off x="0" y="0"/>
-          <a:ext cx="0" cy="0"/>
-          <a:chOff x="0" y="0"/>
-          <a:chExt cx="0" cy="0"/>
-        </a:xfrm>
-      </p:grpSpPr>
-      <p:sp>
-        <p:nvSpPr>
-          <p:cNvPr id="2" name="Title 1">
-            <a:extLst>
-              <a:ext uri="{FF2B5EF4-FFF2-40B4-BE49-F238E27FC236}">
-                <a16:creationId xmlns:a16="http://schemas.microsoft.com/office/drawing/2014/main" id="{1B0F4B48-0D95-4256-968D-00C6105ECE7C}"/>
-              </a:ext>
-            </a:extLst>
-          </p:cNvPr>
-          <p:cNvSpPr>
-            <a:spLocks noGrp="1"/>
-          </p:cNvSpPr>
-          <p:nvPr>
-            <p:ph type="title"/>
-          </p:nvPr>
-        </p:nvSpPr>
-        <p:spPr/>
-        <p:txBody>
-          <a:bodyPr/>
-          <a:lstStyle/>
-          <a:p>
-            <a:r>
-              <a:rPr lang="en-US" dirty="0"/>
-              <a:t>What are we working on?</a:t>
-            </a:r>
-          </a:p>
-        </p:txBody>
-      </p:sp>
-      <p:sp>
-        <p:nvSpPr>
-          <p:cNvPr id="3" name="Footer Placeholder 2">
-            <a:extLst>
-              <a:ext uri="{FF2B5EF4-FFF2-40B4-BE49-F238E27FC236}">
-                <a16:creationId xmlns:a16="http://schemas.microsoft.com/office/drawing/2014/main" id="{A0FCF1F5-7785-4F24-837B-0ADA3F707666}"/>
-              </a:ext>
-            </a:extLst>
-          </p:cNvPr>
-          <p:cNvSpPr>
-            <a:spLocks noGrp="1"/>
-          </p:cNvSpPr>
-          <p:nvPr>
-            <p:ph type="ftr" sz="quarter" idx="11"/>
-          </p:nvPr>
-        </p:nvSpPr>
-        <p:spPr/>
-        <p:txBody>
-          <a:bodyPr/>
-          <a:lstStyle/>
-          <a:p>
-            <a:r>
-              <a:rPr lang="en-US"/>
-              <a:t>G. Watts (UW/Seattle)</a:t>
-            </a:r>
-          </a:p>
-        </p:txBody>
-      </p:sp>
-      <p:sp>
-        <p:nvSpPr>
-          <p:cNvPr id="4" name="Slide Number Placeholder 3">
-            <a:extLst>
-              <a:ext uri="{FF2B5EF4-FFF2-40B4-BE49-F238E27FC236}">
-                <a16:creationId xmlns:a16="http://schemas.microsoft.com/office/drawing/2014/main" id="{084D0F7F-53E5-4EC8-A8FB-746AD65E54F6}"/>
-              </a:ext>
-            </a:extLst>
-          </p:cNvPr>
-          <p:cNvSpPr>
-            <a:spLocks noGrp="1"/>
-          </p:cNvSpPr>
-          <p:nvPr>
-            <p:ph type="sldNum" sz="quarter" idx="12"/>
-          </p:nvPr>
-        </p:nvSpPr>
-        <p:spPr/>
-        <p:txBody>
-          <a:bodyPr/>
-          <a:lstStyle/>
-          <a:p>
-            <a:fld id="{97B21D6D-C8F0-458B-8B37-8D3885B9A9EF}" type="slidenum">
-              <a:rPr lang="en-US" smtClean="0"/>
-              <a:t>32</a:t>
             </a:fld>
             <a:endParaRPr lang="en-US"/>
           </a:p>
